--- a/mod2project.pptx
+++ b/mod2project.pptx
@@ -13,8 +13,9 @@
     <p:sldId id="261" r:id="rId7"/>
     <p:sldId id="262" r:id="rId8"/>
     <p:sldId id="263" r:id="rId9"/>
-    <p:sldId id="264" r:id="rId10"/>
-    <p:sldId id="266" r:id="rId11"/>
+    <p:sldId id="267" r:id="rId10"/>
+    <p:sldId id="264" r:id="rId11"/>
+    <p:sldId id="266" r:id="rId12"/>
   </p:sldIdLst>
   <p:sldSz cx="12192000" cy="6858000"/>
   <p:notesSz cx="6858000" cy="9144000"/>
@@ -113,6 +114,11 @@
       </a:defRPr>
     </a:lvl9pPr>
   </p:defaultTextStyle>
+  <p:extLst>
+    <p:ext uri="{EFAFB233-063F-42B5-8137-9DF3F51BA10A}">
+      <p15:sldGuideLst xmlns:p15="http://schemas.microsoft.com/office/powerpoint/2012/main"/>
+    </p:ext>
+  </p:extLst>
 </p:presentation>
 </file>
 
@@ -263,7 +269,7 @@
           <a:p>
             <a:fld id="{5B02BD65-3391-2944-991E-E19F88740928}" type="datetimeFigureOut">
               <a:rPr lang="en-US" smtClean="0"/>
-              <a:t>5/16/20</a:t>
+              <a:t>5/17/20</a:t>
             </a:fld>
             <a:endParaRPr lang="en-US"/>
           </a:p>
@@ -461,7 +467,7 @@
           <a:p>
             <a:fld id="{5B02BD65-3391-2944-991E-E19F88740928}" type="datetimeFigureOut">
               <a:rPr lang="en-US" smtClean="0"/>
-              <a:t>5/16/20</a:t>
+              <a:t>5/17/20</a:t>
             </a:fld>
             <a:endParaRPr lang="en-US"/>
           </a:p>
@@ -669,7 +675,7 @@
           <a:p>
             <a:fld id="{5B02BD65-3391-2944-991E-E19F88740928}" type="datetimeFigureOut">
               <a:rPr lang="en-US" smtClean="0"/>
-              <a:t>5/16/20</a:t>
+              <a:t>5/17/20</a:t>
             </a:fld>
             <a:endParaRPr lang="en-US"/>
           </a:p>
@@ -867,7 +873,7 @@
           <a:p>
             <a:fld id="{5B02BD65-3391-2944-991E-E19F88740928}" type="datetimeFigureOut">
               <a:rPr lang="en-US" smtClean="0"/>
-              <a:t>5/16/20</a:t>
+              <a:t>5/17/20</a:t>
             </a:fld>
             <a:endParaRPr lang="en-US"/>
           </a:p>
@@ -1142,7 +1148,7 @@
           <a:p>
             <a:fld id="{5B02BD65-3391-2944-991E-E19F88740928}" type="datetimeFigureOut">
               <a:rPr lang="en-US" smtClean="0"/>
-              <a:t>5/16/20</a:t>
+              <a:t>5/17/20</a:t>
             </a:fld>
             <a:endParaRPr lang="en-US"/>
           </a:p>
@@ -1407,7 +1413,7 @@
           <a:p>
             <a:fld id="{5B02BD65-3391-2944-991E-E19F88740928}" type="datetimeFigureOut">
               <a:rPr lang="en-US" smtClean="0"/>
-              <a:t>5/16/20</a:t>
+              <a:t>5/17/20</a:t>
             </a:fld>
             <a:endParaRPr lang="en-US"/>
           </a:p>
@@ -1819,7 +1825,7 @@
           <a:p>
             <a:fld id="{5B02BD65-3391-2944-991E-E19F88740928}" type="datetimeFigureOut">
               <a:rPr lang="en-US" smtClean="0"/>
-              <a:t>5/16/20</a:t>
+              <a:t>5/17/20</a:t>
             </a:fld>
             <a:endParaRPr lang="en-US"/>
           </a:p>
@@ -1960,7 +1966,7 @@
           <a:p>
             <a:fld id="{5B02BD65-3391-2944-991E-E19F88740928}" type="datetimeFigureOut">
               <a:rPr lang="en-US" smtClean="0"/>
-              <a:t>5/16/20</a:t>
+              <a:t>5/17/20</a:t>
             </a:fld>
             <a:endParaRPr lang="en-US"/>
           </a:p>
@@ -2073,7 +2079,7 @@
           <a:p>
             <a:fld id="{5B02BD65-3391-2944-991E-E19F88740928}" type="datetimeFigureOut">
               <a:rPr lang="en-US" smtClean="0"/>
-              <a:t>5/16/20</a:t>
+              <a:t>5/17/20</a:t>
             </a:fld>
             <a:endParaRPr lang="en-US"/>
           </a:p>
@@ -2384,7 +2390,7 @@
           <a:p>
             <a:fld id="{5B02BD65-3391-2944-991E-E19F88740928}" type="datetimeFigureOut">
               <a:rPr lang="en-US" smtClean="0"/>
-              <a:t>5/16/20</a:t>
+              <a:t>5/17/20</a:t>
             </a:fld>
             <a:endParaRPr lang="en-US"/>
           </a:p>
@@ -2672,7 +2678,7 @@
           <a:p>
             <a:fld id="{5B02BD65-3391-2944-991E-E19F88740928}" type="datetimeFigureOut">
               <a:rPr lang="en-US" smtClean="0"/>
-              <a:t>5/16/20</a:t>
+              <a:t>5/17/20</a:t>
             </a:fld>
             <a:endParaRPr lang="en-US"/>
           </a:p>
@@ -2913,7 +2919,7 @@
           <a:p>
             <a:fld id="{5B02BD65-3391-2944-991E-E19F88740928}" type="datetimeFigureOut">
               <a:rPr lang="en-US" smtClean="0"/>
-              <a:t>5/16/20</a:t>
+              <a:t>5/17/20</a:t>
             </a:fld>
             <a:endParaRPr lang="en-US"/>
           </a:p>
@@ -3481,6 +3487,94 @@
           <p:cNvPr id="2" name="Title 1">
             <a:extLst>
               <a:ext uri="{FF2B5EF4-FFF2-40B4-BE49-F238E27FC236}">
+                <a16:creationId xmlns:a16="http://schemas.microsoft.com/office/drawing/2014/main" id="{6E7D0843-1F6E-6547-BAE2-BAE1072E7F1C}"/>
+              </a:ext>
+            </a:extLst>
+          </p:cNvPr>
+          <p:cNvSpPr>
+            <a:spLocks noGrp="1"/>
+          </p:cNvSpPr>
+          <p:nvPr>
+            <p:ph type="title"/>
+          </p:nvPr>
+        </p:nvSpPr>
+        <p:spPr/>
+        <p:txBody>
+          <a:bodyPr/>
+          <a:lstStyle/>
+          <a:p>
+            <a:pPr algn="ctr"/>
+            <a:r>
+              <a:rPr lang="en-US" dirty="0"/>
+              <a:t>Renovation Effect on Homes Over 50</a:t>
+            </a:r>
+          </a:p>
+        </p:txBody>
+      </p:sp>
+      <p:pic>
+        <p:nvPicPr>
+          <p:cNvPr id="5" name="Content Placeholder 4" descr="A close up of a logo&#10;&#10;Description automatically generated">
+            <a:extLst>
+              <a:ext uri="{FF2B5EF4-FFF2-40B4-BE49-F238E27FC236}">
+                <a16:creationId xmlns:a16="http://schemas.microsoft.com/office/drawing/2014/main" id="{6BB6950B-30B3-CC4E-A654-A184D88D2A41}"/>
+              </a:ext>
+            </a:extLst>
+          </p:cNvPr>
+          <p:cNvPicPr>
+            <a:picLocks noGrp="1" noChangeAspect="1"/>
+          </p:cNvPicPr>
+          <p:nvPr>
+            <p:ph idx="1"/>
+          </p:nvPr>
+        </p:nvPicPr>
+        <p:blipFill>
+          <a:blip r:embed="rId2"/>
+          <a:stretch>
+            <a:fillRect/>
+          </a:stretch>
+        </p:blipFill>
+        <p:spPr>
+          <a:xfrm>
+            <a:off x="2128821" y="1825625"/>
+            <a:ext cx="7934358" cy="4351338"/>
+          </a:xfrm>
+        </p:spPr>
+      </p:pic>
+    </p:spTree>
+    <p:extLst>
+      <p:ext uri="{BB962C8B-B14F-4D97-AF65-F5344CB8AC3E}">
+        <p14:creationId xmlns:p14="http://schemas.microsoft.com/office/powerpoint/2010/main" val="2340708502"/>
+      </p:ext>
+    </p:extLst>
+  </p:cSld>
+  <p:clrMapOvr>
+    <a:masterClrMapping/>
+  </p:clrMapOvr>
+</p:sld>
+</file>
+
+<file path=ppt/slides/slide11.xml><?xml version="1.0" encoding="utf-8"?>
+<p:sld xmlns:a="http://schemas.openxmlformats.org/drawingml/2006/main" xmlns:r="http://schemas.openxmlformats.org/officeDocument/2006/relationships" xmlns:p="http://schemas.openxmlformats.org/presentationml/2006/main">
+  <p:cSld>
+    <p:spTree>
+      <p:nvGrpSpPr>
+        <p:cNvPr id="1" name=""/>
+        <p:cNvGrpSpPr/>
+        <p:nvPr/>
+      </p:nvGrpSpPr>
+      <p:grpSpPr>
+        <a:xfrm>
+          <a:off x="0" y="0"/>
+          <a:ext cx="0" cy="0"/>
+          <a:chOff x="0" y="0"/>
+          <a:chExt cx="0" cy="0"/>
+        </a:xfrm>
+      </p:grpSpPr>
+      <p:sp>
+        <p:nvSpPr>
+          <p:cNvPr id="2" name="Title 1">
+            <a:extLst>
+              <a:ext uri="{FF2B5EF4-FFF2-40B4-BE49-F238E27FC236}">
                 <a16:creationId xmlns:a16="http://schemas.microsoft.com/office/drawing/2014/main" id="{D8A80A38-819A-AE46-87FE-A43964DDA109}"/>
               </a:ext>
             </a:extLst>
@@ -4426,7 +4520,7 @@
           <p:cNvPr id="2" name="Title 1">
             <a:extLst>
               <a:ext uri="{FF2B5EF4-FFF2-40B4-BE49-F238E27FC236}">
-                <a16:creationId xmlns:a16="http://schemas.microsoft.com/office/drawing/2014/main" id="{6E7D0843-1F6E-6547-BAE2-BAE1072E7F1C}"/>
+                <a16:creationId xmlns:a16="http://schemas.microsoft.com/office/drawing/2014/main" id="{C3FF8AE0-214F-6A48-A0E6-C7D86D56E552}"/>
               </a:ext>
             </a:extLst>
           </p:cNvPr>
@@ -4437,52 +4531,493 @@
             <p:ph type="title"/>
           </p:nvPr>
         </p:nvSpPr>
-        <p:spPr/>
-        <p:txBody>
-          <a:bodyPr/>
-          <a:lstStyle/>
-          <a:p>
-            <a:pPr algn="ctr"/>
-            <a:r>
-              <a:rPr lang="en-US" dirty="0"/>
-              <a:t>Renovation Effect on Homes Over 50</a:t>
-            </a:r>
-          </a:p>
-        </p:txBody>
-      </p:sp>
-      <p:pic>
-        <p:nvPicPr>
-          <p:cNvPr id="5" name="Content Placeholder 4" descr="A close up of a logo&#10;&#10;Description automatically generated">
-            <a:extLst>
-              <a:ext uri="{FF2B5EF4-FFF2-40B4-BE49-F238E27FC236}">
-                <a16:creationId xmlns:a16="http://schemas.microsoft.com/office/drawing/2014/main" id="{6BB6950B-30B3-CC4E-A654-A184D88D2A41}"/>
-              </a:ext>
-            </a:extLst>
-          </p:cNvPr>
-          <p:cNvPicPr>
-            <a:picLocks noGrp="1" noChangeAspect="1"/>
-          </p:cNvPicPr>
-          <p:nvPr>
-            <p:ph idx="1"/>
-          </p:nvPr>
-        </p:nvPicPr>
-        <p:blipFill>
-          <a:blip r:embed="rId2"/>
-          <a:stretch>
-            <a:fillRect/>
-          </a:stretch>
-        </p:blipFill>
         <p:spPr>
           <a:xfrm>
-            <a:off x="2128821" y="1825625"/>
-            <a:ext cx="7934358" cy="4351338"/>
+            <a:off x="838200" y="1306286"/>
+            <a:ext cx="11338560" cy="91439"/>
           </a:xfrm>
         </p:spPr>
-      </p:pic>
+        <p:txBody>
+          <a:bodyPr>
+            <a:normAutofit fontScale="90000"/>
+          </a:bodyPr>
+          <a:lstStyle/>
+          <a:p>
+            <a:r>
+              <a:rPr lang="en-US" dirty="0">
+                <a:latin typeface="Helvetica" pitchFamily="2" charset="0"/>
+              </a:rPr>
+              <a:t>Renovated Homes        Non-Renovated Homes</a:t>
+            </a:r>
+            <a:br>
+              <a:rPr lang="en-US" dirty="0">
+                <a:latin typeface="Helvetica" pitchFamily="2" charset="0"/>
+              </a:rPr>
+            </a:br>
+            <a:br>
+              <a:rPr lang="en-US" dirty="0">
+                <a:latin typeface="Helvetica" pitchFamily="2" charset="0"/>
+              </a:rPr>
+            </a:br>
+            <a:endParaRPr lang="en-US" dirty="0"/>
+          </a:p>
+        </p:txBody>
+      </p:sp>
+      <p:sp>
+        <p:nvSpPr>
+          <p:cNvPr id="7" name="Content Placeholder 6">
+            <a:extLst>
+              <a:ext uri="{FF2B5EF4-FFF2-40B4-BE49-F238E27FC236}">
+                <a16:creationId xmlns:a16="http://schemas.microsoft.com/office/drawing/2014/main" id="{A12781FC-C1B1-924E-B38F-4315228EDF21}"/>
+              </a:ext>
+            </a:extLst>
+          </p:cNvPr>
+          <p:cNvSpPr>
+            <a:spLocks noGrp="1"/>
+          </p:cNvSpPr>
+          <p:nvPr>
+            <p:ph idx="1"/>
+          </p:nvPr>
+        </p:nvSpPr>
+        <p:spPr>
+          <a:xfrm>
+            <a:off x="642258" y="1844221"/>
+            <a:ext cx="5027022" cy="2975974"/>
+          </a:xfrm>
+        </p:spPr>
+        <p:txBody>
+          <a:bodyPr/>
+          <a:lstStyle/>
+          <a:p>
+            <a:pPr marL="0" indent="0">
+              <a:buNone/>
+            </a:pPr>
+            <a:r>
+              <a:rPr lang="en-US" dirty="0">
+                <a:latin typeface="Helvetica" pitchFamily="2" charset="0"/>
+              </a:rPr>
+              <a:t>Average Price: $ </a:t>
+            </a:r>
+            <a:r>
+              <a:rPr lang="en-US" sz="3200" dirty="0">
+                <a:latin typeface="Helvetica" pitchFamily="2" charset="0"/>
+              </a:rPr>
+              <a:t>768,902</a:t>
+            </a:r>
+          </a:p>
+          <a:p>
+            <a:pPr marL="0" indent="0">
+              <a:buNone/>
+            </a:pPr>
+            <a:endParaRPr lang="en-US" dirty="0">
+              <a:latin typeface="Helvetica" pitchFamily="2" charset="0"/>
+            </a:endParaRPr>
+          </a:p>
+          <a:p>
+            <a:pPr marL="0" indent="0">
+              <a:buNone/>
+            </a:pPr>
+            <a:r>
+              <a:rPr lang="en-US" dirty="0">
+                <a:latin typeface="Helvetica" pitchFamily="2" charset="0"/>
+              </a:rPr>
+              <a:t>Average Grade: 7.75 out of 13</a:t>
+            </a:r>
+          </a:p>
+          <a:p>
+            <a:pPr marL="0" indent="0">
+              <a:buNone/>
+            </a:pPr>
+            <a:endParaRPr lang="en-US" dirty="0">
+              <a:latin typeface="Helvetica" pitchFamily="2" charset="0"/>
+            </a:endParaRPr>
+          </a:p>
+          <a:p>
+            <a:pPr marL="0" indent="0">
+              <a:buNone/>
+            </a:pPr>
+            <a:r>
+              <a:rPr lang="en-US" dirty="0">
+                <a:latin typeface="Helvetica" pitchFamily="2" charset="0"/>
+              </a:rPr>
+              <a:t>3% of homes are renovated</a:t>
+            </a:r>
+          </a:p>
+          <a:p>
+            <a:pPr marL="0" indent="0">
+              <a:buNone/>
+            </a:pPr>
+            <a:endParaRPr lang="en-US" dirty="0">
+              <a:latin typeface="Helvetica" pitchFamily="2" charset="0"/>
+            </a:endParaRPr>
+          </a:p>
+        </p:txBody>
+      </p:sp>
+      <p:sp>
+        <p:nvSpPr>
+          <p:cNvPr id="8" name="Content Placeholder 6">
+            <a:extLst>
+              <a:ext uri="{FF2B5EF4-FFF2-40B4-BE49-F238E27FC236}">
+                <a16:creationId xmlns:a16="http://schemas.microsoft.com/office/drawing/2014/main" id="{80AF5722-A966-FE43-96DE-4E1A10158F17}"/>
+              </a:ext>
+            </a:extLst>
+          </p:cNvPr>
+          <p:cNvSpPr txBox="1">
+            <a:spLocks/>
+          </p:cNvSpPr>
+          <p:nvPr/>
+        </p:nvSpPr>
+        <p:spPr>
+          <a:xfrm>
+            <a:off x="6030685" y="1844221"/>
+            <a:ext cx="5575663" cy="2975974"/>
+          </a:xfrm>
+          <a:prstGeom prst="rect">
+            <a:avLst/>
+          </a:prstGeom>
+        </p:spPr>
+        <p:txBody>
+          <a:bodyPr vert="horz" lIns="91440" tIns="45720" rIns="91440" bIns="45720" rtlCol="0">
+            <a:normAutofit/>
+          </a:bodyPr>
+          <a:lstStyle>
+            <a:lvl1pPr marL="228600" indent="-228600" algn="l" defTabSz="914400" rtl="0" eaLnBrk="1" latinLnBrk="0" hangingPunct="1">
+              <a:lnSpc>
+                <a:spcPct val="90000"/>
+              </a:lnSpc>
+              <a:spcBef>
+                <a:spcPts val="1000"/>
+              </a:spcBef>
+              <a:buFont typeface="Arial" panose="020B0604020202020204" pitchFamily="34" charset="0"/>
+              <a:buChar char="•"/>
+              <a:defRPr sz="2800" kern="1200">
+                <a:solidFill>
+                  <a:schemeClr val="tx1"/>
+                </a:solidFill>
+                <a:latin typeface="+mn-lt"/>
+                <a:ea typeface="+mn-ea"/>
+                <a:cs typeface="+mn-cs"/>
+              </a:defRPr>
+            </a:lvl1pPr>
+            <a:lvl2pPr marL="685800" indent="-228600" algn="l" defTabSz="914400" rtl="0" eaLnBrk="1" latinLnBrk="0" hangingPunct="1">
+              <a:lnSpc>
+                <a:spcPct val="90000"/>
+              </a:lnSpc>
+              <a:spcBef>
+                <a:spcPts val="500"/>
+              </a:spcBef>
+              <a:buFont typeface="Arial" panose="020B0604020202020204" pitchFamily="34" charset="0"/>
+              <a:buChar char="•"/>
+              <a:defRPr sz="2400" kern="1200">
+                <a:solidFill>
+                  <a:schemeClr val="tx1"/>
+                </a:solidFill>
+                <a:latin typeface="+mn-lt"/>
+                <a:ea typeface="+mn-ea"/>
+                <a:cs typeface="+mn-cs"/>
+              </a:defRPr>
+            </a:lvl2pPr>
+            <a:lvl3pPr marL="1143000" indent="-228600" algn="l" defTabSz="914400" rtl="0" eaLnBrk="1" latinLnBrk="0" hangingPunct="1">
+              <a:lnSpc>
+                <a:spcPct val="90000"/>
+              </a:lnSpc>
+              <a:spcBef>
+                <a:spcPts val="500"/>
+              </a:spcBef>
+              <a:buFont typeface="Arial" panose="020B0604020202020204" pitchFamily="34" charset="0"/>
+              <a:buChar char="•"/>
+              <a:defRPr sz="2000" kern="1200">
+                <a:solidFill>
+                  <a:schemeClr val="tx1"/>
+                </a:solidFill>
+                <a:latin typeface="+mn-lt"/>
+                <a:ea typeface="+mn-ea"/>
+                <a:cs typeface="+mn-cs"/>
+              </a:defRPr>
+            </a:lvl3pPr>
+            <a:lvl4pPr marL="1600200" indent="-228600" algn="l" defTabSz="914400" rtl="0" eaLnBrk="1" latinLnBrk="0" hangingPunct="1">
+              <a:lnSpc>
+                <a:spcPct val="90000"/>
+              </a:lnSpc>
+              <a:spcBef>
+                <a:spcPts val="500"/>
+              </a:spcBef>
+              <a:buFont typeface="Arial" panose="020B0604020202020204" pitchFamily="34" charset="0"/>
+              <a:buChar char="•"/>
+              <a:defRPr sz="1800" kern="1200">
+                <a:solidFill>
+                  <a:schemeClr val="tx1"/>
+                </a:solidFill>
+                <a:latin typeface="+mn-lt"/>
+                <a:ea typeface="+mn-ea"/>
+                <a:cs typeface="+mn-cs"/>
+              </a:defRPr>
+            </a:lvl4pPr>
+            <a:lvl5pPr marL="2057400" indent="-228600" algn="l" defTabSz="914400" rtl="0" eaLnBrk="1" latinLnBrk="0" hangingPunct="1">
+              <a:lnSpc>
+                <a:spcPct val="90000"/>
+              </a:lnSpc>
+              <a:spcBef>
+                <a:spcPts val="500"/>
+              </a:spcBef>
+              <a:buFont typeface="Arial" panose="020B0604020202020204" pitchFamily="34" charset="0"/>
+              <a:buChar char="•"/>
+              <a:defRPr sz="1800" kern="1200">
+                <a:solidFill>
+                  <a:schemeClr val="tx1"/>
+                </a:solidFill>
+                <a:latin typeface="+mn-lt"/>
+                <a:ea typeface="+mn-ea"/>
+                <a:cs typeface="+mn-cs"/>
+              </a:defRPr>
+            </a:lvl5pPr>
+            <a:lvl6pPr marL="2514600" indent="-228600" algn="l" defTabSz="914400" rtl="0" eaLnBrk="1" latinLnBrk="0" hangingPunct="1">
+              <a:lnSpc>
+                <a:spcPct val="90000"/>
+              </a:lnSpc>
+              <a:spcBef>
+                <a:spcPts val="500"/>
+              </a:spcBef>
+              <a:buFont typeface="Arial" panose="020B0604020202020204" pitchFamily="34" charset="0"/>
+              <a:buChar char="•"/>
+              <a:defRPr sz="1800" kern="1200">
+                <a:solidFill>
+                  <a:schemeClr val="tx1"/>
+                </a:solidFill>
+                <a:latin typeface="+mn-lt"/>
+                <a:ea typeface="+mn-ea"/>
+                <a:cs typeface="+mn-cs"/>
+              </a:defRPr>
+            </a:lvl6pPr>
+            <a:lvl7pPr marL="2971800" indent="-228600" algn="l" defTabSz="914400" rtl="0" eaLnBrk="1" latinLnBrk="0" hangingPunct="1">
+              <a:lnSpc>
+                <a:spcPct val="90000"/>
+              </a:lnSpc>
+              <a:spcBef>
+                <a:spcPts val="500"/>
+              </a:spcBef>
+              <a:buFont typeface="Arial" panose="020B0604020202020204" pitchFamily="34" charset="0"/>
+              <a:buChar char="•"/>
+              <a:defRPr sz="1800" kern="1200">
+                <a:solidFill>
+                  <a:schemeClr val="tx1"/>
+                </a:solidFill>
+                <a:latin typeface="+mn-lt"/>
+                <a:ea typeface="+mn-ea"/>
+                <a:cs typeface="+mn-cs"/>
+              </a:defRPr>
+            </a:lvl7pPr>
+            <a:lvl8pPr marL="3429000" indent="-228600" algn="l" defTabSz="914400" rtl="0" eaLnBrk="1" latinLnBrk="0" hangingPunct="1">
+              <a:lnSpc>
+                <a:spcPct val="90000"/>
+              </a:lnSpc>
+              <a:spcBef>
+                <a:spcPts val="500"/>
+              </a:spcBef>
+              <a:buFont typeface="Arial" panose="020B0604020202020204" pitchFamily="34" charset="0"/>
+              <a:buChar char="•"/>
+              <a:defRPr sz="1800" kern="1200">
+                <a:solidFill>
+                  <a:schemeClr val="tx1"/>
+                </a:solidFill>
+                <a:latin typeface="+mn-lt"/>
+                <a:ea typeface="+mn-ea"/>
+                <a:cs typeface="+mn-cs"/>
+              </a:defRPr>
+            </a:lvl8pPr>
+            <a:lvl9pPr marL="3886200" indent="-228600" algn="l" defTabSz="914400" rtl="0" eaLnBrk="1" latinLnBrk="0" hangingPunct="1">
+              <a:lnSpc>
+                <a:spcPct val="90000"/>
+              </a:lnSpc>
+              <a:spcBef>
+                <a:spcPts val="500"/>
+              </a:spcBef>
+              <a:buFont typeface="Arial" panose="020B0604020202020204" pitchFamily="34" charset="0"/>
+              <a:buChar char="•"/>
+              <a:defRPr sz="1800" kern="1200">
+                <a:solidFill>
+                  <a:schemeClr val="tx1"/>
+                </a:solidFill>
+                <a:latin typeface="+mn-lt"/>
+                <a:ea typeface="+mn-ea"/>
+                <a:cs typeface="+mn-cs"/>
+              </a:defRPr>
+            </a:lvl9pPr>
+          </a:lstStyle>
+          <a:p>
+            <a:pPr marL="0" indent="0">
+              <a:buNone/>
+            </a:pPr>
+            <a:r>
+              <a:rPr lang="en-US" dirty="0">
+                <a:latin typeface="Helvetica" pitchFamily="2" charset="0"/>
+              </a:rPr>
+              <a:t>Average Price : $ </a:t>
+            </a:r>
+            <a:r>
+              <a:rPr lang="en-US" sz="3200" dirty="0">
+                <a:latin typeface="Helvetica" pitchFamily="2" charset="0"/>
+              </a:rPr>
+              <a:t>532,140</a:t>
+            </a:r>
+          </a:p>
+          <a:p>
+            <a:pPr marL="0" indent="0">
+              <a:buNone/>
+            </a:pPr>
+            <a:endParaRPr lang="en-US" dirty="0">
+              <a:latin typeface="Helvetica" pitchFamily="2" charset="0"/>
+            </a:endParaRPr>
+          </a:p>
+          <a:p>
+            <a:pPr marL="0" indent="0">
+              <a:buNone/>
+            </a:pPr>
+            <a:r>
+              <a:rPr lang="en-US" dirty="0">
+                <a:latin typeface="Helvetica" pitchFamily="2" charset="0"/>
+              </a:rPr>
+              <a:t>Average Grade : 7.65 out of 13</a:t>
+            </a:r>
+          </a:p>
+          <a:p>
+            <a:pPr marL="0" indent="0">
+              <a:buNone/>
+            </a:pPr>
+            <a:endParaRPr lang="en-US" dirty="0">
+              <a:latin typeface="Helvetica" pitchFamily="2" charset="0"/>
+            </a:endParaRPr>
+          </a:p>
+          <a:p>
+            <a:pPr marL="0" indent="0">
+              <a:buNone/>
+            </a:pPr>
+            <a:r>
+              <a:rPr lang="en-US" dirty="0">
+                <a:latin typeface="Helvetica" pitchFamily="2" charset="0"/>
+              </a:rPr>
+              <a:t>97% of homes are not renovated</a:t>
+            </a:r>
+          </a:p>
+        </p:txBody>
+      </p:sp>
+      <p:cxnSp>
+        <p:nvCxnSpPr>
+          <p:cNvPr id="12" name="Straight Connector 11">
+            <a:extLst>
+              <a:ext uri="{FF2B5EF4-FFF2-40B4-BE49-F238E27FC236}">
+                <a16:creationId xmlns:a16="http://schemas.microsoft.com/office/drawing/2014/main" id="{9308EF2B-1F10-BB44-85C6-C4783EEC22F1}"/>
+              </a:ext>
+            </a:extLst>
+          </p:cNvPr>
+          <p:cNvCxnSpPr>
+            <a:cxnSpLocks/>
+          </p:cNvCxnSpPr>
+          <p:nvPr/>
+        </p:nvCxnSpPr>
+        <p:spPr>
+          <a:xfrm>
+            <a:off x="5878286" y="254725"/>
+            <a:ext cx="0" cy="4265024"/>
+          </a:xfrm>
+          <a:prstGeom prst="line">
+            <a:avLst/>
+          </a:prstGeom>
+          <a:ln w="31750">
+            <a:solidFill>
+              <a:schemeClr val="accent6"/>
+            </a:solidFill>
+          </a:ln>
+        </p:spPr>
+        <p:style>
+          <a:lnRef idx="1">
+            <a:schemeClr val="accent1"/>
+          </a:lnRef>
+          <a:fillRef idx="0">
+            <a:schemeClr val="accent1"/>
+          </a:fillRef>
+          <a:effectRef idx="0">
+            <a:schemeClr val="accent1"/>
+          </a:effectRef>
+          <a:fontRef idx="minor">
+            <a:schemeClr val="tx1"/>
+          </a:fontRef>
+        </p:style>
+      </p:cxnSp>
+      <p:sp>
+        <p:nvSpPr>
+          <p:cNvPr id="15" name="TextBox 14">
+            <a:extLst>
+              <a:ext uri="{FF2B5EF4-FFF2-40B4-BE49-F238E27FC236}">
+                <a16:creationId xmlns:a16="http://schemas.microsoft.com/office/drawing/2014/main" id="{2D152F68-4AAC-1843-9174-36D74A9988E3}"/>
+              </a:ext>
+            </a:extLst>
+          </p:cNvPr>
+          <p:cNvSpPr txBox="1"/>
+          <p:nvPr/>
+        </p:nvSpPr>
+        <p:spPr>
+          <a:xfrm>
+            <a:off x="1711073" y="5367048"/>
+            <a:ext cx="8639224" cy="369332"/>
+          </a:xfrm>
+          <a:prstGeom prst="rect">
+            <a:avLst/>
+          </a:prstGeom>
+          <a:noFill/>
+        </p:spPr>
+        <p:txBody>
+          <a:bodyPr wrap="none" rtlCol="0">
+            <a:spAutoFit/>
+          </a:bodyPr>
+          <a:lstStyle/>
+          <a:p>
+            <a:r>
+              <a:rPr lang="en-US" dirty="0"/>
+              <a:t>Renovating your home before selling can increase the value of your home by over $60,000 </a:t>
+            </a:r>
+          </a:p>
+        </p:txBody>
+      </p:sp>
+      <p:sp>
+        <p:nvSpPr>
+          <p:cNvPr id="16" name="TextBox 15">
+            <a:extLst>
+              <a:ext uri="{FF2B5EF4-FFF2-40B4-BE49-F238E27FC236}">
+                <a16:creationId xmlns:a16="http://schemas.microsoft.com/office/drawing/2014/main" id="{CB47FD6D-5FD3-E247-8492-2FCF10E6B2EA}"/>
+              </a:ext>
+            </a:extLst>
+          </p:cNvPr>
+          <p:cNvSpPr txBox="1"/>
+          <p:nvPr/>
+        </p:nvSpPr>
+        <p:spPr>
+          <a:xfrm>
+            <a:off x="2328615" y="4798815"/>
+            <a:ext cx="7953101" cy="369332"/>
+          </a:xfrm>
+          <a:prstGeom prst="rect">
+            <a:avLst/>
+          </a:prstGeom>
+          <a:noFill/>
+        </p:spPr>
+        <p:txBody>
+          <a:bodyPr wrap="square" rtlCol="0">
+            <a:spAutoFit/>
+          </a:bodyPr>
+          <a:lstStyle/>
+          <a:p>
+            <a:r>
+              <a:rPr lang="en-US" dirty="0"/>
+              <a:t>Average Price for Non-Renovated Homes with Grade over 7: $ 701,337</a:t>
+            </a:r>
+          </a:p>
+        </p:txBody>
+      </p:sp>
     </p:spTree>
     <p:extLst>
       <p:ext uri="{BB962C8B-B14F-4D97-AF65-F5344CB8AC3E}">
-        <p14:creationId xmlns:p14="http://schemas.microsoft.com/office/powerpoint/2010/main" val="2340708502"/>
+        <p14:creationId xmlns:p14="http://schemas.microsoft.com/office/powerpoint/2010/main" val="2023406245"/>
       </p:ext>
     </p:extLst>
   </p:cSld>

--- a/mod2project.pptx
+++ b/mod2project.pptx
@@ -9,13 +9,14 @@
     <p:sldId id="257" r:id="rId3"/>
     <p:sldId id="258" r:id="rId4"/>
     <p:sldId id="259" r:id="rId5"/>
-    <p:sldId id="260" r:id="rId6"/>
-    <p:sldId id="261" r:id="rId7"/>
-    <p:sldId id="262" r:id="rId8"/>
-    <p:sldId id="263" r:id="rId9"/>
-    <p:sldId id="267" r:id="rId10"/>
-    <p:sldId id="264" r:id="rId11"/>
-    <p:sldId id="266" r:id="rId12"/>
+    <p:sldId id="268" r:id="rId6"/>
+    <p:sldId id="260" r:id="rId7"/>
+    <p:sldId id="261" r:id="rId8"/>
+    <p:sldId id="262" r:id="rId9"/>
+    <p:sldId id="263" r:id="rId10"/>
+    <p:sldId id="267" r:id="rId11"/>
+    <p:sldId id="264" r:id="rId12"/>
+    <p:sldId id="266" r:id="rId13"/>
   </p:sldIdLst>
   <p:sldSz cx="12192000" cy="6858000"/>
   <p:notesSz cx="6858000" cy="9144000"/>
@@ -3487,1039 +3488,6 @@
           <p:cNvPr id="2" name="Title 1">
             <a:extLst>
               <a:ext uri="{FF2B5EF4-FFF2-40B4-BE49-F238E27FC236}">
-                <a16:creationId xmlns:a16="http://schemas.microsoft.com/office/drawing/2014/main" id="{6E7D0843-1F6E-6547-BAE2-BAE1072E7F1C}"/>
-              </a:ext>
-            </a:extLst>
-          </p:cNvPr>
-          <p:cNvSpPr>
-            <a:spLocks noGrp="1"/>
-          </p:cNvSpPr>
-          <p:nvPr>
-            <p:ph type="title"/>
-          </p:nvPr>
-        </p:nvSpPr>
-        <p:spPr/>
-        <p:txBody>
-          <a:bodyPr/>
-          <a:lstStyle/>
-          <a:p>
-            <a:pPr algn="ctr"/>
-            <a:r>
-              <a:rPr lang="en-US" dirty="0"/>
-              <a:t>Renovation Effect on Homes Over 50</a:t>
-            </a:r>
-          </a:p>
-        </p:txBody>
-      </p:sp>
-      <p:pic>
-        <p:nvPicPr>
-          <p:cNvPr id="5" name="Content Placeholder 4" descr="A close up of a logo&#10;&#10;Description automatically generated">
-            <a:extLst>
-              <a:ext uri="{FF2B5EF4-FFF2-40B4-BE49-F238E27FC236}">
-                <a16:creationId xmlns:a16="http://schemas.microsoft.com/office/drawing/2014/main" id="{6BB6950B-30B3-CC4E-A654-A184D88D2A41}"/>
-              </a:ext>
-            </a:extLst>
-          </p:cNvPr>
-          <p:cNvPicPr>
-            <a:picLocks noGrp="1" noChangeAspect="1"/>
-          </p:cNvPicPr>
-          <p:nvPr>
-            <p:ph idx="1"/>
-          </p:nvPr>
-        </p:nvPicPr>
-        <p:blipFill>
-          <a:blip r:embed="rId2"/>
-          <a:stretch>
-            <a:fillRect/>
-          </a:stretch>
-        </p:blipFill>
-        <p:spPr>
-          <a:xfrm>
-            <a:off x="2128821" y="1825625"/>
-            <a:ext cx="7934358" cy="4351338"/>
-          </a:xfrm>
-        </p:spPr>
-      </p:pic>
-    </p:spTree>
-    <p:extLst>
-      <p:ext uri="{BB962C8B-B14F-4D97-AF65-F5344CB8AC3E}">
-        <p14:creationId xmlns:p14="http://schemas.microsoft.com/office/powerpoint/2010/main" val="2340708502"/>
-      </p:ext>
-    </p:extLst>
-  </p:cSld>
-  <p:clrMapOvr>
-    <a:masterClrMapping/>
-  </p:clrMapOvr>
-</p:sld>
-</file>
-
-<file path=ppt/slides/slide11.xml><?xml version="1.0" encoding="utf-8"?>
-<p:sld xmlns:a="http://schemas.openxmlformats.org/drawingml/2006/main" xmlns:r="http://schemas.openxmlformats.org/officeDocument/2006/relationships" xmlns:p="http://schemas.openxmlformats.org/presentationml/2006/main">
-  <p:cSld>
-    <p:spTree>
-      <p:nvGrpSpPr>
-        <p:cNvPr id="1" name=""/>
-        <p:cNvGrpSpPr/>
-        <p:nvPr/>
-      </p:nvGrpSpPr>
-      <p:grpSpPr>
-        <a:xfrm>
-          <a:off x="0" y="0"/>
-          <a:ext cx="0" cy="0"/>
-          <a:chOff x="0" y="0"/>
-          <a:chExt cx="0" cy="0"/>
-        </a:xfrm>
-      </p:grpSpPr>
-      <p:sp>
-        <p:nvSpPr>
-          <p:cNvPr id="2" name="Title 1">
-            <a:extLst>
-              <a:ext uri="{FF2B5EF4-FFF2-40B4-BE49-F238E27FC236}">
-                <a16:creationId xmlns:a16="http://schemas.microsoft.com/office/drawing/2014/main" id="{D8A80A38-819A-AE46-87FE-A43964DDA109}"/>
-              </a:ext>
-            </a:extLst>
-          </p:cNvPr>
-          <p:cNvSpPr>
-            <a:spLocks noGrp="1"/>
-          </p:cNvSpPr>
-          <p:nvPr>
-            <p:ph type="title"/>
-          </p:nvPr>
-        </p:nvSpPr>
-        <p:spPr>
-          <a:xfrm>
-            <a:off x="726989" y="352768"/>
-            <a:ext cx="10515600" cy="1325563"/>
-          </a:xfrm>
-        </p:spPr>
-        <p:txBody>
-          <a:bodyPr/>
-          <a:lstStyle/>
-          <a:p>
-            <a:pPr algn="ctr"/>
-            <a:r>
-              <a:rPr lang="en-US" dirty="0"/>
-              <a:t>Thank you.</a:t>
-            </a:r>
-          </a:p>
-        </p:txBody>
-      </p:sp>
-      <p:pic>
-        <p:nvPicPr>
-          <p:cNvPr id="11" name="Content Placeholder 10" descr="A picture containing toy&#10;&#10;Description automatically generated">
-            <a:extLst>
-              <a:ext uri="{FF2B5EF4-FFF2-40B4-BE49-F238E27FC236}">
-                <a16:creationId xmlns:a16="http://schemas.microsoft.com/office/drawing/2014/main" id="{B7F46C64-4ADE-2F40-90A7-07C537CF10A9}"/>
-              </a:ext>
-            </a:extLst>
-          </p:cNvPr>
-          <p:cNvPicPr>
-            <a:picLocks noGrp="1" noChangeAspect="1"/>
-          </p:cNvPicPr>
-          <p:nvPr>
-            <p:ph idx="1"/>
-          </p:nvPr>
-        </p:nvPicPr>
-        <p:blipFill>
-          <a:blip r:embed="rId2"/>
-          <a:stretch>
-            <a:fillRect/>
-          </a:stretch>
-        </p:blipFill>
-        <p:spPr>
-          <a:xfrm>
-            <a:off x="3920331" y="1825625"/>
-            <a:ext cx="4351338" cy="4351338"/>
-          </a:xfrm>
-        </p:spPr>
-      </p:pic>
-    </p:spTree>
-    <p:extLst>
-      <p:ext uri="{BB962C8B-B14F-4D97-AF65-F5344CB8AC3E}">
-        <p14:creationId xmlns:p14="http://schemas.microsoft.com/office/powerpoint/2010/main" val="2151619403"/>
-      </p:ext>
-    </p:extLst>
-  </p:cSld>
-  <p:clrMapOvr>
-    <a:masterClrMapping/>
-  </p:clrMapOvr>
-</p:sld>
-</file>
-
-<file path=ppt/slides/slide2.xml><?xml version="1.0" encoding="utf-8"?>
-<p:sld xmlns:a="http://schemas.openxmlformats.org/drawingml/2006/main" xmlns:r="http://schemas.openxmlformats.org/officeDocument/2006/relationships" xmlns:p="http://schemas.openxmlformats.org/presentationml/2006/main">
-  <p:cSld>
-    <p:spTree>
-      <p:nvGrpSpPr>
-        <p:cNvPr id="1" name=""/>
-        <p:cNvGrpSpPr/>
-        <p:nvPr/>
-      </p:nvGrpSpPr>
-      <p:grpSpPr>
-        <a:xfrm>
-          <a:off x="0" y="0"/>
-          <a:ext cx="0" cy="0"/>
-          <a:chOff x="0" y="0"/>
-          <a:chExt cx="0" cy="0"/>
-        </a:xfrm>
-      </p:grpSpPr>
-      <p:sp>
-        <p:nvSpPr>
-          <p:cNvPr id="2" name="Title 1">
-            <a:extLst>
-              <a:ext uri="{FF2B5EF4-FFF2-40B4-BE49-F238E27FC236}">
-                <a16:creationId xmlns:a16="http://schemas.microsoft.com/office/drawing/2014/main" id="{9E486BF6-8207-6A43-897B-25292243B768}"/>
-              </a:ext>
-            </a:extLst>
-          </p:cNvPr>
-          <p:cNvSpPr>
-            <a:spLocks noGrp="1"/>
-          </p:cNvSpPr>
-          <p:nvPr>
-            <p:ph type="title"/>
-          </p:nvPr>
-        </p:nvSpPr>
-        <p:spPr/>
-        <p:txBody>
-          <a:bodyPr>
-            <a:noAutofit/>
-          </a:bodyPr>
-          <a:lstStyle/>
-          <a:p>
-            <a:pPr algn="ctr"/>
-            <a:r>
-              <a:rPr lang="en-US" sz="3200" dirty="0"/>
-              <a:t>Average Home Price: $540,297</a:t>
-            </a:r>
-            <a:br>
-              <a:rPr lang="en-US" sz="3200" dirty="0"/>
-            </a:br>
-            <a:r>
-              <a:rPr lang="en-US" sz="3200" dirty="0"/>
-              <a:t>Average Number of Bedrooms: 3.4</a:t>
-            </a:r>
-            <a:br>
-              <a:rPr lang="en-US" sz="3200" dirty="0"/>
-            </a:br>
-            <a:r>
-              <a:rPr lang="en-US" sz="3200" dirty="0"/>
-              <a:t>Average Price for 3 BR House: $466,294</a:t>
-            </a:r>
-          </a:p>
-        </p:txBody>
-      </p:sp>
-      <p:pic>
-        <p:nvPicPr>
-          <p:cNvPr id="5" name="Content Placeholder 4" descr="A picture containing sitting, white, large, drawing&#10;&#10;Description automatically generated">
-            <a:extLst>
-              <a:ext uri="{FF2B5EF4-FFF2-40B4-BE49-F238E27FC236}">
-                <a16:creationId xmlns:a16="http://schemas.microsoft.com/office/drawing/2014/main" id="{956C42D9-9B6E-7B47-A899-8D469B33FCC2}"/>
-              </a:ext>
-            </a:extLst>
-          </p:cNvPr>
-          <p:cNvPicPr>
-            <a:picLocks noGrp="1" noChangeAspect="1"/>
-          </p:cNvPicPr>
-          <p:nvPr>
-            <p:ph idx="1"/>
-          </p:nvPr>
-        </p:nvPicPr>
-        <p:blipFill>
-          <a:blip r:embed="rId2"/>
-          <a:stretch>
-            <a:fillRect/>
-          </a:stretch>
-        </p:blipFill>
-        <p:spPr>
-          <a:xfrm>
-            <a:off x="1922264" y="1690688"/>
-            <a:ext cx="8347472" cy="4707631"/>
-          </a:xfrm>
-        </p:spPr>
-      </p:pic>
-    </p:spTree>
-    <p:extLst>
-      <p:ext uri="{BB962C8B-B14F-4D97-AF65-F5344CB8AC3E}">
-        <p14:creationId xmlns:p14="http://schemas.microsoft.com/office/powerpoint/2010/main" val="2884506241"/>
-      </p:ext>
-    </p:extLst>
-  </p:cSld>
-  <p:clrMapOvr>
-    <a:masterClrMapping/>
-  </p:clrMapOvr>
-</p:sld>
-</file>
-
-<file path=ppt/slides/slide3.xml><?xml version="1.0" encoding="utf-8"?>
-<p:sld xmlns:a="http://schemas.openxmlformats.org/drawingml/2006/main" xmlns:r="http://schemas.openxmlformats.org/officeDocument/2006/relationships" xmlns:p="http://schemas.openxmlformats.org/presentationml/2006/main">
-  <p:cSld>
-    <p:spTree>
-      <p:nvGrpSpPr>
-        <p:cNvPr id="1" name=""/>
-        <p:cNvGrpSpPr/>
-        <p:nvPr/>
-      </p:nvGrpSpPr>
-      <p:grpSpPr>
-        <a:xfrm>
-          <a:off x="0" y="0"/>
-          <a:ext cx="0" cy="0"/>
-          <a:chOff x="0" y="0"/>
-          <a:chExt cx="0" cy="0"/>
-        </a:xfrm>
-      </p:grpSpPr>
-      <p:sp>
-        <p:nvSpPr>
-          <p:cNvPr id="2" name="Title 1">
-            <a:extLst>
-              <a:ext uri="{FF2B5EF4-FFF2-40B4-BE49-F238E27FC236}">
-                <a16:creationId xmlns:a16="http://schemas.microsoft.com/office/drawing/2014/main" id="{983DBDA4-CE6F-1940-876F-C2747E02F7B8}"/>
-              </a:ext>
-            </a:extLst>
-          </p:cNvPr>
-          <p:cNvSpPr>
-            <a:spLocks noGrp="1"/>
-          </p:cNvSpPr>
-          <p:nvPr>
-            <p:ph type="title"/>
-          </p:nvPr>
-        </p:nvSpPr>
-        <p:spPr>
-          <a:xfrm>
-            <a:off x="501869" y="2187109"/>
-            <a:ext cx="4721772" cy="3063875"/>
-          </a:xfrm>
-        </p:spPr>
-        <p:txBody>
-          <a:bodyPr>
-            <a:normAutofit/>
-          </a:bodyPr>
-          <a:lstStyle/>
-          <a:p>
-            <a:r>
-              <a:rPr lang="en-US" sz="2800" dirty="0">
-                <a:latin typeface="Helvetica" pitchFamily="2" charset="0"/>
-              </a:rPr>
-              <a:t>1 Bedroom: $ 318,239</a:t>
-            </a:r>
-            <a:br>
-              <a:rPr lang="en-US" sz="2800" dirty="0">
-                <a:latin typeface="Helvetica" pitchFamily="2" charset="0"/>
-              </a:rPr>
-            </a:br>
-            <a:r>
-              <a:rPr lang="en-US" sz="2800" dirty="0">
-                <a:latin typeface="Helvetica" pitchFamily="2" charset="0"/>
-              </a:rPr>
-              <a:t>2 Bedroom: $ 401,388</a:t>
-            </a:r>
-            <a:br>
-              <a:rPr lang="en-US" sz="2800" dirty="0">
-                <a:latin typeface="Helvetica" pitchFamily="2" charset="0"/>
-              </a:rPr>
-            </a:br>
-            <a:r>
-              <a:rPr lang="en-US" sz="2800" dirty="0">
-                <a:latin typeface="Helvetica" pitchFamily="2" charset="0"/>
-              </a:rPr>
-              <a:t>3 Bedroom: $ 466,294</a:t>
-            </a:r>
-            <a:br>
-              <a:rPr lang="en-US" sz="2800" dirty="0">
-                <a:latin typeface="Helvetica" pitchFamily="2" charset="0"/>
-              </a:rPr>
-            </a:br>
-            <a:r>
-              <a:rPr lang="en-US" sz="2800" dirty="0">
-                <a:latin typeface="Helvetica" pitchFamily="2" charset="0"/>
-              </a:rPr>
-              <a:t>4 Bedroom: $ 635,564</a:t>
-            </a:r>
-            <a:br>
-              <a:rPr lang="en-US" sz="2800" dirty="0">
-                <a:latin typeface="Helvetica" pitchFamily="2" charset="0"/>
-              </a:rPr>
-            </a:br>
-            <a:r>
-              <a:rPr lang="en-US" sz="2800" dirty="0">
-                <a:latin typeface="Helvetica" pitchFamily="2" charset="0"/>
-              </a:rPr>
-              <a:t>5 Bedroom: $ 786,874</a:t>
-            </a:r>
-            <a:br>
-              <a:rPr lang="en-US" sz="2800" dirty="0">
-                <a:latin typeface="Helvetica" pitchFamily="2" charset="0"/>
-              </a:rPr>
-            </a:br>
-            <a:r>
-              <a:rPr lang="en-US" sz="2800" dirty="0">
-                <a:latin typeface="Helvetica" pitchFamily="2" charset="0"/>
-              </a:rPr>
-              <a:t>6 Bedroom: $ 825,853</a:t>
-            </a:r>
-          </a:p>
-        </p:txBody>
-      </p:sp>
-      <p:pic>
-        <p:nvPicPr>
-          <p:cNvPr id="5" name="Content Placeholder 4" descr="A screenshot of a cell phone&#10;&#10;Description automatically generated">
-            <a:extLst>
-              <a:ext uri="{FF2B5EF4-FFF2-40B4-BE49-F238E27FC236}">
-                <a16:creationId xmlns:a16="http://schemas.microsoft.com/office/drawing/2014/main" id="{7724B415-A454-2B41-B56C-71D8BA02ED3E}"/>
-              </a:ext>
-            </a:extLst>
-          </p:cNvPr>
-          <p:cNvPicPr>
-            <a:picLocks noGrp="1" noChangeAspect="1"/>
-          </p:cNvPicPr>
-          <p:nvPr>
-            <p:ph idx="1"/>
-          </p:nvPr>
-        </p:nvPicPr>
-        <p:blipFill>
-          <a:blip r:embed="rId2"/>
-          <a:stretch>
-            <a:fillRect/>
-          </a:stretch>
-        </p:blipFill>
-        <p:spPr>
-          <a:xfrm>
-            <a:off x="5696606" y="810747"/>
-            <a:ext cx="6231758" cy="4885859"/>
-          </a:xfrm>
-        </p:spPr>
-      </p:pic>
-      <p:sp>
-        <p:nvSpPr>
-          <p:cNvPr id="6" name="TextBox 5">
-            <a:extLst>
-              <a:ext uri="{FF2B5EF4-FFF2-40B4-BE49-F238E27FC236}">
-                <a16:creationId xmlns:a16="http://schemas.microsoft.com/office/drawing/2014/main" id="{31D9DB0F-74BA-3C43-90D6-69E766543FEA}"/>
-              </a:ext>
-            </a:extLst>
-          </p:cNvPr>
-          <p:cNvSpPr txBox="1"/>
-          <p:nvPr/>
-        </p:nvSpPr>
-        <p:spPr>
-          <a:xfrm>
-            <a:off x="-763315" y="810747"/>
-            <a:ext cx="6663559" cy="954107"/>
-          </a:xfrm>
-          <a:prstGeom prst="rect">
-            <a:avLst/>
-          </a:prstGeom>
-          <a:noFill/>
-        </p:spPr>
-        <p:txBody>
-          <a:bodyPr wrap="square" rtlCol="0">
-            <a:spAutoFit/>
-          </a:bodyPr>
-          <a:lstStyle/>
-          <a:p>
-            <a:pPr algn="ctr"/>
-            <a:r>
-              <a:rPr lang="en-US" sz="2800" dirty="0">
-                <a:latin typeface="Helvetica" pitchFamily="2" charset="0"/>
-              </a:rPr>
-              <a:t>Average Home </a:t>
-            </a:r>
-          </a:p>
-          <a:p>
-            <a:pPr algn="ctr"/>
-            <a:r>
-              <a:rPr lang="en-US" sz="2800" dirty="0">
-                <a:latin typeface="Helvetica" pitchFamily="2" charset="0"/>
-              </a:rPr>
-              <a:t>Price Per Bedroom</a:t>
-            </a:r>
-          </a:p>
-        </p:txBody>
-      </p:sp>
-    </p:spTree>
-    <p:extLst>
-      <p:ext uri="{BB962C8B-B14F-4D97-AF65-F5344CB8AC3E}">
-        <p14:creationId xmlns:p14="http://schemas.microsoft.com/office/powerpoint/2010/main" val="1027895625"/>
-      </p:ext>
-    </p:extLst>
-  </p:cSld>
-  <p:clrMapOvr>
-    <a:masterClrMapping/>
-  </p:clrMapOvr>
-</p:sld>
-</file>
-
-<file path=ppt/slides/slide4.xml><?xml version="1.0" encoding="utf-8"?>
-<p:sld xmlns:a="http://schemas.openxmlformats.org/drawingml/2006/main" xmlns:r="http://schemas.openxmlformats.org/officeDocument/2006/relationships" xmlns:p="http://schemas.openxmlformats.org/presentationml/2006/main">
-  <p:cSld>
-    <p:spTree>
-      <p:nvGrpSpPr>
-        <p:cNvPr id="1" name=""/>
-        <p:cNvGrpSpPr/>
-        <p:nvPr/>
-      </p:nvGrpSpPr>
-      <p:grpSpPr>
-        <a:xfrm>
-          <a:off x="0" y="0"/>
-          <a:ext cx="0" cy="0"/>
-          <a:chOff x="0" y="0"/>
-          <a:chExt cx="0" cy="0"/>
-        </a:xfrm>
-      </p:grpSpPr>
-      <p:sp>
-        <p:nvSpPr>
-          <p:cNvPr id="2" name="Title 1">
-            <a:extLst>
-              <a:ext uri="{FF2B5EF4-FFF2-40B4-BE49-F238E27FC236}">
-                <a16:creationId xmlns:a16="http://schemas.microsoft.com/office/drawing/2014/main" id="{CE255C6D-F6C2-E44D-A3F5-77DADF715691}"/>
-              </a:ext>
-            </a:extLst>
-          </p:cNvPr>
-          <p:cNvSpPr>
-            <a:spLocks noGrp="1"/>
-          </p:cNvSpPr>
-          <p:nvPr>
-            <p:ph type="title"/>
-          </p:nvPr>
-        </p:nvSpPr>
-        <p:spPr>
-          <a:xfrm>
-            <a:off x="702277" y="1121290"/>
-            <a:ext cx="4586416" cy="3601394"/>
-          </a:xfrm>
-        </p:spPr>
-        <p:txBody>
-          <a:bodyPr>
-            <a:normAutofit/>
-          </a:bodyPr>
-          <a:lstStyle/>
-          <a:p>
-            <a:r>
-              <a:rPr lang="en-US" sz="2400" dirty="0">
-                <a:latin typeface="Helvetica" pitchFamily="2" charset="0"/>
-              </a:rPr>
-              <a:t>1 Bedroom: $ 318,239</a:t>
-            </a:r>
-            <a:br>
-              <a:rPr lang="en-US" sz="2400" dirty="0">
-                <a:latin typeface="Helvetica" pitchFamily="2" charset="0"/>
-              </a:rPr>
-            </a:br>
-            <a:r>
-              <a:rPr lang="en-US" sz="2400" dirty="0">
-                <a:latin typeface="Helvetica" pitchFamily="2" charset="0"/>
-              </a:rPr>
-              <a:t>2 Bedroom: $ 200,693</a:t>
-            </a:r>
-            <a:br>
-              <a:rPr lang="en-US" sz="2400" dirty="0">
-                <a:latin typeface="Helvetica" pitchFamily="2" charset="0"/>
-              </a:rPr>
-            </a:br>
-            <a:r>
-              <a:rPr lang="en-US" sz="2400" dirty="0">
-                <a:latin typeface="Helvetica" pitchFamily="2" charset="0"/>
-              </a:rPr>
-              <a:t>3 Bedroom: $ 155,431</a:t>
-            </a:r>
-            <a:br>
-              <a:rPr lang="en-US" sz="2400" dirty="0">
-                <a:latin typeface="Helvetica" pitchFamily="2" charset="0"/>
-              </a:rPr>
-            </a:br>
-            <a:r>
-              <a:rPr lang="en-US" sz="2400" dirty="0">
-                <a:latin typeface="Helvetica" pitchFamily="2" charset="0"/>
-              </a:rPr>
-              <a:t>4 Bedroom: $ 158,891</a:t>
-            </a:r>
-            <a:br>
-              <a:rPr lang="en-US" sz="2400" dirty="0">
-                <a:latin typeface="Helvetica" pitchFamily="2" charset="0"/>
-              </a:rPr>
-            </a:br>
-            <a:r>
-              <a:rPr lang="en-US" sz="2400" dirty="0">
-                <a:latin typeface="Helvetica" pitchFamily="2" charset="0"/>
-              </a:rPr>
-              <a:t>5 Bedroom: $ 157,374</a:t>
-            </a:r>
-            <a:br>
-              <a:rPr lang="en-US" sz="2400" dirty="0">
-                <a:latin typeface="Helvetica" pitchFamily="2" charset="0"/>
-              </a:rPr>
-            </a:br>
-            <a:r>
-              <a:rPr lang="en-US" sz="2400" dirty="0">
-                <a:latin typeface="Helvetica" pitchFamily="2" charset="0"/>
-              </a:rPr>
-              <a:t>6 Bedroom: $ 137,642</a:t>
-            </a:r>
-          </a:p>
-        </p:txBody>
-      </p:sp>
-      <p:pic>
-        <p:nvPicPr>
-          <p:cNvPr id="5" name="Content Placeholder 4" descr="A close up of a logo&#10;&#10;Description automatically generated">
-            <a:extLst>
-              <a:ext uri="{FF2B5EF4-FFF2-40B4-BE49-F238E27FC236}">
-                <a16:creationId xmlns:a16="http://schemas.microsoft.com/office/drawing/2014/main" id="{D93C6753-766D-EC46-AD39-1FC4E552F5D4}"/>
-              </a:ext>
-            </a:extLst>
-          </p:cNvPr>
-          <p:cNvPicPr>
-            <a:picLocks noGrp="1" noChangeAspect="1"/>
-          </p:cNvPicPr>
-          <p:nvPr>
-            <p:ph idx="1"/>
-          </p:nvPr>
-        </p:nvPicPr>
-        <p:blipFill>
-          <a:blip r:embed="rId2"/>
-          <a:stretch>
-            <a:fillRect/>
-          </a:stretch>
-        </p:blipFill>
-        <p:spPr>
-          <a:xfrm>
-            <a:off x="4410339" y="1121290"/>
-            <a:ext cx="7622045" cy="4351338"/>
-          </a:xfrm>
-        </p:spPr>
-      </p:pic>
-      <p:sp>
-        <p:nvSpPr>
-          <p:cNvPr id="8" name="TextBox 7">
-            <a:extLst>
-              <a:ext uri="{FF2B5EF4-FFF2-40B4-BE49-F238E27FC236}">
-                <a16:creationId xmlns:a16="http://schemas.microsoft.com/office/drawing/2014/main" id="{B4D03CA1-A04D-E749-BD7E-1B62A1C1CACA}"/>
-              </a:ext>
-            </a:extLst>
-          </p:cNvPr>
-          <p:cNvSpPr txBox="1"/>
-          <p:nvPr/>
-        </p:nvSpPr>
-        <p:spPr>
-          <a:xfrm>
-            <a:off x="314218" y="1105083"/>
-            <a:ext cx="4096121" cy="523220"/>
-          </a:xfrm>
-          <a:prstGeom prst="rect">
-            <a:avLst/>
-          </a:prstGeom>
-          <a:noFill/>
-        </p:spPr>
-        <p:txBody>
-          <a:bodyPr wrap="none" rtlCol="0">
-            <a:spAutoFit/>
-          </a:bodyPr>
-          <a:lstStyle/>
-          <a:p>
-            <a:r>
-              <a:rPr lang="en-US" sz="2800" dirty="0">
-                <a:latin typeface="Helvetica" pitchFamily="2" charset="0"/>
-              </a:rPr>
-              <a:t>Average Bedroom Price </a:t>
-            </a:r>
-          </a:p>
-        </p:txBody>
-      </p:sp>
-    </p:spTree>
-    <p:extLst>
-      <p:ext uri="{BB962C8B-B14F-4D97-AF65-F5344CB8AC3E}">
-        <p14:creationId xmlns:p14="http://schemas.microsoft.com/office/powerpoint/2010/main" val="376668281"/>
-      </p:ext>
-    </p:extLst>
-  </p:cSld>
-  <p:clrMapOvr>
-    <a:masterClrMapping/>
-  </p:clrMapOvr>
-</p:sld>
-</file>
-
-<file path=ppt/slides/slide5.xml><?xml version="1.0" encoding="utf-8"?>
-<p:sld xmlns:a="http://schemas.openxmlformats.org/drawingml/2006/main" xmlns:r="http://schemas.openxmlformats.org/officeDocument/2006/relationships" xmlns:p="http://schemas.openxmlformats.org/presentationml/2006/main">
-  <p:cSld>
-    <p:spTree>
-      <p:nvGrpSpPr>
-        <p:cNvPr id="1" name=""/>
-        <p:cNvGrpSpPr/>
-        <p:nvPr/>
-      </p:nvGrpSpPr>
-      <p:grpSpPr>
-        <a:xfrm>
-          <a:off x="0" y="0"/>
-          <a:ext cx="0" cy="0"/>
-          <a:chOff x="0" y="0"/>
-          <a:chExt cx="0" cy="0"/>
-        </a:xfrm>
-      </p:grpSpPr>
-      <p:sp>
-        <p:nvSpPr>
-          <p:cNvPr id="2" name="Title 1">
-            <a:extLst>
-              <a:ext uri="{FF2B5EF4-FFF2-40B4-BE49-F238E27FC236}">
-                <a16:creationId xmlns:a16="http://schemas.microsoft.com/office/drawing/2014/main" id="{71F63FFE-8270-2F41-B809-10D0E17E194E}"/>
-              </a:ext>
-            </a:extLst>
-          </p:cNvPr>
-          <p:cNvSpPr>
-            <a:spLocks noGrp="1"/>
-          </p:cNvSpPr>
-          <p:nvPr>
-            <p:ph type="title"/>
-          </p:nvPr>
-        </p:nvSpPr>
-        <p:spPr>
-          <a:xfrm>
-            <a:off x="543308" y="328055"/>
-            <a:ext cx="10515600" cy="1325563"/>
-          </a:xfrm>
-        </p:spPr>
-        <p:txBody>
-          <a:bodyPr>
-            <a:normAutofit/>
-          </a:bodyPr>
-          <a:lstStyle/>
-          <a:p>
-            <a:pPr algn="ctr"/>
-            <a:r>
-              <a:rPr lang="en-US" sz="3600" dirty="0">
-                <a:latin typeface="Helvetica" pitchFamily="2" charset="0"/>
-              </a:rPr>
-              <a:t>Land Size Effect on Price</a:t>
-            </a:r>
-          </a:p>
-        </p:txBody>
-      </p:sp>
-      <p:pic>
-        <p:nvPicPr>
-          <p:cNvPr id="9" name="Content Placeholder 8" descr="A close up of a logo&#10;&#10;Description automatically generated">
-            <a:extLst>
-              <a:ext uri="{FF2B5EF4-FFF2-40B4-BE49-F238E27FC236}">
-                <a16:creationId xmlns:a16="http://schemas.microsoft.com/office/drawing/2014/main" id="{4531BBF8-635E-2D42-889A-6889B7417B42}"/>
-              </a:ext>
-            </a:extLst>
-          </p:cNvPr>
-          <p:cNvPicPr>
-            <a:picLocks noGrp="1" noChangeAspect="1"/>
-          </p:cNvPicPr>
-          <p:nvPr>
-            <p:ph idx="1"/>
-          </p:nvPr>
-        </p:nvPicPr>
-        <p:blipFill>
-          <a:blip r:embed="rId2"/>
-          <a:stretch>
-            <a:fillRect/>
-          </a:stretch>
-        </p:blipFill>
-        <p:spPr>
-          <a:xfrm>
-            <a:off x="2077216" y="1346886"/>
-            <a:ext cx="7447784" cy="4806350"/>
-          </a:xfrm>
-        </p:spPr>
-      </p:pic>
-    </p:spTree>
-    <p:extLst>
-      <p:ext uri="{BB962C8B-B14F-4D97-AF65-F5344CB8AC3E}">
-        <p14:creationId xmlns:p14="http://schemas.microsoft.com/office/powerpoint/2010/main" val="2486005070"/>
-      </p:ext>
-    </p:extLst>
-  </p:cSld>
-  <p:clrMapOvr>
-    <a:masterClrMapping/>
-  </p:clrMapOvr>
-</p:sld>
-</file>
-
-<file path=ppt/slides/slide6.xml><?xml version="1.0" encoding="utf-8"?>
-<p:sld xmlns:a="http://schemas.openxmlformats.org/drawingml/2006/main" xmlns:r="http://schemas.openxmlformats.org/officeDocument/2006/relationships" xmlns:p="http://schemas.openxmlformats.org/presentationml/2006/main">
-  <p:cSld>
-    <p:spTree>
-      <p:nvGrpSpPr>
-        <p:cNvPr id="1" name=""/>
-        <p:cNvGrpSpPr/>
-        <p:nvPr/>
-      </p:nvGrpSpPr>
-      <p:grpSpPr>
-        <a:xfrm>
-          <a:off x="0" y="0"/>
-          <a:ext cx="0" cy="0"/>
-          <a:chOff x="0" y="0"/>
-          <a:chExt cx="0" cy="0"/>
-        </a:xfrm>
-      </p:grpSpPr>
-      <p:sp>
-        <p:nvSpPr>
-          <p:cNvPr id="2" name="Title 1">
-            <a:extLst>
-              <a:ext uri="{FF2B5EF4-FFF2-40B4-BE49-F238E27FC236}">
-                <a16:creationId xmlns:a16="http://schemas.microsoft.com/office/drawing/2014/main" id="{3BFAFC7A-9626-8540-8A30-34A41B86972E}"/>
-              </a:ext>
-            </a:extLst>
-          </p:cNvPr>
-          <p:cNvSpPr>
-            <a:spLocks noGrp="1"/>
-          </p:cNvSpPr>
-          <p:nvPr>
-            <p:ph type="title"/>
-          </p:nvPr>
-        </p:nvSpPr>
-        <p:spPr/>
-        <p:txBody>
-          <a:bodyPr/>
-          <a:lstStyle/>
-          <a:p>
-            <a:pPr algn="ctr"/>
-            <a:r>
-              <a:rPr lang="en-US" dirty="0">
-                <a:latin typeface="Helvetica" pitchFamily="2" charset="0"/>
-              </a:rPr>
-              <a:t>Grade Effect on Price</a:t>
-            </a:r>
-          </a:p>
-        </p:txBody>
-      </p:sp>
-      <p:pic>
-        <p:nvPicPr>
-          <p:cNvPr id="5" name="Content Placeholder 4" descr="A picture containing sitting, white, room&#10;&#10;Description automatically generated">
-            <a:extLst>
-              <a:ext uri="{FF2B5EF4-FFF2-40B4-BE49-F238E27FC236}">
-                <a16:creationId xmlns:a16="http://schemas.microsoft.com/office/drawing/2014/main" id="{0E8677C0-6EEF-A445-9FDF-DD6BBA290C66}"/>
-              </a:ext>
-            </a:extLst>
-          </p:cNvPr>
-          <p:cNvPicPr>
-            <a:picLocks noGrp="1" noChangeAspect="1"/>
-          </p:cNvPicPr>
-          <p:nvPr>
-            <p:ph idx="1"/>
-          </p:nvPr>
-        </p:nvPicPr>
-        <p:blipFill>
-          <a:blip r:embed="rId2"/>
-          <a:stretch>
-            <a:fillRect/>
-          </a:stretch>
-        </p:blipFill>
-        <p:spPr>
-          <a:xfrm>
-            <a:off x="2284977" y="1825625"/>
-            <a:ext cx="7622045" cy="4351338"/>
-          </a:xfrm>
-        </p:spPr>
-      </p:pic>
-    </p:spTree>
-    <p:extLst>
-      <p:ext uri="{BB962C8B-B14F-4D97-AF65-F5344CB8AC3E}">
-        <p14:creationId xmlns:p14="http://schemas.microsoft.com/office/powerpoint/2010/main" val="2635892142"/>
-      </p:ext>
-    </p:extLst>
-  </p:cSld>
-  <p:clrMapOvr>
-    <a:masterClrMapping/>
-  </p:clrMapOvr>
-</p:sld>
-</file>
-
-<file path=ppt/slides/slide7.xml><?xml version="1.0" encoding="utf-8"?>
-<p:sld xmlns:a="http://schemas.openxmlformats.org/drawingml/2006/main" xmlns:r="http://schemas.openxmlformats.org/officeDocument/2006/relationships" xmlns:p="http://schemas.openxmlformats.org/presentationml/2006/main">
-  <p:cSld>
-    <p:spTree>
-      <p:nvGrpSpPr>
-        <p:cNvPr id="1" name=""/>
-        <p:cNvGrpSpPr/>
-        <p:nvPr/>
-      </p:nvGrpSpPr>
-      <p:grpSpPr>
-        <a:xfrm>
-          <a:off x="0" y="0"/>
-          <a:ext cx="0" cy="0"/>
-          <a:chOff x="0" y="0"/>
-          <a:chExt cx="0" cy="0"/>
-        </a:xfrm>
-      </p:grpSpPr>
-      <p:sp>
-        <p:nvSpPr>
-          <p:cNvPr id="2" name="Title 1">
-            <a:extLst>
-              <a:ext uri="{FF2B5EF4-FFF2-40B4-BE49-F238E27FC236}">
-                <a16:creationId xmlns:a16="http://schemas.microsoft.com/office/drawing/2014/main" id="{2BE0EF75-FCEC-F648-9F74-90D3F383DE69}"/>
-              </a:ext>
-            </a:extLst>
-          </p:cNvPr>
-          <p:cNvSpPr>
-            <a:spLocks noGrp="1"/>
-          </p:cNvSpPr>
-          <p:nvPr>
-            <p:ph type="title"/>
-          </p:nvPr>
-        </p:nvSpPr>
-        <p:spPr/>
-        <p:txBody>
-          <a:bodyPr/>
-          <a:lstStyle/>
-          <a:p>
-            <a:pPr algn="ctr"/>
-            <a:r>
-              <a:rPr lang="en-US" dirty="0"/>
-              <a:t>Home Age Affect on Value</a:t>
-            </a:r>
-          </a:p>
-        </p:txBody>
-      </p:sp>
-      <p:pic>
-        <p:nvPicPr>
-          <p:cNvPr id="5" name="Content Placeholder 4" descr="A picture containing fence, knife&#10;&#10;Description automatically generated">
-            <a:extLst>
-              <a:ext uri="{FF2B5EF4-FFF2-40B4-BE49-F238E27FC236}">
-                <a16:creationId xmlns:a16="http://schemas.microsoft.com/office/drawing/2014/main" id="{811DCCFE-D57C-1D45-9D06-64DCA62DB4D1}"/>
-              </a:ext>
-            </a:extLst>
-          </p:cNvPr>
-          <p:cNvPicPr>
-            <a:picLocks noGrp="1" noChangeAspect="1"/>
-          </p:cNvPicPr>
-          <p:nvPr>
-            <p:ph idx="1"/>
-          </p:nvPr>
-        </p:nvPicPr>
-        <p:blipFill>
-          <a:blip r:embed="rId2"/>
-          <a:stretch>
-            <a:fillRect/>
-          </a:stretch>
-        </p:blipFill>
-        <p:spPr>
-          <a:xfrm>
-            <a:off x="2284977" y="1825625"/>
-            <a:ext cx="7622045" cy="4351338"/>
-          </a:xfrm>
-        </p:spPr>
-      </p:pic>
-    </p:spTree>
-    <p:extLst>
-      <p:ext uri="{BB962C8B-B14F-4D97-AF65-F5344CB8AC3E}">
-        <p14:creationId xmlns:p14="http://schemas.microsoft.com/office/powerpoint/2010/main" val="2919662320"/>
-      </p:ext>
-    </p:extLst>
-  </p:cSld>
-  <p:clrMapOvr>
-    <a:masterClrMapping/>
-  </p:clrMapOvr>
-</p:sld>
-</file>
-
-<file path=ppt/slides/slide8.xml><?xml version="1.0" encoding="utf-8"?>
-<p:sld xmlns:a="http://schemas.openxmlformats.org/drawingml/2006/main" xmlns:r="http://schemas.openxmlformats.org/officeDocument/2006/relationships" xmlns:p="http://schemas.openxmlformats.org/presentationml/2006/main">
-  <p:cSld>
-    <p:spTree>
-      <p:nvGrpSpPr>
-        <p:cNvPr id="1" name=""/>
-        <p:cNvGrpSpPr/>
-        <p:nvPr/>
-      </p:nvGrpSpPr>
-      <p:grpSpPr>
-        <a:xfrm>
-          <a:off x="0" y="0"/>
-          <a:ext cx="0" cy="0"/>
-          <a:chOff x="0" y="0"/>
-          <a:chExt cx="0" cy="0"/>
-        </a:xfrm>
-      </p:grpSpPr>
-      <p:sp>
-        <p:nvSpPr>
-          <p:cNvPr id="2" name="Title 1">
-            <a:extLst>
-              <a:ext uri="{FF2B5EF4-FFF2-40B4-BE49-F238E27FC236}">
-                <a16:creationId xmlns:a16="http://schemas.microsoft.com/office/drawing/2014/main" id="{79DF4A5D-9E50-A342-BCC5-3D023B405A1C}"/>
-              </a:ext>
-            </a:extLst>
-          </p:cNvPr>
-          <p:cNvSpPr>
-            <a:spLocks noGrp="1"/>
-          </p:cNvSpPr>
-          <p:nvPr>
-            <p:ph type="title"/>
-          </p:nvPr>
-        </p:nvSpPr>
-        <p:spPr/>
-        <p:txBody>
-          <a:bodyPr/>
-          <a:lstStyle/>
-          <a:p>
-            <a:r>
-              <a:rPr lang="en-US" dirty="0"/>
-              <a:t>Relationship between Home Grade and Age</a:t>
-            </a:r>
-          </a:p>
-        </p:txBody>
-      </p:sp>
-      <p:pic>
-        <p:nvPicPr>
-          <p:cNvPr id="5" name="Content Placeholder 4" descr="A picture containing text&#10;&#10;Description automatically generated">
-            <a:extLst>
-              <a:ext uri="{FF2B5EF4-FFF2-40B4-BE49-F238E27FC236}">
-                <a16:creationId xmlns:a16="http://schemas.microsoft.com/office/drawing/2014/main" id="{19865AF6-BA13-9344-A3F3-952BAAF4E61E}"/>
-              </a:ext>
-            </a:extLst>
-          </p:cNvPr>
-          <p:cNvPicPr>
-            <a:picLocks noGrp="1" noChangeAspect="1"/>
-          </p:cNvPicPr>
-          <p:nvPr>
-            <p:ph idx="1"/>
-          </p:nvPr>
-        </p:nvPicPr>
-        <p:blipFill>
-          <a:blip r:embed="rId2"/>
-          <a:stretch>
-            <a:fillRect/>
-          </a:stretch>
-        </p:blipFill>
-        <p:spPr>
-          <a:xfrm>
-            <a:off x="2858580" y="1825625"/>
-            <a:ext cx="6474840" cy="4351338"/>
-          </a:xfrm>
-        </p:spPr>
-      </p:pic>
-    </p:spTree>
-    <p:extLst>
-      <p:ext uri="{BB962C8B-B14F-4D97-AF65-F5344CB8AC3E}">
-        <p14:creationId xmlns:p14="http://schemas.microsoft.com/office/powerpoint/2010/main" val="3799889981"/>
-      </p:ext>
-    </p:extLst>
-  </p:cSld>
-  <p:clrMapOvr>
-    <a:masterClrMapping/>
-  </p:clrMapOvr>
-</p:sld>
-</file>
-
-<file path=ppt/slides/slide9.xml><?xml version="1.0" encoding="utf-8"?>
-<p:sld xmlns:a="http://schemas.openxmlformats.org/drawingml/2006/main" xmlns:r="http://schemas.openxmlformats.org/officeDocument/2006/relationships" xmlns:p="http://schemas.openxmlformats.org/presentationml/2006/main">
-  <p:cSld>
-    <p:spTree>
-      <p:nvGrpSpPr>
-        <p:cNvPr id="1" name=""/>
-        <p:cNvGrpSpPr/>
-        <p:nvPr/>
-      </p:nvGrpSpPr>
-      <p:grpSpPr>
-        <a:xfrm>
-          <a:off x="0" y="0"/>
-          <a:ext cx="0" cy="0"/>
-          <a:chOff x="0" y="0"/>
-          <a:chExt cx="0" cy="0"/>
-        </a:xfrm>
-      </p:grpSpPr>
-      <p:sp>
-        <p:nvSpPr>
-          <p:cNvPr id="2" name="Title 1">
-            <a:extLst>
-              <a:ext uri="{FF2B5EF4-FFF2-40B4-BE49-F238E27FC236}">
                 <a16:creationId xmlns:a16="http://schemas.microsoft.com/office/drawing/2014/main" id="{C3FF8AE0-214F-6A48-A0E6-C7D86D56E552}"/>
               </a:ext>
             </a:extLst>
@@ -5018,6 +3986,1200 @@
     <p:extLst>
       <p:ext uri="{BB962C8B-B14F-4D97-AF65-F5344CB8AC3E}">
         <p14:creationId xmlns:p14="http://schemas.microsoft.com/office/powerpoint/2010/main" val="2023406245"/>
+      </p:ext>
+    </p:extLst>
+  </p:cSld>
+  <p:clrMapOvr>
+    <a:masterClrMapping/>
+  </p:clrMapOvr>
+</p:sld>
+</file>
+
+<file path=ppt/slides/slide11.xml><?xml version="1.0" encoding="utf-8"?>
+<p:sld xmlns:a="http://schemas.openxmlformats.org/drawingml/2006/main" xmlns:r="http://schemas.openxmlformats.org/officeDocument/2006/relationships" xmlns:p="http://schemas.openxmlformats.org/presentationml/2006/main">
+  <p:cSld>
+    <p:spTree>
+      <p:nvGrpSpPr>
+        <p:cNvPr id="1" name=""/>
+        <p:cNvGrpSpPr/>
+        <p:nvPr/>
+      </p:nvGrpSpPr>
+      <p:grpSpPr>
+        <a:xfrm>
+          <a:off x="0" y="0"/>
+          <a:ext cx="0" cy="0"/>
+          <a:chOff x="0" y="0"/>
+          <a:chExt cx="0" cy="0"/>
+        </a:xfrm>
+      </p:grpSpPr>
+      <p:sp>
+        <p:nvSpPr>
+          <p:cNvPr id="2" name="Title 1">
+            <a:extLst>
+              <a:ext uri="{FF2B5EF4-FFF2-40B4-BE49-F238E27FC236}">
+                <a16:creationId xmlns:a16="http://schemas.microsoft.com/office/drawing/2014/main" id="{6E7D0843-1F6E-6547-BAE2-BAE1072E7F1C}"/>
+              </a:ext>
+            </a:extLst>
+          </p:cNvPr>
+          <p:cNvSpPr>
+            <a:spLocks noGrp="1"/>
+          </p:cNvSpPr>
+          <p:nvPr>
+            <p:ph type="title"/>
+          </p:nvPr>
+        </p:nvSpPr>
+        <p:spPr/>
+        <p:txBody>
+          <a:bodyPr/>
+          <a:lstStyle/>
+          <a:p>
+            <a:pPr algn="ctr"/>
+            <a:r>
+              <a:rPr lang="en-US" dirty="0"/>
+              <a:t>Renovation Effect on Homes </a:t>
+            </a:r>
+            <a:br>
+              <a:rPr lang="en-US" dirty="0"/>
+            </a:br>
+            <a:r>
+              <a:rPr lang="en-US" dirty="0"/>
+              <a:t>Over 50 (Years Old)</a:t>
+            </a:r>
+          </a:p>
+        </p:txBody>
+      </p:sp>
+      <p:pic>
+        <p:nvPicPr>
+          <p:cNvPr id="5" name="Content Placeholder 4" descr="A close up of a logo&#10;&#10;Description automatically generated">
+            <a:extLst>
+              <a:ext uri="{FF2B5EF4-FFF2-40B4-BE49-F238E27FC236}">
+                <a16:creationId xmlns:a16="http://schemas.microsoft.com/office/drawing/2014/main" id="{6BB6950B-30B3-CC4E-A654-A184D88D2A41}"/>
+              </a:ext>
+            </a:extLst>
+          </p:cNvPr>
+          <p:cNvPicPr>
+            <a:picLocks noGrp="1" noChangeAspect="1"/>
+          </p:cNvPicPr>
+          <p:nvPr>
+            <p:ph idx="1"/>
+          </p:nvPr>
+        </p:nvPicPr>
+        <p:blipFill>
+          <a:blip r:embed="rId2"/>
+          <a:stretch>
+            <a:fillRect/>
+          </a:stretch>
+        </p:blipFill>
+        <p:spPr>
+          <a:xfrm>
+            <a:off x="2128821" y="1825625"/>
+            <a:ext cx="7934358" cy="4351338"/>
+          </a:xfrm>
+        </p:spPr>
+      </p:pic>
+    </p:spTree>
+    <p:extLst>
+      <p:ext uri="{BB962C8B-B14F-4D97-AF65-F5344CB8AC3E}">
+        <p14:creationId xmlns:p14="http://schemas.microsoft.com/office/powerpoint/2010/main" val="2340708502"/>
+      </p:ext>
+    </p:extLst>
+  </p:cSld>
+  <p:clrMapOvr>
+    <a:masterClrMapping/>
+  </p:clrMapOvr>
+</p:sld>
+</file>
+
+<file path=ppt/slides/slide12.xml><?xml version="1.0" encoding="utf-8"?>
+<p:sld xmlns:a="http://schemas.openxmlformats.org/drawingml/2006/main" xmlns:r="http://schemas.openxmlformats.org/officeDocument/2006/relationships" xmlns:p="http://schemas.openxmlformats.org/presentationml/2006/main">
+  <p:cSld>
+    <p:spTree>
+      <p:nvGrpSpPr>
+        <p:cNvPr id="1" name=""/>
+        <p:cNvGrpSpPr/>
+        <p:nvPr/>
+      </p:nvGrpSpPr>
+      <p:grpSpPr>
+        <a:xfrm>
+          <a:off x="0" y="0"/>
+          <a:ext cx="0" cy="0"/>
+          <a:chOff x="0" y="0"/>
+          <a:chExt cx="0" cy="0"/>
+        </a:xfrm>
+      </p:grpSpPr>
+      <p:sp>
+        <p:nvSpPr>
+          <p:cNvPr id="2" name="Title 1">
+            <a:extLst>
+              <a:ext uri="{FF2B5EF4-FFF2-40B4-BE49-F238E27FC236}">
+                <a16:creationId xmlns:a16="http://schemas.microsoft.com/office/drawing/2014/main" id="{D8A80A38-819A-AE46-87FE-A43964DDA109}"/>
+              </a:ext>
+            </a:extLst>
+          </p:cNvPr>
+          <p:cNvSpPr>
+            <a:spLocks noGrp="1"/>
+          </p:cNvSpPr>
+          <p:nvPr>
+            <p:ph type="title"/>
+          </p:nvPr>
+        </p:nvSpPr>
+        <p:spPr>
+          <a:xfrm>
+            <a:off x="726989" y="352768"/>
+            <a:ext cx="10515600" cy="1325563"/>
+          </a:xfrm>
+        </p:spPr>
+        <p:txBody>
+          <a:bodyPr/>
+          <a:lstStyle/>
+          <a:p>
+            <a:pPr algn="ctr"/>
+            <a:r>
+              <a:rPr lang="en-US" dirty="0"/>
+              <a:t>Thank you.</a:t>
+            </a:r>
+          </a:p>
+        </p:txBody>
+      </p:sp>
+      <p:pic>
+        <p:nvPicPr>
+          <p:cNvPr id="11" name="Content Placeholder 10" descr="A picture containing toy&#10;&#10;Description automatically generated">
+            <a:extLst>
+              <a:ext uri="{FF2B5EF4-FFF2-40B4-BE49-F238E27FC236}">
+                <a16:creationId xmlns:a16="http://schemas.microsoft.com/office/drawing/2014/main" id="{B7F46C64-4ADE-2F40-90A7-07C537CF10A9}"/>
+              </a:ext>
+            </a:extLst>
+          </p:cNvPr>
+          <p:cNvPicPr>
+            <a:picLocks noGrp="1" noChangeAspect="1"/>
+          </p:cNvPicPr>
+          <p:nvPr>
+            <p:ph idx="1"/>
+          </p:nvPr>
+        </p:nvPicPr>
+        <p:blipFill>
+          <a:blip r:embed="rId2"/>
+          <a:stretch>
+            <a:fillRect/>
+          </a:stretch>
+        </p:blipFill>
+        <p:spPr>
+          <a:xfrm>
+            <a:off x="3920331" y="1825625"/>
+            <a:ext cx="4351338" cy="4351338"/>
+          </a:xfrm>
+        </p:spPr>
+      </p:pic>
+    </p:spTree>
+    <p:extLst>
+      <p:ext uri="{BB962C8B-B14F-4D97-AF65-F5344CB8AC3E}">
+        <p14:creationId xmlns:p14="http://schemas.microsoft.com/office/powerpoint/2010/main" val="2151619403"/>
+      </p:ext>
+    </p:extLst>
+  </p:cSld>
+  <p:clrMapOvr>
+    <a:masterClrMapping/>
+  </p:clrMapOvr>
+</p:sld>
+</file>
+
+<file path=ppt/slides/slide2.xml><?xml version="1.0" encoding="utf-8"?>
+<p:sld xmlns:a="http://schemas.openxmlformats.org/drawingml/2006/main" xmlns:r="http://schemas.openxmlformats.org/officeDocument/2006/relationships" xmlns:p="http://schemas.openxmlformats.org/presentationml/2006/main">
+  <p:cSld>
+    <p:spTree>
+      <p:nvGrpSpPr>
+        <p:cNvPr id="1" name=""/>
+        <p:cNvGrpSpPr/>
+        <p:nvPr/>
+      </p:nvGrpSpPr>
+      <p:grpSpPr>
+        <a:xfrm>
+          <a:off x="0" y="0"/>
+          <a:ext cx="0" cy="0"/>
+          <a:chOff x="0" y="0"/>
+          <a:chExt cx="0" cy="0"/>
+        </a:xfrm>
+      </p:grpSpPr>
+      <p:sp>
+        <p:nvSpPr>
+          <p:cNvPr id="2" name="Title 1">
+            <a:extLst>
+              <a:ext uri="{FF2B5EF4-FFF2-40B4-BE49-F238E27FC236}">
+                <a16:creationId xmlns:a16="http://schemas.microsoft.com/office/drawing/2014/main" id="{9E486BF6-8207-6A43-897B-25292243B768}"/>
+              </a:ext>
+            </a:extLst>
+          </p:cNvPr>
+          <p:cNvSpPr>
+            <a:spLocks noGrp="1"/>
+          </p:cNvSpPr>
+          <p:nvPr>
+            <p:ph type="title"/>
+          </p:nvPr>
+        </p:nvSpPr>
+        <p:spPr/>
+        <p:txBody>
+          <a:bodyPr>
+            <a:noAutofit/>
+          </a:bodyPr>
+          <a:lstStyle/>
+          <a:p>
+            <a:pPr algn="ctr"/>
+            <a:r>
+              <a:rPr lang="en-US" sz="3200" dirty="0"/>
+              <a:t>Average Home Price: $540,297</a:t>
+            </a:r>
+            <a:br>
+              <a:rPr lang="en-US" sz="3200" dirty="0"/>
+            </a:br>
+            <a:r>
+              <a:rPr lang="en-US" sz="3200" dirty="0"/>
+              <a:t>Average Number of Bedrooms: 3.4</a:t>
+            </a:r>
+            <a:br>
+              <a:rPr lang="en-US" sz="3200" dirty="0"/>
+            </a:br>
+            <a:r>
+              <a:rPr lang="en-US" sz="3200" dirty="0"/>
+              <a:t>Average Price for 3 BR House: $466,294</a:t>
+            </a:r>
+          </a:p>
+        </p:txBody>
+      </p:sp>
+      <p:pic>
+        <p:nvPicPr>
+          <p:cNvPr id="5" name="Content Placeholder 4" descr="A picture containing sitting, white, large, drawing&#10;&#10;Description automatically generated">
+            <a:extLst>
+              <a:ext uri="{FF2B5EF4-FFF2-40B4-BE49-F238E27FC236}">
+                <a16:creationId xmlns:a16="http://schemas.microsoft.com/office/drawing/2014/main" id="{956C42D9-9B6E-7B47-A899-8D469B33FCC2}"/>
+              </a:ext>
+            </a:extLst>
+          </p:cNvPr>
+          <p:cNvPicPr>
+            <a:picLocks noGrp="1" noChangeAspect="1"/>
+          </p:cNvPicPr>
+          <p:nvPr>
+            <p:ph idx="1"/>
+          </p:nvPr>
+        </p:nvPicPr>
+        <p:blipFill>
+          <a:blip r:embed="rId2"/>
+          <a:stretch>
+            <a:fillRect/>
+          </a:stretch>
+        </p:blipFill>
+        <p:spPr>
+          <a:xfrm>
+            <a:off x="1922264" y="1690688"/>
+            <a:ext cx="8347472" cy="4707631"/>
+          </a:xfrm>
+        </p:spPr>
+      </p:pic>
+    </p:spTree>
+    <p:extLst>
+      <p:ext uri="{BB962C8B-B14F-4D97-AF65-F5344CB8AC3E}">
+        <p14:creationId xmlns:p14="http://schemas.microsoft.com/office/powerpoint/2010/main" val="2884506241"/>
+      </p:ext>
+    </p:extLst>
+  </p:cSld>
+  <p:clrMapOvr>
+    <a:masterClrMapping/>
+  </p:clrMapOvr>
+</p:sld>
+</file>
+
+<file path=ppt/slides/slide3.xml><?xml version="1.0" encoding="utf-8"?>
+<p:sld xmlns:a="http://schemas.openxmlformats.org/drawingml/2006/main" xmlns:r="http://schemas.openxmlformats.org/officeDocument/2006/relationships" xmlns:p="http://schemas.openxmlformats.org/presentationml/2006/main">
+  <p:cSld>
+    <p:spTree>
+      <p:nvGrpSpPr>
+        <p:cNvPr id="1" name=""/>
+        <p:cNvGrpSpPr/>
+        <p:nvPr/>
+      </p:nvGrpSpPr>
+      <p:grpSpPr>
+        <a:xfrm>
+          <a:off x="0" y="0"/>
+          <a:ext cx="0" cy="0"/>
+          <a:chOff x="0" y="0"/>
+          <a:chExt cx="0" cy="0"/>
+        </a:xfrm>
+      </p:grpSpPr>
+      <p:sp>
+        <p:nvSpPr>
+          <p:cNvPr id="2" name="Title 1">
+            <a:extLst>
+              <a:ext uri="{FF2B5EF4-FFF2-40B4-BE49-F238E27FC236}">
+                <a16:creationId xmlns:a16="http://schemas.microsoft.com/office/drawing/2014/main" id="{983DBDA4-CE6F-1940-876F-C2747E02F7B8}"/>
+              </a:ext>
+            </a:extLst>
+          </p:cNvPr>
+          <p:cNvSpPr>
+            <a:spLocks noGrp="1"/>
+          </p:cNvSpPr>
+          <p:nvPr>
+            <p:ph type="title"/>
+          </p:nvPr>
+        </p:nvSpPr>
+        <p:spPr>
+          <a:xfrm>
+            <a:off x="501869" y="2187109"/>
+            <a:ext cx="4721772" cy="3063875"/>
+          </a:xfrm>
+        </p:spPr>
+        <p:txBody>
+          <a:bodyPr>
+            <a:normAutofit/>
+          </a:bodyPr>
+          <a:lstStyle/>
+          <a:p>
+            <a:r>
+              <a:rPr lang="en-US" sz="2800" dirty="0">
+                <a:latin typeface="Helvetica" pitchFamily="2" charset="0"/>
+              </a:rPr>
+              <a:t>1 Bedroom: $ 318,239</a:t>
+            </a:r>
+            <a:br>
+              <a:rPr lang="en-US" sz="2800" dirty="0">
+                <a:latin typeface="Helvetica" pitchFamily="2" charset="0"/>
+              </a:rPr>
+            </a:br>
+            <a:r>
+              <a:rPr lang="en-US" sz="2800" dirty="0">
+                <a:latin typeface="Helvetica" pitchFamily="2" charset="0"/>
+              </a:rPr>
+              <a:t>2 Bedroom: $ 401,388</a:t>
+            </a:r>
+            <a:br>
+              <a:rPr lang="en-US" sz="2800" dirty="0">
+                <a:latin typeface="Helvetica" pitchFamily="2" charset="0"/>
+              </a:rPr>
+            </a:br>
+            <a:r>
+              <a:rPr lang="en-US" sz="2800" dirty="0">
+                <a:latin typeface="Helvetica" pitchFamily="2" charset="0"/>
+              </a:rPr>
+              <a:t>3 Bedroom: $ 466,294</a:t>
+            </a:r>
+            <a:br>
+              <a:rPr lang="en-US" sz="2800" dirty="0">
+                <a:latin typeface="Helvetica" pitchFamily="2" charset="0"/>
+              </a:rPr>
+            </a:br>
+            <a:r>
+              <a:rPr lang="en-US" sz="2800" dirty="0">
+                <a:latin typeface="Helvetica" pitchFamily="2" charset="0"/>
+              </a:rPr>
+              <a:t>4 Bedroom: $ 635,564</a:t>
+            </a:r>
+            <a:br>
+              <a:rPr lang="en-US" sz="2800" dirty="0">
+                <a:latin typeface="Helvetica" pitchFamily="2" charset="0"/>
+              </a:rPr>
+            </a:br>
+            <a:r>
+              <a:rPr lang="en-US" sz="2800" dirty="0">
+                <a:latin typeface="Helvetica" pitchFamily="2" charset="0"/>
+              </a:rPr>
+              <a:t>5 Bedroom: $ 786,874</a:t>
+            </a:r>
+            <a:br>
+              <a:rPr lang="en-US" sz="2800" dirty="0">
+                <a:latin typeface="Helvetica" pitchFamily="2" charset="0"/>
+              </a:rPr>
+            </a:br>
+            <a:r>
+              <a:rPr lang="en-US" sz="2800" dirty="0">
+                <a:latin typeface="Helvetica" pitchFamily="2" charset="0"/>
+              </a:rPr>
+              <a:t>6 Bedroom: $ 825,853</a:t>
+            </a:r>
+          </a:p>
+        </p:txBody>
+      </p:sp>
+      <p:pic>
+        <p:nvPicPr>
+          <p:cNvPr id="5" name="Content Placeholder 4" descr="A screenshot of a cell phone&#10;&#10;Description automatically generated">
+            <a:extLst>
+              <a:ext uri="{FF2B5EF4-FFF2-40B4-BE49-F238E27FC236}">
+                <a16:creationId xmlns:a16="http://schemas.microsoft.com/office/drawing/2014/main" id="{7724B415-A454-2B41-B56C-71D8BA02ED3E}"/>
+              </a:ext>
+            </a:extLst>
+          </p:cNvPr>
+          <p:cNvPicPr>
+            <a:picLocks noGrp="1" noChangeAspect="1"/>
+          </p:cNvPicPr>
+          <p:nvPr>
+            <p:ph idx="1"/>
+          </p:nvPr>
+        </p:nvPicPr>
+        <p:blipFill>
+          <a:blip r:embed="rId2"/>
+          <a:stretch>
+            <a:fillRect/>
+          </a:stretch>
+        </p:blipFill>
+        <p:spPr>
+          <a:xfrm>
+            <a:off x="5696606" y="810747"/>
+            <a:ext cx="6231758" cy="4885859"/>
+          </a:xfrm>
+        </p:spPr>
+      </p:pic>
+      <p:sp>
+        <p:nvSpPr>
+          <p:cNvPr id="6" name="TextBox 5">
+            <a:extLst>
+              <a:ext uri="{FF2B5EF4-FFF2-40B4-BE49-F238E27FC236}">
+                <a16:creationId xmlns:a16="http://schemas.microsoft.com/office/drawing/2014/main" id="{31D9DB0F-74BA-3C43-90D6-69E766543FEA}"/>
+              </a:ext>
+            </a:extLst>
+          </p:cNvPr>
+          <p:cNvSpPr txBox="1"/>
+          <p:nvPr/>
+        </p:nvSpPr>
+        <p:spPr>
+          <a:xfrm>
+            <a:off x="-763315" y="810747"/>
+            <a:ext cx="6663559" cy="954107"/>
+          </a:xfrm>
+          <a:prstGeom prst="rect">
+            <a:avLst/>
+          </a:prstGeom>
+          <a:noFill/>
+        </p:spPr>
+        <p:txBody>
+          <a:bodyPr wrap="square" rtlCol="0">
+            <a:spAutoFit/>
+          </a:bodyPr>
+          <a:lstStyle/>
+          <a:p>
+            <a:pPr algn="ctr"/>
+            <a:r>
+              <a:rPr lang="en-US" sz="2800" dirty="0">
+                <a:latin typeface="Helvetica" pitchFamily="2" charset="0"/>
+              </a:rPr>
+              <a:t>Average Home </a:t>
+            </a:r>
+          </a:p>
+          <a:p>
+            <a:pPr algn="ctr"/>
+            <a:r>
+              <a:rPr lang="en-US" sz="2800" dirty="0">
+                <a:latin typeface="Helvetica" pitchFamily="2" charset="0"/>
+              </a:rPr>
+              <a:t>Price Per Bedroom</a:t>
+            </a:r>
+          </a:p>
+        </p:txBody>
+      </p:sp>
+    </p:spTree>
+    <p:extLst>
+      <p:ext uri="{BB962C8B-B14F-4D97-AF65-F5344CB8AC3E}">
+        <p14:creationId xmlns:p14="http://schemas.microsoft.com/office/powerpoint/2010/main" val="1027895625"/>
+      </p:ext>
+    </p:extLst>
+  </p:cSld>
+  <p:clrMapOvr>
+    <a:masterClrMapping/>
+  </p:clrMapOvr>
+</p:sld>
+</file>
+
+<file path=ppt/slides/slide4.xml><?xml version="1.0" encoding="utf-8"?>
+<p:sld xmlns:a="http://schemas.openxmlformats.org/drawingml/2006/main" xmlns:r="http://schemas.openxmlformats.org/officeDocument/2006/relationships" xmlns:p="http://schemas.openxmlformats.org/presentationml/2006/main">
+  <p:cSld>
+    <p:spTree>
+      <p:nvGrpSpPr>
+        <p:cNvPr id="1" name=""/>
+        <p:cNvGrpSpPr/>
+        <p:nvPr/>
+      </p:nvGrpSpPr>
+      <p:grpSpPr>
+        <a:xfrm>
+          <a:off x="0" y="0"/>
+          <a:ext cx="0" cy="0"/>
+          <a:chOff x="0" y="0"/>
+          <a:chExt cx="0" cy="0"/>
+        </a:xfrm>
+      </p:grpSpPr>
+      <p:sp>
+        <p:nvSpPr>
+          <p:cNvPr id="2" name="Title 1">
+            <a:extLst>
+              <a:ext uri="{FF2B5EF4-FFF2-40B4-BE49-F238E27FC236}">
+                <a16:creationId xmlns:a16="http://schemas.microsoft.com/office/drawing/2014/main" id="{CE255C6D-F6C2-E44D-A3F5-77DADF715691}"/>
+              </a:ext>
+            </a:extLst>
+          </p:cNvPr>
+          <p:cNvSpPr>
+            <a:spLocks noGrp="1"/>
+          </p:cNvSpPr>
+          <p:nvPr>
+            <p:ph type="title"/>
+          </p:nvPr>
+        </p:nvSpPr>
+        <p:spPr>
+          <a:xfrm>
+            <a:off x="918762" y="1739844"/>
+            <a:ext cx="5390589" cy="5465534"/>
+          </a:xfrm>
+        </p:spPr>
+        <p:txBody>
+          <a:bodyPr>
+            <a:noAutofit/>
+          </a:bodyPr>
+          <a:lstStyle/>
+          <a:p>
+            <a:r>
+              <a:rPr lang="en-US" sz="3600" dirty="0">
+                <a:latin typeface="Helvetica" pitchFamily="2" charset="0"/>
+              </a:rPr>
+              <a:t>1 Bedroom: $ 318,239</a:t>
+            </a:r>
+            <a:br>
+              <a:rPr lang="en-US" sz="3600" dirty="0">
+                <a:latin typeface="Helvetica" pitchFamily="2" charset="0"/>
+              </a:rPr>
+            </a:br>
+            <a:br>
+              <a:rPr lang="en-US" sz="3600" dirty="0">
+                <a:latin typeface="Helvetica" pitchFamily="2" charset="0"/>
+              </a:rPr>
+            </a:br>
+            <a:r>
+              <a:rPr lang="en-US" sz="3600" dirty="0">
+                <a:latin typeface="Helvetica" pitchFamily="2" charset="0"/>
+              </a:rPr>
+              <a:t>2 Bedroom: $ 200,693</a:t>
+            </a:r>
+            <a:br>
+              <a:rPr lang="en-US" sz="3600" dirty="0">
+                <a:latin typeface="Helvetica" pitchFamily="2" charset="0"/>
+              </a:rPr>
+            </a:br>
+            <a:br>
+              <a:rPr lang="en-US" sz="3600" dirty="0">
+                <a:latin typeface="Helvetica" pitchFamily="2" charset="0"/>
+              </a:rPr>
+            </a:br>
+            <a:r>
+              <a:rPr lang="en-US" sz="3600" dirty="0">
+                <a:latin typeface="Helvetica" pitchFamily="2" charset="0"/>
+              </a:rPr>
+              <a:t>3 Bedroom: $ 155,431</a:t>
+            </a:r>
+            <a:br>
+              <a:rPr lang="en-US" sz="3200" dirty="0">
+                <a:latin typeface="Helvetica" pitchFamily="2" charset="0"/>
+              </a:rPr>
+            </a:br>
+            <a:br>
+              <a:rPr lang="en-US" sz="3200" dirty="0">
+                <a:latin typeface="Helvetica" pitchFamily="2" charset="0"/>
+              </a:rPr>
+            </a:br>
+            <a:endParaRPr lang="en-US" sz="3200" dirty="0">
+              <a:latin typeface="Helvetica" pitchFamily="2" charset="0"/>
+            </a:endParaRPr>
+          </a:p>
+        </p:txBody>
+      </p:sp>
+      <p:sp>
+        <p:nvSpPr>
+          <p:cNvPr id="8" name="TextBox 7">
+            <a:extLst>
+              <a:ext uri="{FF2B5EF4-FFF2-40B4-BE49-F238E27FC236}">
+                <a16:creationId xmlns:a16="http://schemas.microsoft.com/office/drawing/2014/main" id="{B4D03CA1-A04D-E749-BD7E-1B62A1C1CACA}"/>
+              </a:ext>
+            </a:extLst>
+          </p:cNvPr>
+          <p:cNvSpPr txBox="1"/>
+          <p:nvPr/>
+        </p:nvSpPr>
+        <p:spPr>
+          <a:xfrm>
+            <a:off x="2591600" y="411023"/>
+            <a:ext cx="6715685" cy="1508105"/>
+          </a:xfrm>
+          <a:prstGeom prst="rect">
+            <a:avLst/>
+          </a:prstGeom>
+          <a:noFill/>
+        </p:spPr>
+        <p:txBody>
+          <a:bodyPr wrap="none" rtlCol="0">
+            <a:spAutoFit/>
+          </a:bodyPr>
+          <a:lstStyle/>
+          <a:p>
+            <a:pPr algn="ctr"/>
+            <a:r>
+              <a:rPr lang="en-US" sz="4800" dirty="0">
+                <a:latin typeface="Helvetica" pitchFamily="2" charset="0"/>
+              </a:rPr>
+              <a:t>Average Bedroom Price</a:t>
+            </a:r>
+          </a:p>
+          <a:p>
+            <a:pPr algn="ctr"/>
+            <a:r>
+              <a:rPr lang="en-US" sz="4400" dirty="0">
+                <a:latin typeface="Helvetica" pitchFamily="2" charset="0"/>
+              </a:rPr>
+              <a:t>Per Bedroom in Home </a:t>
+            </a:r>
+          </a:p>
+        </p:txBody>
+      </p:sp>
+      <p:sp>
+        <p:nvSpPr>
+          <p:cNvPr id="7" name="Title 1">
+            <a:extLst>
+              <a:ext uri="{FF2B5EF4-FFF2-40B4-BE49-F238E27FC236}">
+                <a16:creationId xmlns:a16="http://schemas.microsoft.com/office/drawing/2014/main" id="{75A5967F-F0C9-C444-9254-963CE34CA732}"/>
+              </a:ext>
+            </a:extLst>
+          </p:cNvPr>
+          <p:cNvSpPr txBox="1">
+            <a:spLocks/>
+          </p:cNvSpPr>
+          <p:nvPr/>
+        </p:nvSpPr>
+        <p:spPr>
+          <a:xfrm>
+            <a:off x="6487885" y="1310190"/>
+            <a:ext cx="5638800" cy="5465534"/>
+          </a:xfrm>
+          <a:prstGeom prst="rect">
+            <a:avLst/>
+          </a:prstGeom>
+        </p:spPr>
+        <p:txBody>
+          <a:bodyPr vert="horz" lIns="91440" tIns="45720" rIns="91440" bIns="45720" rtlCol="0" anchor="ctr">
+            <a:noAutofit/>
+          </a:bodyPr>
+          <a:lstStyle>
+            <a:lvl1pPr algn="l" defTabSz="914400" rtl="0" eaLnBrk="1" latinLnBrk="0" hangingPunct="1">
+              <a:lnSpc>
+                <a:spcPct val="90000"/>
+              </a:lnSpc>
+              <a:spcBef>
+                <a:spcPct val="0"/>
+              </a:spcBef>
+              <a:buNone/>
+              <a:defRPr sz="4400" kern="1200">
+                <a:solidFill>
+                  <a:schemeClr val="tx1"/>
+                </a:solidFill>
+                <a:latin typeface="+mj-lt"/>
+                <a:ea typeface="+mj-ea"/>
+                <a:cs typeface="+mj-cs"/>
+              </a:defRPr>
+            </a:lvl1pPr>
+          </a:lstStyle>
+          <a:p>
+            <a:r>
+              <a:rPr lang="en-US" sz="3600" dirty="0">
+                <a:latin typeface="Helvetica" pitchFamily="2" charset="0"/>
+              </a:rPr>
+              <a:t>4 Bedroom: $ 158,891</a:t>
+            </a:r>
+            <a:br>
+              <a:rPr lang="en-US" sz="3600" dirty="0">
+                <a:latin typeface="Helvetica" pitchFamily="2" charset="0"/>
+              </a:rPr>
+            </a:br>
+            <a:br>
+              <a:rPr lang="en-US" sz="3600" dirty="0">
+                <a:latin typeface="Helvetica" pitchFamily="2" charset="0"/>
+              </a:rPr>
+            </a:br>
+            <a:r>
+              <a:rPr lang="en-US" sz="3600" dirty="0">
+                <a:latin typeface="Helvetica" pitchFamily="2" charset="0"/>
+              </a:rPr>
+              <a:t>5 Bedroom: $ 157,374</a:t>
+            </a:r>
+            <a:br>
+              <a:rPr lang="en-US" sz="3600" dirty="0">
+                <a:latin typeface="Helvetica" pitchFamily="2" charset="0"/>
+              </a:rPr>
+            </a:br>
+            <a:br>
+              <a:rPr lang="en-US" sz="3600" dirty="0">
+                <a:latin typeface="Helvetica" pitchFamily="2" charset="0"/>
+              </a:rPr>
+            </a:br>
+            <a:r>
+              <a:rPr lang="en-US" sz="3600" dirty="0">
+                <a:latin typeface="Helvetica" pitchFamily="2" charset="0"/>
+              </a:rPr>
+              <a:t>6 Bedroom: $ 137,642</a:t>
+            </a:r>
+          </a:p>
+        </p:txBody>
+      </p:sp>
+    </p:spTree>
+    <p:extLst>
+      <p:ext uri="{BB962C8B-B14F-4D97-AF65-F5344CB8AC3E}">
+        <p14:creationId xmlns:p14="http://schemas.microsoft.com/office/powerpoint/2010/main" val="376668281"/>
+      </p:ext>
+    </p:extLst>
+  </p:cSld>
+  <p:clrMapOvr>
+    <a:masterClrMapping/>
+  </p:clrMapOvr>
+</p:sld>
+</file>
+
+<file path=ppt/slides/slide5.xml><?xml version="1.0" encoding="utf-8"?>
+<p:sld xmlns:a="http://schemas.openxmlformats.org/drawingml/2006/main" xmlns:r="http://schemas.openxmlformats.org/officeDocument/2006/relationships" xmlns:p="http://schemas.openxmlformats.org/presentationml/2006/main">
+  <p:cSld>
+    <p:spTree>
+      <p:nvGrpSpPr>
+        <p:cNvPr id="1" name=""/>
+        <p:cNvGrpSpPr/>
+        <p:nvPr/>
+      </p:nvGrpSpPr>
+      <p:grpSpPr>
+        <a:xfrm>
+          <a:off x="0" y="0"/>
+          <a:ext cx="0" cy="0"/>
+          <a:chOff x="0" y="0"/>
+          <a:chExt cx="0" cy="0"/>
+        </a:xfrm>
+      </p:grpSpPr>
+      <p:sp>
+        <p:nvSpPr>
+          <p:cNvPr id="2" name="Title 1">
+            <a:extLst>
+              <a:ext uri="{FF2B5EF4-FFF2-40B4-BE49-F238E27FC236}">
+                <a16:creationId xmlns:a16="http://schemas.microsoft.com/office/drawing/2014/main" id="{F4DC400C-BB39-0948-A0D7-FE83D48F9C94}"/>
+              </a:ext>
+            </a:extLst>
+          </p:cNvPr>
+          <p:cNvSpPr>
+            <a:spLocks noGrp="1"/>
+          </p:cNvSpPr>
+          <p:nvPr>
+            <p:ph type="title"/>
+          </p:nvPr>
+        </p:nvSpPr>
+        <p:spPr>
+          <a:xfrm>
+            <a:off x="2980508" y="1294351"/>
+            <a:ext cx="6672943" cy="784406"/>
+          </a:xfrm>
+        </p:spPr>
+        <p:txBody>
+          <a:bodyPr>
+            <a:normAutofit/>
+          </a:bodyPr>
+          <a:lstStyle/>
+          <a:p>
+            <a:r>
+              <a:rPr lang="en-US" sz="2800" dirty="0"/>
+              <a:t>Square Meter Living Area Vs. Price ($10,000)</a:t>
+            </a:r>
+          </a:p>
+        </p:txBody>
+      </p:sp>
+      <p:pic>
+        <p:nvPicPr>
+          <p:cNvPr id="11" name="Picture 10" descr="A close up of a map&#10;&#10;Description automatically generated">
+            <a:extLst>
+              <a:ext uri="{FF2B5EF4-FFF2-40B4-BE49-F238E27FC236}">
+                <a16:creationId xmlns:a16="http://schemas.microsoft.com/office/drawing/2014/main" id="{68F5A640-7569-3D43-A2A4-F30AF97516F0}"/>
+              </a:ext>
+            </a:extLst>
+          </p:cNvPr>
+          <p:cNvPicPr>
+            <a:picLocks noChangeAspect="1"/>
+          </p:cNvPicPr>
+          <p:nvPr/>
+        </p:nvPicPr>
+        <p:blipFill>
+          <a:blip r:embed="rId2"/>
+          <a:stretch>
+            <a:fillRect/>
+          </a:stretch>
+        </p:blipFill>
+        <p:spPr>
+          <a:xfrm>
+            <a:off x="2837996" y="1916106"/>
+            <a:ext cx="6516007" cy="4400420"/>
+          </a:xfrm>
+          <a:prstGeom prst="rect">
+            <a:avLst/>
+          </a:prstGeom>
+        </p:spPr>
+      </p:pic>
+    </p:spTree>
+    <p:extLst>
+      <p:ext uri="{BB962C8B-B14F-4D97-AF65-F5344CB8AC3E}">
+        <p14:creationId xmlns:p14="http://schemas.microsoft.com/office/powerpoint/2010/main" val="1206283735"/>
+      </p:ext>
+    </p:extLst>
+  </p:cSld>
+  <p:clrMapOvr>
+    <a:masterClrMapping/>
+  </p:clrMapOvr>
+</p:sld>
+</file>
+
+<file path=ppt/slides/slide6.xml><?xml version="1.0" encoding="utf-8"?>
+<p:sld xmlns:a="http://schemas.openxmlformats.org/drawingml/2006/main" xmlns:r="http://schemas.openxmlformats.org/officeDocument/2006/relationships" xmlns:p="http://schemas.openxmlformats.org/presentationml/2006/main">
+  <p:cSld>
+    <p:spTree>
+      <p:nvGrpSpPr>
+        <p:cNvPr id="1" name=""/>
+        <p:cNvGrpSpPr/>
+        <p:nvPr/>
+      </p:nvGrpSpPr>
+      <p:grpSpPr>
+        <a:xfrm>
+          <a:off x="0" y="0"/>
+          <a:ext cx="0" cy="0"/>
+          <a:chOff x="0" y="0"/>
+          <a:chExt cx="0" cy="0"/>
+        </a:xfrm>
+      </p:grpSpPr>
+      <p:sp>
+        <p:nvSpPr>
+          <p:cNvPr id="2" name="Title 1">
+            <a:extLst>
+              <a:ext uri="{FF2B5EF4-FFF2-40B4-BE49-F238E27FC236}">
+                <a16:creationId xmlns:a16="http://schemas.microsoft.com/office/drawing/2014/main" id="{71F63FFE-8270-2F41-B809-10D0E17E194E}"/>
+              </a:ext>
+            </a:extLst>
+          </p:cNvPr>
+          <p:cNvSpPr>
+            <a:spLocks noGrp="1"/>
+          </p:cNvSpPr>
+          <p:nvPr>
+            <p:ph type="title"/>
+          </p:nvPr>
+        </p:nvSpPr>
+        <p:spPr>
+          <a:xfrm>
+            <a:off x="543308" y="328055"/>
+            <a:ext cx="10515600" cy="1325563"/>
+          </a:xfrm>
+        </p:spPr>
+        <p:txBody>
+          <a:bodyPr>
+            <a:normAutofit/>
+          </a:bodyPr>
+          <a:lstStyle/>
+          <a:p>
+            <a:pPr algn="ctr"/>
+            <a:r>
+              <a:rPr lang="en-US" sz="3600" dirty="0">
+                <a:latin typeface="Helvetica" pitchFamily="2" charset="0"/>
+              </a:rPr>
+              <a:t>Land Size Effect on Price</a:t>
+            </a:r>
+          </a:p>
+        </p:txBody>
+      </p:sp>
+      <p:pic>
+        <p:nvPicPr>
+          <p:cNvPr id="9" name="Content Placeholder 8" descr="A close up of a logo&#10;&#10;Description automatically generated">
+            <a:extLst>
+              <a:ext uri="{FF2B5EF4-FFF2-40B4-BE49-F238E27FC236}">
+                <a16:creationId xmlns:a16="http://schemas.microsoft.com/office/drawing/2014/main" id="{4531BBF8-635E-2D42-889A-6889B7417B42}"/>
+              </a:ext>
+            </a:extLst>
+          </p:cNvPr>
+          <p:cNvPicPr>
+            <a:picLocks noGrp="1" noChangeAspect="1"/>
+          </p:cNvPicPr>
+          <p:nvPr>
+            <p:ph idx="1"/>
+          </p:nvPr>
+        </p:nvPicPr>
+        <p:blipFill>
+          <a:blip r:embed="rId2"/>
+          <a:stretch>
+            <a:fillRect/>
+          </a:stretch>
+        </p:blipFill>
+        <p:spPr>
+          <a:xfrm>
+            <a:off x="2077216" y="1346886"/>
+            <a:ext cx="7447784" cy="4806350"/>
+          </a:xfrm>
+        </p:spPr>
+      </p:pic>
+    </p:spTree>
+    <p:extLst>
+      <p:ext uri="{BB962C8B-B14F-4D97-AF65-F5344CB8AC3E}">
+        <p14:creationId xmlns:p14="http://schemas.microsoft.com/office/powerpoint/2010/main" val="2486005070"/>
+      </p:ext>
+    </p:extLst>
+  </p:cSld>
+  <p:clrMapOvr>
+    <a:masterClrMapping/>
+  </p:clrMapOvr>
+</p:sld>
+</file>
+
+<file path=ppt/slides/slide7.xml><?xml version="1.0" encoding="utf-8"?>
+<p:sld xmlns:a="http://schemas.openxmlformats.org/drawingml/2006/main" xmlns:r="http://schemas.openxmlformats.org/officeDocument/2006/relationships" xmlns:p="http://schemas.openxmlformats.org/presentationml/2006/main">
+  <p:cSld>
+    <p:spTree>
+      <p:nvGrpSpPr>
+        <p:cNvPr id="1" name=""/>
+        <p:cNvGrpSpPr/>
+        <p:nvPr/>
+      </p:nvGrpSpPr>
+      <p:grpSpPr>
+        <a:xfrm>
+          <a:off x="0" y="0"/>
+          <a:ext cx="0" cy="0"/>
+          <a:chOff x="0" y="0"/>
+          <a:chExt cx="0" cy="0"/>
+        </a:xfrm>
+      </p:grpSpPr>
+      <p:sp>
+        <p:nvSpPr>
+          <p:cNvPr id="2" name="Title 1">
+            <a:extLst>
+              <a:ext uri="{FF2B5EF4-FFF2-40B4-BE49-F238E27FC236}">
+                <a16:creationId xmlns:a16="http://schemas.microsoft.com/office/drawing/2014/main" id="{3BFAFC7A-9626-8540-8A30-34A41B86972E}"/>
+              </a:ext>
+            </a:extLst>
+          </p:cNvPr>
+          <p:cNvSpPr>
+            <a:spLocks noGrp="1"/>
+          </p:cNvSpPr>
+          <p:nvPr>
+            <p:ph type="title"/>
+          </p:nvPr>
+        </p:nvSpPr>
+        <p:spPr/>
+        <p:txBody>
+          <a:bodyPr/>
+          <a:lstStyle/>
+          <a:p>
+            <a:pPr algn="ctr"/>
+            <a:r>
+              <a:rPr lang="en-US" dirty="0">
+                <a:latin typeface="Helvetica" pitchFamily="2" charset="0"/>
+              </a:rPr>
+              <a:t>Grade Effect on Price</a:t>
+            </a:r>
+          </a:p>
+        </p:txBody>
+      </p:sp>
+      <p:pic>
+        <p:nvPicPr>
+          <p:cNvPr id="5" name="Content Placeholder 4" descr="A picture containing sitting, white, room&#10;&#10;Description automatically generated">
+            <a:extLst>
+              <a:ext uri="{FF2B5EF4-FFF2-40B4-BE49-F238E27FC236}">
+                <a16:creationId xmlns:a16="http://schemas.microsoft.com/office/drawing/2014/main" id="{0E8677C0-6EEF-A445-9FDF-DD6BBA290C66}"/>
+              </a:ext>
+            </a:extLst>
+          </p:cNvPr>
+          <p:cNvPicPr>
+            <a:picLocks noGrp="1" noChangeAspect="1"/>
+          </p:cNvPicPr>
+          <p:nvPr>
+            <p:ph idx="1"/>
+          </p:nvPr>
+        </p:nvPicPr>
+        <p:blipFill>
+          <a:blip r:embed="rId2"/>
+          <a:stretch>
+            <a:fillRect/>
+          </a:stretch>
+        </p:blipFill>
+        <p:spPr>
+          <a:xfrm>
+            <a:off x="2284977" y="1825625"/>
+            <a:ext cx="7622045" cy="4351338"/>
+          </a:xfrm>
+        </p:spPr>
+      </p:pic>
+    </p:spTree>
+    <p:extLst>
+      <p:ext uri="{BB962C8B-B14F-4D97-AF65-F5344CB8AC3E}">
+        <p14:creationId xmlns:p14="http://schemas.microsoft.com/office/powerpoint/2010/main" val="2635892142"/>
+      </p:ext>
+    </p:extLst>
+  </p:cSld>
+  <p:clrMapOvr>
+    <a:masterClrMapping/>
+  </p:clrMapOvr>
+</p:sld>
+</file>
+
+<file path=ppt/slides/slide8.xml><?xml version="1.0" encoding="utf-8"?>
+<p:sld xmlns:a="http://schemas.openxmlformats.org/drawingml/2006/main" xmlns:r="http://schemas.openxmlformats.org/officeDocument/2006/relationships" xmlns:p="http://schemas.openxmlformats.org/presentationml/2006/main">
+  <p:cSld>
+    <p:spTree>
+      <p:nvGrpSpPr>
+        <p:cNvPr id="1" name=""/>
+        <p:cNvGrpSpPr/>
+        <p:nvPr/>
+      </p:nvGrpSpPr>
+      <p:grpSpPr>
+        <a:xfrm>
+          <a:off x="0" y="0"/>
+          <a:ext cx="0" cy="0"/>
+          <a:chOff x="0" y="0"/>
+          <a:chExt cx="0" cy="0"/>
+        </a:xfrm>
+      </p:grpSpPr>
+      <p:sp>
+        <p:nvSpPr>
+          <p:cNvPr id="2" name="Title 1">
+            <a:extLst>
+              <a:ext uri="{FF2B5EF4-FFF2-40B4-BE49-F238E27FC236}">
+                <a16:creationId xmlns:a16="http://schemas.microsoft.com/office/drawing/2014/main" id="{2BE0EF75-FCEC-F648-9F74-90D3F383DE69}"/>
+              </a:ext>
+            </a:extLst>
+          </p:cNvPr>
+          <p:cNvSpPr>
+            <a:spLocks noGrp="1"/>
+          </p:cNvSpPr>
+          <p:nvPr>
+            <p:ph type="title"/>
+          </p:nvPr>
+        </p:nvSpPr>
+        <p:spPr/>
+        <p:txBody>
+          <a:bodyPr/>
+          <a:lstStyle/>
+          <a:p>
+            <a:pPr algn="ctr"/>
+            <a:r>
+              <a:rPr lang="en-US" dirty="0"/>
+              <a:t>Home Age Affect on Value</a:t>
+            </a:r>
+          </a:p>
+        </p:txBody>
+      </p:sp>
+      <p:pic>
+        <p:nvPicPr>
+          <p:cNvPr id="5" name="Content Placeholder 4" descr="A picture containing fence, knife&#10;&#10;Description automatically generated">
+            <a:extLst>
+              <a:ext uri="{FF2B5EF4-FFF2-40B4-BE49-F238E27FC236}">
+                <a16:creationId xmlns:a16="http://schemas.microsoft.com/office/drawing/2014/main" id="{811DCCFE-D57C-1D45-9D06-64DCA62DB4D1}"/>
+              </a:ext>
+            </a:extLst>
+          </p:cNvPr>
+          <p:cNvPicPr>
+            <a:picLocks noGrp="1" noChangeAspect="1"/>
+          </p:cNvPicPr>
+          <p:nvPr>
+            <p:ph idx="1"/>
+          </p:nvPr>
+        </p:nvPicPr>
+        <p:blipFill>
+          <a:blip r:embed="rId2"/>
+          <a:stretch>
+            <a:fillRect/>
+          </a:stretch>
+        </p:blipFill>
+        <p:spPr>
+          <a:xfrm>
+            <a:off x="2284977" y="1825625"/>
+            <a:ext cx="7622045" cy="4351338"/>
+          </a:xfrm>
+        </p:spPr>
+      </p:pic>
+    </p:spTree>
+    <p:extLst>
+      <p:ext uri="{BB962C8B-B14F-4D97-AF65-F5344CB8AC3E}">
+        <p14:creationId xmlns:p14="http://schemas.microsoft.com/office/powerpoint/2010/main" val="2919662320"/>
+      </p:ext>
+    </p:extLst>
+  </p:cSld>
+  <p:clrMapOvr>
+    <a:masterClrMapping/>
+  </p:clrMapOvr>
+</p:sld>
+</file>
+
+<file path=ppt/slides/slide9.xml><?xml version="1.0" encoding="utf-8"?>
+<p:sld xmlns:a="http://schemas.openxmlformats.org/drawingml/2006/main" xmlns:r="http://schemas.openxmlformats.org/officeDocument/2006/relationships" xmlns:p="http://schemas.openxmlformats.org/presentationml/2006/main">
+  <p:cSld>
+    <p:spTree>
+      <p:nvGrpSpPr>
+        <p:cNvPr id="1" name=""/>
+        <p:cNvGrpSpPr/>
+        <p:nvPr/>
+      </p:nvGrpSpPr>
+      <p:grpSpPr>
+        <a:xfrm>
+          <a:off x="0" y="0"/>
+          <a:ext cx="0" cy="0"/>
+          <a:chOff x="0" y="0"/>
+          <a:chExt cx="0" cy="0"/>
+        </a:xfrm>
+      </p:grpSpPr>
+      <p:sp>
+        <p:nvSpPr>
+          <p:cNvPr id="2" name="Title 1">
+            <a:extLst>
+              <a:ext uri="{FF2B5EF4-FFF2-40B4-BE49-F238E27FC236}">
+                <a16:creationId xmlns:a16="http://schemas.microsoft.com/office/drawing/2014/main" id="{79DF4A5D-9E50-A342-BCC5-3D023B405A1C}"/>
+              </a:ext>
+            </a:extLst>
+          </p:cNvPr>
+          <p:cNvSpPr>
+            <a:spLocks noGrp="1"/>
+          </p:cNvSpPr>
+          <p:nvPr>
+            <p:ph type="title"/>
+          </p:nvPr>
+        </p:nvSpPr>
+        <p:spPr/>
+        <p:txBody>
+          <a:bodyPr/>
+          <a:lstStyle/>
+          <a:p>
+            <a:r>
+              <a:rPr lang="en-US" dirty="0"/>
+              <a:t>Relationship between Home Grade and Age</a:t>
+            </a:r>
+          </a:p>
+        </p:txBody>
+      </p:sp>
+      <p:pic>
+        <p:nvPicPr>
+          <p:cNvPr id="5" name="Content Placeholder 4" descr="A picture containing text&#10;&#10;Description automatically generated">
+            <a:extLst>
+              <a:ext uri="{FF2B5EF4-FFF2-40B4-BE49-F238E27FC236}">
+                <a16:creationId xmlns:a16="http://schemas.microsoft.com/office/drawing/2014/main" id="{19865AF6-BA13-9344-A3F3-952BAAF4E61E}"/>
+              </a:ext>
+            </a:extLst>
+          </p:cNvPr>
+          <p:cNvPicPr>
+            <a:picLocks noGrp="1" noChangeAspect="1"/>
+          </p:cNvPicPr>
+          <p:nvPr>
+            <p:ph idx="1"/>
+          </p:nvPr>
+        </p:nvPicPr>
+        <p:blipFill>
+          <a:blip r:embed="rId2"/>
+          <a:stretch>
+            <a:fillRect/>
+          </a:stretch>
+        </p:blipFill>
+        <p:spPr>
+          <a:xfrm>
+            <a:off x="2858580" y="1825625"/>
+            <a:ext cx="6474840" cy="4351338"/>
+          </a:xfrm>
+        </p:spPr>
+      </p:pic>
+    </p:spTree>
+    <p:extLst>
+      <p:ext uri="{BB962C8B-B14F-4D97-AF65-F5344CB8AC3E}">
+        <p14:creationId xmlns:p14="http://schemas.microsoft.com/office/powerpoint/2010/main" val="3799889981"/>
       </p:ext>
     </p:extLst>
   </p:cSld>

--- a/mod2project.pptx
+++ b/mod2project.pptx
@@ -5,23 +5,25 @@
     <p:sldMasterId id="2147483648" r:id="rId1"/>
   </p:sldMasterIdLst>
   <p:notesMasterIdLst>
-    <p:notesMasterId r:id="rId16"/>
+    <p:notesMasterId r:id="rId18"/>
   </p:notesMasterIdLst>
   <p:sldIdLst>
     <p:sldId id="256" r:id="rId2"/>
-    <p:sldId id="272" r:id="rId3"/>
-    <p:sldId id="273" r:id="rId4"/>
-    <p:sldId id="271" r:id="rId5"/>
-    <p:sldId id="257" r:id="rId6"/>
-    <p:sldId id="258" r:id="rId7"/>
-    <p:sldId id="268" r:id="rId8"/>
-    <p:sldId id="261" r:id="rId9"/>
-    <p:sldId id="263" r:id="rId10"/>
-    <p:sldId id="262" r:id="rId11"/>
-    <p:sldId id="264" r:id="rId12"/>
-    <p:sldId id="269" r:id="rId13"/>
-    <p:sldId id="270" r:id="rId14"/>
-    <p:sldId id="266" r:id="rId15"/>
+    <p:sldId id="274" r:id="rId3"/>
+    <p:sldId id="272" r:id="rId4"/>
+    <p:sldId id="273" r:id="rId5"/>
+    <p:sldId id="275" r:id="rId6"/>
+    <p:sldId id="271" r:id="rId7"/>
+    <p:sldId id="257" r:id="rId8"/>
+    <p:sldId id="258" r:id="rId9"/>
+    <p:sldId id="268" r:id="rId10"/>
+    <p:sldId id="261" r:id="rId11"/>
+    <p:sldId id="263" r:id="rId12"/>
+    <p:sldId id="262" r:id="rId13"/>
+    <p:sldId id="264" r:id="rId14"/>
+    <p:sldId id="269" r:id="rId15"/>
+    <p:sldId id="270" r:id="rId16"/>
+    <p:sldId id="266" r:id="rId17"/>
   </p:sldIdLst>
   <p:sldSz cx="12192000" cy="6858000"/>
   <p:notesSz cx="6858000" cy="9144000"/>
@@ -581,64 +583,321 @@
             <p:ph type="body" idx="1"/>
           </p:nvPr>
         </p:nvSpPr>
-        <p:spPr/>
-        <p:txBody>
-          <a:bodyPr/>
-          <a:lstStyle/>
-          <a:p>
-            <a:r>
-              <a:rPr lang="en-US" sz="1100" dirty="0">
+        <p:spPr>
+          <a:xfrm>
+            <a:off x="685800" y="4400549"/>
+            <a:ext cx="5486400" cy="4027833"/>
+          </a:xfrm>
+        </p:spPr>
+        <p:txBody>
+          <a:bodyPr/>
+          <a:lstStyle/>
+          <a:p>
+            <a:pPr marL="0" marR="0" lvl="0" indent="0" algn="l" defTabSz="914400" rtl="0" eaLnBrk="1" fontAlgn="auto" latinLnBrk="0" hangingPunct="1">
+              <a:lnSpc>
+                <a:spcPct val="100000"/>
+              </a:lnSpc>
+              <a:spcBef>
+                <a:spcPts val="0"/>
+              </a:spcBef>
+              <a:spcAft>
+                <a:spcPts val="0"/>
+              </a:spcAft>
+              <a:buClrTx/>
+              <a:buSzTx/>
+              <a:buFontTx/>
+              <a:buNone/>
+              <a:tabLst/>
+              <a:defRPr/>
+            </a:pPr>
+            <a:r>
+              <a:rPr lang="en-US" sz="1000" dirty="0">
                 <a:latin typeface="+mj-lt"/>
               </a:rPr>
-              <a:t>Strong deviation from mean of price occurs starting around home age of 75-80 years. </a:t>
-            </a:r>
-          </a:p>
-          <a:p>
-            <a:endParaRPr lang="en-US" sz="1100" dirty="0">
+              <a:t>Every increase in grade unit can increase home value by 32%</a:t>
+            </a:r>
+          </a:p>
+          <a:p>
+            <a:pPr marL="0" marR="0" lvl="0" indent="0" algn="l" defTabSz="914400" rtl="0" eaLnBrk="1" fontAlgn="auto" latinLnBrk="0" hangingPunct="1">
+              <a:lnSpc>
+                <a:spcPct val="100000"/>
+              </a:lnSpc>
+              <a:spcBef>
+                <a:spcPts val="0"/>
+              </a:spcBef>
+              <a:spcAft>
+                <a:spcPts val="0"/>
+              </a:spcAft>
+              <a:buClrTx/>
+              <a:buSzTx/>
+              <a:buFontTx/>
+              <a:buNone/>
+              <a:tabLst/>
+              <a:defRPr/>
+            </a:pPr>
+            <a:endParaRPr lang="en-US" sz="1000" dirty="0">
               <a:latin typeface="+mj-lt"/>
             </a:endParaRPr>
           </a:p>
           <a:p>
-            <a:r>
-              <a:rPr lang="en-US" sz="1100" dirty="0">
+            <a:pPr marL="0" marR="0" lvl="0" indent="0" algn="l" defTabSz="914400" rtl="0" eaLnBrk="1" fontAlgn="auto" latinLnBrk="0" hangingPunct="1">
+              <a:lnSpc>
+                <a:spcPct val="100000"/>
+              </a:lnSpc>
+              <a:spcBef>
+                <a:spcPts val="0"/>
+              </a:spcBef>
+              <a:spcAft>
+                <a:spcPts val="0"/>
+              </a:spcAft>
+              <a:buClrTx/>
+              <a:buSzTx/>
+              <a:buFontTx/>
+              <a:buNone/>
+              <a:tabLst/>
+              <a:defRPr/>
+            </a:pPr>
+            <a:r>
+              <a:rPr lang="en-US" sz="1000" b="0" i="0" kern="1200" dirty="0">
+                <a:solidFill>
+                  <a:schemeClr val="tx1"/>
+                </a:solidFill>
+                <a:effectLst/>
+                <a:latin typeface="+mj-lt"/>
+                <a:ea typeface="+mn-ea"/>
+                <a:cs typeface="+mn-cs"/>
+              </a:rPr>
+              <a:t>According to King County government website: ‘Classification by construction quality which refers to the types of materials used and the quality of workmanship. Buildings of better quality (higher grade) cost more to build per unit of measure and command higher value.’</a:t>
+            </a:r>
+            <a:endParaRPr lang="en-US" sz="1000" dirty="0">
+              <a:latin typeface="+mj-lt"/>
+            </a:endParaRPr>
+          </a:p>
+          <a:p>
+            <a:endParaRPr lang="en-US" sz="1000" dirty="0">
+              <a:latin typeface="+mj-lt"/>
+            </a:endParaRPr>
+          </a:p>
+          <a:p>
+            <a:r>
+              <a:rPr lang="en-US" sz="1000" b="0" i="0" kern="1200" dirty="0">
+                <a:solidFill>
+                  <a:schemeClr val="tx1"/>
+                </a:solidFill>
+                <a:effectLst/>
+                <a:latin typeface="+mj-lt"/>
+                <a:ea typeface="+mn-ea"/>
+                <a:cs typeface="+mn-cs"/>
+              </a:rPr>
+              <a:t>Represents the construction quality of improvements. Grades run from grade 1 to 13. Generally defined as:</a:t>
+            </a:r>
+            <a:br>
+              <a:rPr lang="en-US" sz="1000" dirty="0">
                 <a:latin typeface="+mj-lt"/>
               </a:rPr>
-              <a:t>Example of how age can depreciate value as home ages</a:t>
-            </a:r>
-          </a:p>
-          <a:p>
-            <a:endParaRPr lang="en-US" sz="1100" dirty="0">
+            </a:br>
+            <a:br>
+              <a:rPr lang="en-US" sz="1000" dirty="0">
+                <a:latin typeface="+mj-lt"/>
+              </a:rPr>
+            </a:br>
+            <a:r>
+              <a:rPr lang="en-US" sz="1000" b="0" i="0" kern="1200" dirty="0">
+                <a:solidFill>
+                  <a:schemeClr val="tx1"/>
+                </a:solidFill>
+                <a:effectLst/>
+                <a:latin typeface="+mj-lt"/>
+                <a:ea typeface="+mn-ea"/>
+                <a:cs typeface="+mn-cs"/>
+              </a:rPr>
+              <a:t>1-3 Falls short of minimum building standards. Normally cabin or inferior structure.</a:t>
+            </a:r>
+            <a:br>
+              <a:rPr lang="en-US" sz="1000" dirty="0">
+                <a:latin typeface="+mj-lt"/>
+              </a:rPr>
+            </a:br>
+            <a:r>
+              <a:rPr lang="en-US" sz="1000" b="0" i="0" kern="1200" dirty="0">
+                <a:solidFill>
+                  <a:schemeClr val="tx1"/>
+                </a:solidFill>
+                <a:effectLst/>
+                <a:latin typeface="+mj-lt"/>
+                <a:ea typeface="+mn-ea"/>
+                <a:cs typeface="+mn-cs"/>
+              </a:rPr>
+              <a:t>4 Generally older, low quality construction. Does not meet code.</a:t>
+            </a:r>
+            <a:br>
+              <a:rPr lang="en-US" sz="1000" dirty="0">
+                <a:latin typeface="+mj-lt"/>
+              </a:rPr>
+            </a:br>
+            <a:r>
+              <a:rPr lang="en-US" sz="1000" b="0" i="0" kern="1200" dirty="0">
+                <a:solidFill>
+                  <a:schemeClr val="tx1"/>
+                </a:solidFill>
+                <a:effectLst/>
+                <a:latin typeface="+mj-lt"/>
+                <a:ea typeface="+mn-ea"/>
+                <a:cs typeface="+mn-cs"/>
+              </a:rPr>
+              <a:t>5 Low construction costs and workmanship. Small, simple design.</a:t>
+            </a:r>
+            <a:br>
+              <a:rPr lang="en-US" sz="1000" dirty="0">
+                <a:latin typeface="+mj-lt"/>
+              </a:rPr>
+            </a:br>
+            <a:r>
+              <a:rPr lang="en-US" sz="1000" b="0" i="0" kern="1200" dirty="0">
+                <a:solidFill>
+                  <a:schemeClr val="tx1"/>
+                </a:solidFill>
+                <a:effectLst/>
+                <a:latin typeface="+mj-lt"/>
+                <a:ea typeface="+mn-ea"/>
+                <a:cs typeface="+mn-cs"/>
+              </a:rPr>
+              <a:t>6 Lowest grade currently meeting building code. Low quality materials and simple designs.</a:t>
+            </a:r>
+            <a:br>
+              <a:rPr lang="en-US" sz="1000" dirty="0">
+                <a:latin typeface="+mj-lt"/>
+              </a:rPr>
+            </a:br>
+            <a:r>
+              <a:rPr lang="en-US" sz="1000" b="0" i="0" kern="1200" dirty="0">
+                <a:solidFill>
+                  <a:schemeClr val="tx1"/>
+                </a:solidFill>
+                <a:effectLst/>
+                <a:latin typeface="+mj-lt"/>
+                <a:ea typeface="+mn-ea"/>
+                <a:cs typeface="+mn-cs"/>
+              </a:rPr>
+              <a:t>7 Average grade of construction and design. Commonly seen in plats and older sub-divisions.</a:t>
+            </a:r>
+            <a:br>
+              <a:rPr lang="en-US" sz="1000" dirty="0">
+                <a:latin typeface="+mj-lt"/>
+              </a:rPr>
+            </a:br>
+            <a:r>
+              <a:rPr lang="en-US" sz="1000" b="0" i="0" kern="1200" dirty="0">
+                <a:solidFill>
+                  <a:schemeClr val="tx1"/>
+                </a:solidFill>
+                <a:effectLst/>
+                <a:latin typeface="+mj-lt"/>
+                <a:ea typeface="+mn-ea"/>
+                <a:cs typeface="+mn-cs"/>
+              </a:rPr>
+              <a:t>8 Just above average in construction and design. Usually better materials in both the exterior and interior finish work.</a:t>
+            </a:r>
+            <a:br>
+              <a:rPr lang="en-US" sz="1000" dirty="0">
+                <a:latin typeface="+mj-lt"/>
+              </a:rPr>
+            </a:br>
+            <a:r>
+              <a:rPr lang="en-US" sz="1000" b="0" i="0" kern="1200" dirty="0">
+                <a:solidFill>
+                  <a:schemeClr val="tx1"/>
+                </a:solidFill>
+                <a:effectLst/>
+                <a:latin typeface="+mj-lt"/>
+                <a:ea typeface="+mn-ea"/>
+                <a:cs typeface="+mn-cs"/>
+              </a:rPr>
+              <a:t>9 Better architectural design with extra interior and exterior design and quality.</a:t>
+            </a:r>
+            <a:br>
+              <a:rPr lang="en-US" sz="1000" dirty="0">
+                <a:latin typeface="+mj-lt"/>
+              </a:rPr>
+            </a:br>
+            <a:r>
+              <a:rPr lang="en-US" sz="1000" b="0" i="0" kern="1200" dirty="0">
+                <a:solidFill>
+                  <a:schemeClr val="tx1"/>
+                </a:solidFill>
+                <a:effectLst/>
+                <a:latin typeface="+mj-lt"/>
+                <a:ea typeface="+mn-ea"/>
+                <a:cs typeface="+mn-cs"/>
+              </a:rPr>
+              <a:t>10 Homes of this quality generally have high quality features. Finish work is better and more design quality is seen in the floor plans. Generally have a larger square footage.</a:t>
+            </a:r>
+            <a:br>
+              <a:rPr lang="en-US" sz="1000" dirty="0">
+                <a:latin typeface="+mj-lt"/>
+              </a:rPr>
+            </a:br>
+            <a:r>
+              <a:rPr lang="en-US" sz="1000" b="0" i="0" kern="1200" dirty="0">
+                <a:solidFill>
+                  <a:schemeClr val="tx1"/>
+                </a:solidFill>
+                <a:effectLst/>
+                <a:latin typeface="+mj-lt"/>
+                <a:ea typeface="+mn-ea"/>
+                <a:cs typeface="+mn-cs"/>
+              </a:rPr>
+              <a:t>11 Custom design and higher quality finish work with added amenities of solid woods, bathroom fixtures and more luxurious options.</a:t>
+            </a:r>
+            <a:br>
+              <a:rPr lang="en-US" sz="1000" dirty="0">
+                <a:latin typeface="+mj-lt"/>
+              </a:rPr>
+            </a:br>
+            <a:r>
+              <a:rPr lang="en-US" sz="1000" b="0" i="0" kern="1200" dirty="0">
+                <a:solidFill>
+                  <a:schemeClr val="tx1"/>
+                </a:solidFill>
+                <a:effectLst/>
+                <a:latin typeface="+mj-lt"/>
+                <a:ea typeface="+mn-ea"/>
+                <a:cs typeface="+mn-cs"/>
+              </a:rPr>
+              <a:t>12 Custom design and excellent builders. All materials are of the highest quality and all conveniences are present.</a:t>
+            </a:r>
+            <a:br>
+              <a:rPr lang="en-US" sz="1000" dirty="0">
+                <a:latin typeface="+mj-lt"/>
+              </a:rPr>
+            </a:br>
+            <a:r>
+              <a:rPr lang="en-US" sz="1000" b="0" i="0" kern="1200" dirty="0">
+                <a:solidFill>
+                  <a:schemeClr val="tx1"/>
+                </a:solidFill>
+                <a:effectLst/>
+                <a:latin typeface="+mj-lt"/>
+                <a:ea typeface="+mn-ea"/>
+                <a:cs typeface="+mn-cs"/>
+              </a:rPr>
+              <a:t>13 Generally custom designed and built. Mansion level. Large amount of highest quality cabinet work, wood trim, marble, entry ways </a:t>
+            </a:r>
+            <a:r>
+              <a:rPr lang="en-US" sz="1000" b="0" i="0" kern="1200" dirty="0" err="1">
+                <a:solidFill>
+                  <a:schemeClr val="tx1"/>
+                </a:solidFill>
+                <a:effectLst/>
+                <a:latin typeface="+mj-lt"/>
+                <a:ea typeface="+mn-ea"/>
+                <a:cs typeface="+mn-cs"/>
+              </a:rPr>
+              <a:t>etc</a:t>
+            </a:r>
+            <a:endParaRPr lang="en-US" sz="1000" dirty="0">
               <a:latin typeface="+mj-lt"/>
             </a:endParaRPr>
-          </a:p>
-          <a:p>
-            <a:r>
-              <a:rPr lang="en-US" sz="1100" dirty="0">
-                <a:latin typeface="+mj-lt"/>
-              </a:rPr>
-              <a:t>Renovating older homes can prevent the lower end of the  price fluctuation</a:t>
-            </a:r>
-          </a:p>
-          <a:p>
-            <a:endParaRPr lang="en-US" sz="1100" dirty="0">
-              <a:latin typeface="+mj-lt"/>
-            </a:endParaRPr>
-          </a:p>
-          <a:p>
-            <a:r>
-              <a:rPr lang="en-US" sz="1100" dirty="0">
-                <a:latin typeface="+mj-lt"/>
-              </a:rPr>
-              <a:t>Condition and Grade have a stronger overall effect on price, especially on older properties, some of which present much higher values dependent on those criteria</a:t>
-            </a:r>
-          </a:p>
-          <a:p>
-            <a:pPr algn="ctr"/>
-            <a:endParaRPr lang="en-US" dirty="0"/>
-          </a:p>
-          <a:p>
-            <a:pPr algn="ctr"/>
-            <a:endParaRPr lang="en-US" dirty="0"/>
           </a:p>
         </p:txBody>
       </p:sp>
@@ -668,7 +927,7 @@
     </p:spTree>
     <p:extLst>
       <p:ext uri="{BB962C8B-B14F-4D97-AF65-F5344CB8AC3E}">
-        <p14:creationId xmlns:p14="http://schemas.microsoft.com/office/powerpoint/2010/main" val="1201579630"/>
+        <p14:creationId xmlns:p14="http://schemas.microsoft.com/office/powerpoint/2010/main" val="1422155694"/>
       </p:ext>
     </p:extLst>
   </p:cSld>
@@ -723,190 +982,37 @@
           <a:lstStyle/>
           <a:p>
             <a:r>
-              <a:rPr lang="en-US" sz="1100" b="0" i="0" kern="1200" dirty="0">
-                <a:solidFill>
-                  <a:schemeClr val="tx1"/>
-                </a:solidFill>
-                <a:effectLst/>
-                <a:latin typeface="+mj-lt"/>
-                <a:ea typeface="+mn-ea"/>
-                <a:cs typeface="+mn-cs"/>
-              </a:rPr>
-              <a:t>A </a:t>
-            </a:r>
-            <a:r>
-              <a:rPr lang="en-US" sz="1100" b="1" i="0" kern="1200" dirty="0">
-                <a:solidFill>
-                  <a:schemeClr val="tx1"/>
-                </a:solidFill>
-                <a:effectLst/>
-                <a:latin typeface="+mj-lt"/>
-                <a:ea typeface="+mn-ea"/>
-                <a:cs typeface="+mn-cs"/>
-              </a:rPr>
-              <a:t>historic house</a:t>
-            </a:r>
-            <a:r>
-              <a:rPr lang="en-US" sz="1100" b="0" i="0" kern="1200" dirty="0">
-                <a:solidFill>
-                  <a:schemeClr val="tx1"/>
-                </a:solidFill>
-                <a:effectLst/>
-                <a:latin typeface="+mj-lt"/>
-                <a:ea typeface="+mn-ea"/>
-                <a:cs typeface="+mn-cs"/>
-              </a:rPr>
-              <a:t> generally meets several criteria before being listed by an official body as "historic." Generally the building is at least a certain age, depending on the rules for the individual list. A second factor is that the building be in recognizably the same form as when it became historic. Third is a requirement that either an event of historical importance happened at the site, or that a person of historical significance was associated with the site, or that the building itself is important for its architecture or interior</a:t>
-            </a:r>
-          </a:p>
-          <a:p>
-            <a:endParaRPr lang="en-US" sz="1100" b="0" i="0" kern="1200" dirty="0">
-              <a:solidFill>
-                <a:schemeClr val="tx1"/>
-              </a:solidFill>
-              <a:effectLst/>
-              <a:latin typeface="+mj-lt"/>
-              <a:ea typeface="+mn-ea"/>
-              <a:cs typeface="+mn-cs"/>
-            </a:endParaRPr>
-          </a:p>
-          <a:p>
-            <a:r>
-              <a:rPr lang="en-US" sz="1100" b="0" i="0" kern="1200" dirty="0">
-                <a:solidFill>
-                  <a:schemeClr val="tx1"/>
-                </a:solidFill>
-                <a:effectLst/>
-                <a:latin typeface="+mj-lt"/>
-                <a:ea typeface="+mn-ea"/>
-                <a:cs typeface="+mn-cs"/>
-              </a:rPr>
-              <a:t>Price on x axis</a:t>
-            </a:r>
-          </a:p>
-          <a:p>
-            <a:r>
-              <a:rPr lang="en-US" sz="1100" b="0" i="0" kern="1200" dirty="0">
-                <a:solidFill>
-                  <a:schemeClr val="tx1"/>
-                </a:solidFill>
-                <a:effectLst/>
-                <a:latin typeface="+mj-lt"/>
-                <a:ea typeface="+mn-ea"/>
-                <a:cs typeface="+mn-cs"/>
-              </a:rPr>
-              <a:t>Density on y axis</a:t>
-            </a:r>
-          </a:p>
-          <a:p>
-            <a:endParaRPr lang="en-US" sz="1100" b="0" i="0" kern="1200" dirty="0">
-              <a:solidFill>
-                <a:schemeClr val="tx1"/>
-              </a:solidFill>
-              <a:effectLst/>
-              <a:latin typeface="+mj-lt"/>
-              <a:ea typeface="+mn-ea"/>
-              <a:cs typeface="+mn-cs"/>
-            </a:endParaRPr>
-          </a:p>
-          <a:p>
-            <a:pPr marL="0" indent="0">
-              <a:buNone/>
-            </a:pPr>
-            <a:r>
-              <a:rPr lang="en-US" sz="1100" dirty="0">
+              <a:rPr lang="en-US" dirty="0">
                 <a:latin typeface="+mj-lt"/>
               </a:rPr>
-              <a:t>Renovated homes: Average Price: $ 768,902/ Average Grade: 7.75 out of 13/ Only 3% of homes are renovated</a:t>
-            </a:r>
-          </a:p>
-          <a:p>
-            <a:pPr marL="0" indent="0">
-              <a:buNone/>
-            </a:pPr>
-            <a:r>
-              <a:rPr lang="en-US" sz="1100" dirty="0">
+              <a:t>Newer homes consistently earn higher grade during home inspections </a:t>
+            </a:r>
+          </a:p>
+          <a:p>
+            <a:endParaRPr lang="en-US" dirty="0">
+              <a:latin typeface="+mj-lt"/>
+            </a:endParaRPr>
+          </a:p>
+          <a:p>
+            <a:r>
+              <a:rPr lang="en-US" dirty="0">
                 <a:latin typeface="+mj-lt"/>
               </a:rPr>
-              <a:t>Non-renovated homes: Average Price : $ 532,140/ Average Grade : 7.65 out of 13/  97% of homes are not renovated</a:t>
-            </a:r>
-          </a:p>
-          <a:p>
-            <a:pPr marL="0" marR="0" lvl="0" indent="0" algn="l" defTabSz="914400" rtl="0" eaLnBrk="1" fontAlgn="auto" latinLnBrk="0" hangingPunct="1">
-              <a:lnSpc>
-                <a:spcPct val="100000"/>
-              </a:lnSpc>
-              <a:spcBef>
-                <a:spcPts val="0"/>
-              </a:spcBef>
-              <a:spcAft>
-                <a:spcPts val="0"/>
-              </a:spcAft>
-              <a:buClrTx/>
-              <a:buSzTx/>
-              <a:buFontTx/>
-              <a:buNone/>
-              <a:tabLst/>
-              <a:defRPr/>
-            </a:pPr>
-            <a:r>
-              <a:rPr lang="en-US" sz="1100" dirty="0">
+              <a:t>Older homes trend lower average grades on home inspections</a:t>
+            </a:r>
+          </a:p>
+          <a:p>
+            <a:endParaRPr lang="en-US" dirty="0">
+              <a:latin typeface="+mj-lt"/>
+            </a:endParaRPr>
+          </a:p>
+          <a:p>
+            <a:r>
+              <a:rPr lang="en-US" dirty="0">
                 <a:latin typeface="+mj-lt"/>
               </a:rPr>
-              <a:t>Average Price for Non-Renovated Homes with Grade over 7: $ 701,337</a:t>
-            </a:r>
-          </a:p>
-          <a:p>
-            <a:pPr marL="0" marR="0" lvl="0" indent="0" algn="l" defTabSz="914400" rtl="0" eaLnBrk="1" fontAlgn="auto" latinLnBrk="0" hangingPunct="1">
-              <a:lnSpc>
-                <a:spcPct val="100000"/>
-              </a:lnSpc>
-              <a:spcBef>
-                <a:spcPts val="0"/>
-              </a:spcBef>
-              <a:spcAft>
-                <a:spcPts val="0"/>
-              </a:spcAft>
-              <a:buClrTx/>
-              <a:buSzTx/>
-              <a:buFontTx/>
-              <a:buNone/>
-              <a:tabLst/>
-              <a:defRPr/>
-            </a:pPr>
-            <a:r>
-              <a:rPr lang="en-US" sz="1100" dirty="0">
-                <a:latin typeface="+mj-lt"/>
-              </a:rPr>
-              <a:t>Renovating your home before selling can increase the value of your home by at least $60,000  to over $200,000 depending on other property features</a:t>
-            </a:r>
-          </a:p>
-          <a:p>
-            <a:pPr marL="0" indent="0">
-              <a:buNone/>
-            </a:pPr>
-            <a:endParaRPr lang="en-US" dirty="0">
-              <a:latin typeface="Helvetica" pitchFamily="2" charset="0"/>
-            </a:endParaRPr>
-          </a:p>
-          <a:p>
-            <a:pPr marL="0" indent="0">
-              <a:buNone/>
-            </a:pPr>
-            <a:endParaRPr lang="en-US" dirty="0">
-              <a:latin typeface="Helvetica" pitchFamily="2" charset="0"/>
-            </a:endParaRPr>
-          </a:p>
-          <a:p>
-            <a:pPr marL="0" indent="0">
-              <a:buNone/>
-            </a:pPr>
-            <a:endParaRPr lang="en-US" dirty="0">
-              <a:latin typeface="Helvetica" pitchFamily="2" charset="0"/>
-            </a:endParaRPr>
-          </a:p>
-          <a:p>
-            <a:endParaRPr lang="en-US" dirty="0"/>
+              <a:t>Recall that price average increases as grade increases</a:t>
+            </a:r>
           </a:p>
         </p:txBody>
       </p:sp>
@@ -936,7 +1042,7 @@
     </p:spTree>
     <p:extLst>
       <p:ext uri="{BB962C8B-B14F-4D97-AF65-F5344CB8AC3E}">
-        <p14:creationId xmlns:p14="http://schemas.microsoft.com/office/powerpoint/2010/main" val="2842394053"/>
+        <p14:creationId xmlns:p14="http://schemas.microsoft.com/office/powerpoint/2010/main" val="2824993748"/>
       </p:ext>
     </p:extLst>
   </p:cSld>
@@ -977,6 +1083,77 @@
       </p:sp>
       <p:sp>
         <p:nvSpPr>
+          <p:cNvPr id="3" name="Notes Placeholder 2"/>
+          <p:cNvSpPr>
+            <a:spLocks noGrp="1"/>
+          </p:cNvSpPr>
+          <p:nvPr>
+            <p:ph type="body" idx="1"/>
+          </p:nvPr>
+        </p:nvSpPr>
+        <p:spPr/>
+        <p:txBody>
+          <a:bodyPr/>
+          <a:lstStyle/>
+          <a:p>
+            <a:r>
+              <a:rPr lang="en-US" sz="1100" dirty="0">
+                <a:latin typeface="+mj-lt"/>
+              </a:rPr>
+              <a:t>Strong deviation from mean of price occurs starting around home age of 75-80 years. </a:t>
+            </a:r>
+          </a:p>
+          <a:p>
+            <a:endParaRPr lang="en-US" sz="1100" dirty="0">
+              <a:latin typeface="+mj-lt"/>
+            </a:endParaRPr>
+          </a:p>
+          <a:p>
+            <a:r>
+              <a:rPr lang="en-US" sz="1100" dirty="0">
+                <a:latin typeface="+mj-lt"/>
+              </a:rPr>
+              <a:t>Example of how age can depreciate value as home ages</a:t>
+            </a:r>
+          </a:p>
+          <a:p>
+            <a:endParaRPr lang="en-US" sz="1100" dirty="0">
+              <a:latin typeface="+mj-lt"/>
+            </a:endParaRPr>
+          </a:p>
+          <a:p>
+            <a:r>
+              <a:rPr lang="en-US" sz="1100" dirty="0">
+                <a:latin typeface="+mj-lt"/>
+              </a:rPr>
+              <a:t>Renovating older homes can prevent the lower end of the  price fluctuation</a:t>
+            </a:r>
+          </a:p>
+          <a:p>
+            <a:endParaRPr lang="en-US" sz="1100" dirty="0">
+              <a:latin typeface="+mj-lt"/>
+            </a:endParaRPr>
+          </a:p>
+          <a:p>
+            <a:r>
+              <a:rPr lang="en-US" sz="1100" dirty="0">
+                <a:latin typeface="+mj-lt"/>
+              </a:rPr>
+              <a:t>Condition and Grade have a stronger overall effect on price, especially on older properties, some of which present much higher values dependent on those criteria</a:t>
+            </a:r>
+          </a:p>
+          <a:p>
+            <a:pPr algn="ctr"/>
+            <a:endParaRPr lang="en-US" dirty="0"/>
+          </a:p>
+          <a:p>
+            <a:pPr algn="ctr"/>
+            <a:endParaRPr lang="en-US" dirty="0"/>
+          </a:p>
+        </p:txBody>
+      </p:sp>
+      <p:sp>
+        <p:nvSpPr>
           <p:cNvPr id="4" name="Slide Number Placeholder 3"/>
           <p:cNvSpPr>
             <a:spLocks noGrp="1"/>
@@ -1001,7 +1178,7 @@
     </p:spTree>
     <p:extLst>
       <p:ext uri="{BB962C8B-B14F-4D97-AF65-F5344CB8AC3E}">
-        <p14:creationId xmlns:p14="http://schemas.microsoft.com/office/powerpoint/2010/main" val="356693957"/>
+        <p14:creationId xmlns:p14="http://schemas.microsoft.com/office/powerpoint/2010/main" val="1201579630"/>
       </p:ext>
     </p:extLst>
   </p:cSld>
@@ -1042,6 +1219,209 @@
       </p:sp>
       <p:sp>
         <p:nvSpPr>
+          <p:cNvPr id="3" name="Notes Placeholder 2"/>
+          <p:cNvSpPr>
+            <a:spLocks noGrp="1"/>
+          </p:cNvSpPr>
+          <p:nvPr>
+            <p:ph type="body" idx="1"/>
+          </p:nvPr>
+        </p:nvSpPr>
+        <p:spPr/>
+        <p:txBody>
+          <a:bodyPr/>
+          <a:lstStyle/>
+          <a:p>
+            <a:r>
+              <a:rPr lang="en-US" sz="1100" b="0" i="0" kern="1200" dirty="0">
+                <a:solidFill>
+                  <a:schemeClr val="tx1"/>
+                </a:solidFill>
+                <a:effectLst/>
+                <a:latin typeface="+mj-lt"/>
+                <a:ea typeface="+mn-ea"/>
+                <a:cs typeface="+mn-cs"/>
+              </a:rPr>
+              <a:t>A </a:t>
+            </a:r>
+            <a:r>
+              <a:rPr lang="en-US" sz="1100" b="1" i="0" kern="1200" dirty="0">
+                <a:solidFill>
+                  <a:schemeClr val="tx1"/>
+                </a:solidFill>
+                <a:effectLst/>
+                <a:latin typeface="+mj-lt"/>
+                <a:ea typeface="+mn-ea"/>
+                <a:cs typeface="+mn-cs"/>
+              </a:rPr>
+              <a:t>historic house</a:t>
+            </a:r>
+            <a:r>
+              <a:rPr lang="en-US" sz="1100" b="0" i="0" kern="1200" dirty="0">
+                <a:solidFill>
+                  <a:schemeClr val="tx1"/>
+                </a:solidFill>
+                <a:effectLst/>
+                <a:latin typeface="+mj-lt"/>
+                <a:ea typeface="+mn-ea"/>
+                <a:cs typeface="+mn-cs"/>
+              </a:rPr>
+              <a:t> generally meets several criteria before being listed by an official body as "historic." Generally the building is at least a certain age, depending on the rules for the individual list. A second factor is that the building be in recognizably the same form as when it became historic. Third is a requirement that either an event of historical importance happened at the site, or that a person of historical significance was associated with the site, or that the building itself is important for its architecture or interior</a:t>
+            </a:r>
+          </a:p>
+          <a:p>
+            <a:endParaRPr lang="en-US" sz="1100" b="0" i="0" kern="1200" dirty="0">
+              <a:solidFill>
+                <a:schemeClr val="tx1"/>
+              </a:solidFill>
+              <a:effectLst/>
+              <a:latin typeface="+mj-lt"/>
+              <a:ea typeface="+mn-ea"/>
+              <a:cs typeface="+mn-cs"/>
+            </a:endParaRPr>
+          </a:p>
+          <a:p>
+            <a:r>
+              <a:rPr lang="en-US" sz="1100" b="0" i="0" kern="1200" dirty="0">
+                <a:solidFill>
+                  <a:schemeClr val="tx1"/>
+                </a:solidFill>
+                <a:effectLst/>
+                <a:latin typeface="+mj-lt"/>
+                <a:ea typeface="+mn-ea"/>
+                <a:cs typeface="+mn-cs"/>
+              </a:rPr>
+              <a:t>Price on x axis</a:t>
+            </a:r>
+          </a:p>
+          <a:p>
+            <a:r>
+              <a:rPr lang="en-US" sz="1100" b="0" i="0" kern="1200" dirty="0">
+                <a:solidFill>
+                  <a:schemeClr val="tx1"/>
+                </a:solidFill>
+                <a:effectLst/>
+                <a:latin typeface="+mj-lt"/>
+                <a:ea typeface="+mn-ea"/>
+                <a:cs typeface="+mn-cs"/>
+              </a:rPr>
+              <a:t>Density on y axis</a:t>
+            </a:r>
+          </a:p>
+          <a:p>
+            <a:endParaRPr lang="en-US" sz="1100" b="0" i="0" kern="1200" dirty="0">
+              <a:solidFill>
+                <a:schemeClr val="tx1"/>
+              </a:solidFill>
+              <a:effectLst/>
+              <a:latin typeface="+mj-lt"/>
+              <a:ea typeface="+mn-ea"/>
+              <a:cs typeface="+mn-cs"/>
+            </a:endParaRPr>
+          </a:p>
+          <a:p>
+            <a:pPr marL="0" indent="0">
+              <a:buNone/>
+            </a:pPr>
+            <a:r>
+              <a:rPr lang="en-US" sz="1100" dirty="0">
+                <a:latin typeface="+mj-lt"/>
+              </a:rPr>
+              <a:t>Renovated homes: Average Price: $ 768,902/ Average Grade: 7.75 out of 13/ Only 3% of homes are renovated</a:t>
+            </a:r>
+          </a:p>
+          <a:p>
+            <a:pPr marL="0" indent="0">
+              <a:buNone/>
+            </a:pPr>
+            <a:r>
+              <a:rPr lang="en-US" sz="1100" dirty="0">
+                <a:latin typeface="+mj-lt"/>
+              </a:rPr>
+              <a:t>Non-renovated homes: Average Price : $ 532,140/ Average Grade : 7.65 out of 13/  97% of homes are not renovated</a:t>
+            </a:r>
+          </a:p>
+          <a:p>
+            <a:pPr marL="0" marR="0" lvl="0" indent="0" algn="l" defTabSz="914400" rtl="0" eaLnBrk="1" fontAlgn="auto" latinLnBrk="0" hangingPunct="1">
+              <a:lnSpc>
+                <a:spcPct val="100000"/>
+              </a:lnSpc>
+              <a:spcBef>
+                <a:spcPts val="0"/>
+              </a:spcBef>
+              <a:spcAft>
+                <a:spcPts val="0"/>
+              </a:spcAft>
+              <a:buClrTx/>
+              <a:buSzTx/>
+              <a:buFontTx/>
+              <a:buNone/>
+              <a:tabLst/>
+              <a:defRPr/>
+            </a:pPr>
+            <a:r>
+              <a:rPr lang="en-US" sz="1100" dirty="0">
+                <a:latin typeface="+mj-lt"/>
+              </a:rPr>
+              <a:t>Average Price for Non-Renovated Homes with Grade over 7: $ 701,337</a:t>
+            </a:r>
+          </a:p>
+          <a:p>
+            <a:pPr marL="0" marR="0" lvl="0" indent="0" algn="l" defTabSz="914400" rtl="0" eaLnBrk="1" fontAlgn="auto" latinLnBrk="0" hangingPunct="1">
+              <a:lnSpc>
+                <a:spcPct val="100000"/>
+              </a:lnSpc>
+              <a:spcBef>
+                <a:spcPts val="0"/>
+              </a:spcBef>
+              <a:spcAft>
+                <a:spcPts val="0"/>
+              </a:spcAft>
+              <a:buClrTx/>
+              <a:buSzTx/>
+              <a:buFontTx/>
+              <a:buNone/>
+              <a:tabLst/>
+              <a:defRPr/>
+            </a:pPr>
+            <a:r>
+              <a:rPr lang="en-US" sz="1100" dirty="0">
+                <a:latin typeface="+mj-lt"/>
+              </a:rPr>
+              <a:t>Renovating your home before selling can increase the value of your home by at least $60,000  to over $200,000 depending on other property features</a:t>
+            </a:r>
+          </a:p>
+          <a:p>
+            <a:pPr marL="0" indent="0">
+              <a:buNone/>
+            </a:pPr>
+            <a:endParaRPr lang="en-US" dirty="0">
+              <a:latin typeface="Helvetica" pitchFamily="2" charset="0"/>
+            </a:endParaRPr>
+          </a:p>
+          <a:p>
+            <a:pPr marL="0" indent="0">
+              <a:buNone/>
+            </a:pPr>
+            <a:endParaRPr lang="en-US" dirty="0">
+              <a:latin typeface="Helvetica" pitchFamily="2" charset="0"/>
+            </a:endParaRPr>
+          </a:p>
+          <a:p>
+            <a:pPr marL="0" indent="0">
+              <a:buNone/>
+            </a:pPr>
+            <a:endParaRPr lang="en-US" dirty="0">
+              <a:latin typeface="Helvetica" pitchFamily="2" charset="0"/>
+            </a:endParaRPr>
+          </a:p>
+          <a:p>
+            <a:endParaRPr lang="en-US" dirty="0"/>
+          </a:p>
+        </p:txBody>
+      </p:sp>
+      <p:sp>
+        <p:nvSpPr>
           <p:cNvPr id="4" name="Slide Number Placeholder 3"/>
           <p:cNvSpPr>
             <a:spLocks noGrp="1"/>
@@ -1066,7 +1446,7 @@
     </p:spTree>
     <p:extLst>
       <p:ext uri="{BB962C8B-B14F-4D97-AF65-F5344CB8AC3E}">
-        <p14:creationId xmlns:p14="http://schemas.microsoft.com/office/powerpoint/2010/main" val="3209829908"/>
+        <p14:creationId xmlns:p14="http://schemas.microsoft.com/office/powerpoint/2010/main" val="2842394053"/>
       </p:ext>
     </p:extLst>
   </p:cSld>
@@ -1123,6 +1503,136 @@
             <a:fld id="{D147C160-4B8E-AA4F-BC5D-50DDB3E8D563}" type="slidenum">
               <a:rPr lang="en-US" smtClean="0"/>
               <a:t>14</a:t>
+            </a:fld>
+            <a:endParaRPr lang="en-US"/>
+          </a:p>
+        </p:txBody>
+      </p:sp>
+    </p:spTree>
+    <p:extLst>
+      <p:ext uri="{BB962C8B-B14F-4D97-AF65-F5344CB8AC3E}">
+        <p14:creationId xmlns:p14="http://schemas.microsoft.com/office/powerpoint/2010/main" val="356693957"/>
+      </p:ext>
+    </p:extLst>
+  </p:cSld>
+  <p:clrMapOvr>
+    <a:masterClrMapping/>
+  </p:clrMapOvr>
+</p:notes>
+</file>
+
+<file path=ppt/notesSlides/notesSlide15.xml><?xml version="1.0" encoding="utf-8"?>
+<p:notes xmlns:a="http://schemas.openxmlformats.org/drawingml/2006/main" xmlns:r="http://schemas.openxmlformats.org/officeDocument/2006/relationships" xmlns:p="http://schemas.openxmlformats.org/presentationml/2006/main">
+  <p:cSld>
+    <p:spTree>
+      <p:nvGrpSpPr>
+        <p:cNvPr id="1" name=""/>
+        <p:cNvGrpSpPr/>
+        <p:nvPr/>
+      </p:nvGrpSpPr>
+      <p:grpSpPr>
+        <a:xfrm>
+          <a:off x="0" y="0"/>
+          <a:ext cx="0" cy="0"/>
+          <a:chOff x="0" y="0"/>
+          <a:chExt cx="0" cy="0"/>
+        </a:xfrm>
+      </p:grpSpPr>
+      <p:sp>
+        <p:nvSpPr>
+          <p:cNvPr id="2" name="Slide Image Placeholder 1"/>
+          <p:cNvSpPr>
+            <a:spLocks noGrp="1" noRot="1" noChangeAspect="1"/>
+          </p:cNvSpPr>
+          <p:nvPr>
+            <p:ph type="sldImg"/>
+          </p:nvPr>
+        </p:nvSpPr>
+        <p:spPr/>
+      </p:sp>
+      <p:sp>
+        <p:nvSpPr>
+          <p:cNvPr id="4" name="Slide Number Placeholder 3"/>
+          <p:cNvSpPr>
+            <a:spLocks noGrp="1"/>
+          </p:cNvSpPr>
+          <p:nvPr>
+            <p:ph type="sldNum" sz="quarter" idx="5"/>
+          </p:nvPr>
+        </p:nvSpPr>
+        <p:spPr/>
+        <p:txBody>
+          <a:bodyPr/>
+          <a:lstStyle/>
+          <a:p>
+            <a:fld id="{D147C160-4B8E-AA4F-BC5D-50DDB3E8D563}" type="slidenum">
+              <a:rPr lang="en-US" smtClean="0"/>
+              <a:t>15</a:t>
+            </a:fld>
+            <a:endParaRPr lang="en-US"/>
+          </a:p>
+        </p:txBody>
+      </p:sp>
+    </p:spTree>
+    <p:extLst>
+      <p:ext uri="{BB962C8B-B14F-4D97-AF65-F5344CB8AC3E}">
+        <p14:creationId xmlns:p14="http://schemas.microsoft.com/office/powerpoint/2010/main" val="3209829908"/>
+      </p:ext>
+    </p:extLst>
+  </p:cSld>
+  <p:clrMapOvr>
+    <a:masterClrMapping/>
+  </p:clrMapOvr>
+</p:notes>
+</file>
+
+<file path=ppt/notesSlides/notesSlide16.xml><?xml version="1.0" encoding="utf-8"?>
+<p:notes xmlns:a="http://schemas.openxmlformats.org/drawingml/2006/main" xmlns:r="http://schemas.openxmlformats.org/officeDocument/2006/relationships" xmlns:p="http://schemas.openxmlformats.org/presentationml/2006/main">
+  <p:cSld>
+    <p:spTree>
+      <p:nvGrpSpPr>
+        <p:cNvPr id="1" name=""/>
+        <p:cNvGrpSpPr/>
+        <p:nvPr/>
+      </p:nvGrpSpPr>
+      <p:grpSpPr>
+        <a:xfrm>
+          <a:off x="0" y="0"/>
+          <a:ext cx="0" cy="0"/>
+          <a:chOff x="0" y="0"/>
+          <a:chExt cx="0" cy="0"/>
+        </a:xfrm>
+      </p:grpSpPr>
+      <p:sp>
+        <p:nvSpPr>
+          <p:cNvPr id="2" name="Slide Image Placeholder 1"/>
+          <p:cNvSpPr>
+            <a:spLocks noGrp="1" noRot="1" noChangeAspect="1"/>
+          </p:cNvSpPr>
+          <p:nvPr>
+            <p:ph type="sldImg"/>
+          </p:nvPr>
+        </p:nvSpPr>
+        <p:spPr/>
+      </p:sp>
+      <p:sp>
+        <p:nvSpPr>
+          <p:cNvPr id="4" name="Slide Number Placeholder 3"/>
+          <p:cNvSpPr>
+            <a:spLocks noGrp="1"/>
+          </p:cNvSpPr>
+          <p:nvPr>
+            <p:ph type="sldNum" sz="quarter" idx="5"/>
+          </p:nvPr>
+        </p:nvSpPr>
+        <p:spPr/>
+        <p:txBody>
+          <a:bodyPr/>
+          <a:lstStyle/>
+          <a:p>
+            <a:fld id="{D147C160-4B8E-AA4F-BC5D-50DDB3E8D563}" type="slidenum">
+              <a:rPr lang="en-US" smtClean="0"/>
+              <a:t>16</a:t>
             </a:fld>
             <a:endParaRPr lang="en-US"/>
           </a:p>
@@ -1172,6 +1682,25 @@
       </p:sp>
       <p:sp>
         <p:nvSpPr>
+          <p:cNvPr id="3" name="Notes Placeholder 2"/>
+          <p:cNvSpPr>
+            <a:spLocks noGrp="1"/>
+          </p:cNvSpPr>
+          <p:nvPr>
+            <p:ph type="body" idx="1"/>
+          </p:nvPr>
+        </p:nvSpPr>
+        <p:spPr/>
+        <p:txBody>
+          <a:bodyPr/>
+          <a:lstStyle/>
+          <a:p>
+            <a:endParaRPr lang="en-US"/>
+          </a:p>
+        </p:txBody>
+      </p:sp>
+      <p:sp>
+        <p:nvSpPr>
           <p:cNvPr id="4" name="Slide Number Placeholder 3"/>
           <p:cNvSpPr>
             <a:spLocks noGrp="1"/>
@@ -1196,7 +1725,7 @@
     </p:spTree>
     <p:extLst>
       <p:ext uri="{BB962C8B-B14F-4D97-AF65-F5344CB8AC3E}">
-        <p14:creationId xmlns:p14="http://schemas.microsoft.com/office/powerpoint/2010/main" val="2147482207"/>
+        <p14:creationId xmlns:p14="http://schemas.microsoft.com/office/powerpoint/2010/main" val="2215191334"/>
       </p:ext>
     </p:extLst>
   </p:cSld>
@@ -1258,10 +1787,110 @@
           </a:p>
         </p:txBody>
       </p:sp>
+      <p:sp>
+        <p:nvSpPr>
+          <p:cNvPr id="5" name="Notes Placeholder 4">
+            <a:extLst>
+              <a:ext uri="{FF2B5EF4-FFF2-40B4-BE49-F238E27FC236}">
+                <a16:creationId xmlns:a16="http://schemas.microsoft.com/office/drawing/2014/main" id="{4197E948-20CD-594A-8A0D-8B1CC4C192F5}"/>
+              </a:ext>
+            </a:extLst>
+          </p:cNvPr>
+          <p:cNvSpPr>
+            <a:spLocks noGrp="1"/>
+          </p:cNvSpPr>
+          <p:nvPr>
+            <p:ph type="body" idx="1"/>
+          </p:nvPr>
+        </p:nvSpPr>
+        <p:spPr/>
+        <p:txBody>
+          <a:bodyPr/>
+          <a:lstStyle/>
+          <a:p>
+            <a:pPr marL="0" marR="0" lvl="0" indent="0" algn="l" defTabSz="914400" rtl="0" eaLnBrk="1" fontAlgn="auto" latinLnBrk="0" hangingPunct="1">
+              <a:lnSpc>
+                <a:spcPct val="100000"/>
+              </a:lnSpc>
+              <a:spcBef>
+                <a:spcPts val="0"/>
+              </a:spcBef>
+              <a:spcAft>
+                <a:spcPts val="0"/>
+              </a:spcAft>
+              <a:buClrTx/>
+              <a:buSzTx/>
+              <a:buFontTx/>
+              <a:buNone/>
+              <a:tabLst/>
+              <a:defRPr/>
+            </a:pPr>
+            <a:r>
+              <a:rPr lang="en-US" dirty="0"/>
+              <a:t>Assess predicting factors, and combinations of factors that affect value of home</a:t>
+            </a:r>
+          </a:p>
+          <a:p>
+            <a:endParaRPr lang="en-US" dirty="0"/>
+          </a:p>
+          <a:p>
+            <a:pPr marL="0" marR="0" lvl="0" indent="0" algn="l" defTabSz="914400" rtl="0" eaLnBrk="1" fontAlgn="auto" latinLnBrk="0" hangingPunct="1">
+              <a:lnSpc>
+                <a:spcPct val="100000"/>
+              </a:lnSpc>
+              <a:spcBef>
+                <a:spcPts val="0"/>
+              </a:spcBef>
+              <a:spcAft>
+                <a:spcPts val="0"/>
+              </a:spcAft>
+              <a:buClrTx/>
+              <a:buSzTx/>
+              <a:buFontTx/>
+              <a:buNone/>
+              <a:tabLst/>
+              <a:defRPr/>
+            </a:pPr>
+            <a:r>
+              <a:rPr lang="en-US" dirty="0"/>
+              <a:t>Create model to predict housing prices based on criteria provided in dataset</a:t>
+            </a:r>
+          </a:p>
+          <a:p>
+            <a:endParaRPr lang="en-US" dirty="0"/>
+          </a:p>
+          <a:p>
+            <a:pPr marL="0" marR="0" lvl="0" indent="0" algn="l" defTabSz="914400" rtl="0" eaLnBrk="1" fontAlgn="auto" latinLnBrk="0" hangingPunct="1">
+              <a:lnSpc>
+                <a:spcPct val="100000"/>
+              </a:lnSpc>
+              <a:spcBef>
+                <a:spcPts val="0"/>
+              </a:spcBef>
+              <a:spcAft>
+                <a:spcPts val="0"/>
+              </a:spcAft>
+              <a:buClrTx/>
+              <a:buSzTx/>
+              <a:buFontTx/>
+              <a:buNone/>
+              <a:tabLst/>
+              <a:defRPr/>
+            </a:pPr>
+            <a:r>
+              <a:rPr lang="en-US" dirty="0"/>
+              <a:t>Find attributes that increase value of house </a:t>
+            </a:r>
+          </a:p>
+          <a:p>
+            <a:endParaRPr lang="en-US" dirty="0"/>
+          </a:p>
+        </p:txBody>
+      </p:sp>
     </p:spTree>
     <p:extLst>
       <p:ext uri="{BB962C8B-B14F-4D97-AF65-F5344CB8AC3E}">
-        <p14:creationId xmlns:p14="http://schemas.microsoft.com/office/powerpoint/2010/main" val="1797775860"/>
+        <p14:creationId xmlns:p14="http://schemas.microsoft.com/office/powerpoint/2010/main" val="2147482207"/>
       </p:ext>
     </p:extLst>
   </p:cSld>
@@ -1302,28 +1931,6 @@
       </p:sp>
       <p:sp>
         <p:nvSpPr>
-          <p:cNvPr id="3" name="Notes Placeholder 2"/>
-          <p:cNvSpPr>
-            <a:spLocks noGrp="1"/>
-          </p:cNvSpPr>
-          <p:nvPr>
-            <p:ph type="body" idx="1"/>
-          </p:nvPr>
-        </p:nvSpPr>
-        <p:spPr/>
-        <p:txBody>
-          <a:bodyPr/>
-          <a:lstStyle/>
-          <a:p>
-            <a:r>
-              <a:rPr lang="en-US" dirty="0"/>
-              <a:t>P values indicate chosen features used in model have effect on price</a:t>
-            </a:r>
-          </a:p>
-        </p:txBody>
-      </p:sp>
-      <p:sp>
-        <p:nvSpPr>
           <p:cNvPr id="4" name="Slide Number Placeholder 3"/>
           <p:cNvSpPr>
             <a:spLocks noGrp="1"/>
@@ -1348,7 +1955,7 @@
     </p:spTree>
     <p:extLst>
       <p:ext uri="{BB962C8B-B14F-4D97-AF65-F5344CB8AC3E}">
-        <p14:creationId xmlns:p14="http://schemas.microsoft.com/office/powerpoint/2010/main" val="897597216"/>
+        <p14:creationId xmlns:p14="http://schemas.microsoft.com/office/powerpoint/2010/main" val="1797775860"/>
       </p:ext>
     </p:extLst>
   </p:cSld>
@@ -1402,96 +2009,78 @@
           <a:bodyPr/>
           <a:lstStyle/>
           <a:p>
-            <a:pPr algn="ctr"/>
-            <a:r>
-              <a:rPr lang="en-US" sz="1200" dirty="0">
-                <a:latin typeface="Helvetica" pitchFamily="2" charset="0"/>
-              </a:rPr>
-              <a:t>Overall Average Home Price: $540,297</a:t>
-            </a:r>
-            <a:br>
-              <a:rPr lang="en-US" sz="1200" dirty="0">
-                <a:latin typeface="Helvetica" pitchFamily="2" charset="0"/>
-              </a:rPr>
-            </a:br>
-            <a:r>
-              <a:rPr lang="en-US" sz="1200" dirty="0">
-                <a:latin typeface="Helvetica" pitchFamily="2" charset="0"/>
-              </a:rPr>
-              <a:t>Overall Average Number of Bedrooms: 3.4</a:t>
-            </a:r>
-          </a:p>
-          <a:p>
-            <a:pPr algn="ctr"/>
-            <a:r>
-              <a:rPr lang="en-US" sz="1200" dirty="0">
-                <a:latin typeface="Helvetica" pitchFamily="2" charset="0"/>
-              </a:rPr>
-              <a:t>3 bedrooms most common(mode), followed by 4 bedroom homes</a:t>
-            </a:r>
-          </a:p>
-          <a:p>
-            <a:pPr algn="ctr"/>
-            <a:r>
-              <a:rPr lang="en-US" sz="1200" dirty="0">
-                <a:latin typeface="Helvetica" pitchFamily="2" charset="0"/>
-              </a:rPr>
-              <a:t>1 BR House: $ 318,239</a:t>
-            </a:r>
-          </a:p>
-          <a:p>
-            <a:pPr algn="ctr"/>
-            <a:r>
-              <a:rPr lang="en-US" sz="1200" dirty="0">
-                <a:latin typeface="Helvetica" pitchFamily="2" charset="0"/>
-              </a:rPr>
-              <a:t>2 BR House: $ 401,387</a:t>
-            </a:r>
-          </a:p>
-          <a:p>
-            <a:pPr algn="ctr"/>
-            <a:r>
-              <a:rPr lang="en-US" sz="1200" dirty="0">
-                <a:latin typeface="Helvetica" pitchFamily="2" charset="0"/>
-              </a:rPr>
-              <a:t>3 BR House: $ 466,294</a:t>
-            </a:r>
-          </a:p>
-          <a:p>
-            <a:pPr algn="ctr"/>
-            <a:r>
-              <a:rPr lang="en-US" sz="1200" dirty="0">
-                <a:latin typeface="Helvetica" pitchFamily="2" charset="0"/>
-              </a:rPr>
-              <a:t>4 BR House: $ 635,565</a:t>
-            </a:r>
-          </a:p>
-          <a:p>
-            <a:pPr algn="ctr"/>
-            <a:r>
-              <a:rPr lang="en-US" sz="1200" dirty="0">
-                <a:latin typeface="Helvetica" pitchFamily="2" charset="0"/>
-              </a:rPr>
-              <a:t>5 BR House: $ 786,874</a:t>
-            </a:r>
-          </a:p>
-          <a:p>
-            <a:pPr algn="ctr"/>
-            <a:r>
-              <a:rPr lang="en-US" sz="1200" dirty="0">
-                <a:latin typeface="Helvetica" pitchFamily="2" charset="0"/>
-              </a:rPr>
-              <a:t>6 BR House: $ 825,854</a:t>
-            </a:r>
-          </a:p>
-          <a:p>
-            <a:pPr algn="ctr"/>
-            <a:endParaRPr lang="en-US" sz="1200" dirty="0">
-              <a:latin typeface="Helvetica" pitchFamily="2" charset="0"/>
-            </a:endParaRPr>
-          </a:p>
-          <a:p>
-            <a:endParaRPr lang="en-US" dirty="0"/>
+            <a:r>
+              <a:rPr lang="en-US" dirty="0"/>
+              <a:t>Linear Regression model</a:t>
+            </a:r>
+            <a:r>
+              <a:rPr lang="en-US" baseline="0" dirty="0"/>
+              <a:t> and assessment for all variables seen on factors assessed slide on 1:1 basis, in addition to linear model on </a:t>
+            </a:r>
+            <a:r>
+              <a:rPr lang="en-US" baseline="0" dirty="0" err="1"/>
+              <a:t>price~age</a:t>
+            </a:r>
+            <a:r>
+              <a:rPr lang="en-US" baseline="0" dirty="0"/>
+              <a:t>/grade/condition </a:t>
+            </a:r>
+          </a:p>
+          <a:p>
+            <a:r>
+              <a:rPr lang="en-US" baseline="0" dirty="0"/>
+              <a:t>Multiple Regression Model on price~</a:t>
+            </a:r>
+            <a:r>
+              <a:rPr lang="en-US" dirty="0"/>
+              <a:t>['age', '</a:t>
+            </a:r>
+            <a:r>
+              <a:rPr lang="en-US" dirty="0" err="1"/>
+              <a:t>sqm_living</a:t>
+            </a:r>
+            <a:r>
+              <a:rPr lang="en-US" dirty="0"/>
+              <a:t>', 'sqm_living15', '</a:t>
+            </a:r>
+            <a:r>
+              <a:rPr lang="en-US" dirty="0" err="1"/>
+              <a:t>distance_seattle</a:t>
+            </a:r>
+            <a:r>
+              <a:rPr lang="en-US" dirty="0"/>
+              <a:t>', 'grade_5', 'grade_6', 'grade_7', 'grade_8', 'grade_9', 'grade_10', 'grade_11', 'grade_12', 'grade_13', 'bed_2', 'bed_3', 'bed_4', 'bed_5', 'bed_6', 'bed_7', 'bed_8', 'bed_9', 'bed_10', 'bed_11', 'bathrooms_2.0', 'bathrooms_3.0', 'bathrooms_4.0', 'bathrooms_5.0', 'bathrooms_6.0', 'bathrooms_7.0', 'bathrooms_8.0', 'condition_2', 'condition_3', 'condition_4', 'condition_5’]</a:t>
+            </a:r>
+          </a:p>
+          <a:p>
+            <a:r>
+              <a:rPr lang="en-US" dirty="0"/>
+              <a:t>Stepwise Regression model</a:t>
+            </a:r>
+            <a:r>
+              <a:rPr lang="en-US" baseline="0" dirty="0"/>
+              <a:t>  on price~</a:t>
+            </a:r>
+            <a:r>
+              <a:rPr lang="en-US" dirty="0"/>
+              <a:t>['grade_7', 'grade_11', 'grade_10', 'grade_9', '</a:t>
+            </a:r>
+            <a:r>
+              <a:rPr lang="en-US" dirty="0" err="1"/>
+              <a:t>distance_seattle</a:t>
+            </a:r>
+            <a:r>
+              <a:rPr lang="en-US" dirty="0"/>
+              <a:t>', 'grade_12', 'grade_8', 'age', 'sqm_living15', '</a:t>
+            </a:r>
+            <a:r>
+              <a:rPr lang="en-US" dirty="0" err="1"/>
+              <a:t>sqm_living</a:t>
+            </a:r>
+            <a:r>
+              <a:rPr lang="en-US" dirty="0"/>
+              <a:t>', 'condition_5', 'grade_13', 'condition_4', 'bathrooms_4.0', 'bathrooms_3.0', 'bathrooms_2.0', 'bed_2', 'bathrooms_5.0', 'condition_3', 'bed_3', 'bathrooms_6.0', 'bed_7', 'bed_6']</a:t>
+            </a:r>
           </a:p>
         </p:txBody>
       </p:sp>
@@ -1521,7 +2110,7 @@
     </p:spTree>
     <p:extLst>
       <p:ext uri="{BB962C8B-B14F-4D97-AF65-F5344CB8AC3E}">
-        <p14:creationId xmlns:p14="http://schemas.microsoft.com/office/powerpoint/2010/main" val="285187000"/>
+        <p14:creationId xmlns:p14="http://schemas.microsoft.com/office/powerpoint/2010/main" val="1792736795"/>
       </p:ext>
     </p:extLst>
   </p:cSld>
@@ -1576,112 +2165,8 @@
           <a:lstStyle/>
           <a:p>
             <a:r>
-              <a:rPr lang="en-US" sz="1200" dirty="0">
-                <a:latin typeface="Helvetica" pitchFamily="2" charset="0"/>
-              </a:rPr>
-              <a:t>Each bedroom in a home can increase the value of a home by an average of $127,573</a:t>
-            </a:r>
-          </a:p>
-          <a:p>
-            <a:endParaRPr lang="en-US" sz="1200" dirty="0">
-              <a:latin typeface="Helvetica" pitchFamily="2" charset="0"/>
-            </a:endParaRPr>
-          </a:p>
-          <a:p>
-            <a:r>
               <a:rPr lang="en-US" dirty="0"/>
-              <a:t>Price per bedroom(average home price/number of bedrooms)</a:t>
-            </a:r>
-            <a:br>
-              <a:rPr lang="en-US" dirty="0"/>
-            </a:br>
-            <a:r>
-              <a:rPr lang="en-US" dirty="0"/>
-              <a:t>:</a:t>
-            </a:r>
-          </a:p>
-          <a:p>
-            <a:r>
-              <a:rPr lang="en-US" dirty="0"/>
-              <a:t>1 </a:t>
-            </a:r>
-            <a:r>
-              <a:rPr lang="en-US" dirty="0" err="1"/>
-              <a:t>br</a:t>
-            </a:r>
-            <a:r>
-              <a:rPr lang="en-US" dirty="0"/>
-              <a:t> house: $329,414</a:t>
-            </a:r>
-          </a:p>
-          <a:p>
-            <a:r>
-              <a:rPr lang="en-US" dirty="0"/>
-              <a:t>2 </a:t>
-            </a:r>
-            <a:r>
-              <a:rPr lang="en-US" dirty="0" err="1"/>
-              <a:t>br</a:t>
-            </a:r>
-            <a:r>
-              <a:rPr lang="en-US" dirty="0"/>
-              <a:t> house: $201,122 </a:t>
-            </a:r>
-          </a:p>
-          <a:p>
-            <a:r>
-              <a:rPr lang="en-US" dirty="0"/>
-              <a:t>3 </a:t>
-            </a:r>
-            <a:r>
-              <a:rPr lang="en-US" dirty="0" err="1"/>
-              <a:t>br</a:t>
-            </a:r>
-            <a:r>
-              <a:rPr lang="en-US" dirty="0"/>
-              <a:t> house: $155,516</a:t>
-            </a:r>
-          </a:p>
-          <a:p>
-            <a:r>
-              <a:rPr lang="en-US" dirty="0"/>
-              <a:t>4 </a:t>
-            </a:r>
-            <a:r>
-              <a:rPr lang="en-US" dirty="0" err="1"/>
-              <a:t>br</a:t>
-            </a:r>
-            <a:r>
-              <a:rPr lang="en-US" dirty="0"/>
-              <a:t> house: $158,925</a:t>
-            </a:r>
-          </a:p>
-          <a:p>
-            <a:r>
-              <a:rPr lang="en-US" dirty="0"/>
-              <a:t>5 </a:t>
-            </a:r>
-            <a:r>
-              <a:rPr lang="en-US" dirty="0" err="1"/>
-              <a:t>br</a:t>
-            </a:r>
-            <a:r>
-              <a:rPr lang="en-US" dirty="0"/>
-              <a:t> house: $157,375 </a:t>
-            </a:r>
-          </a:p>
-          <a:p>
-            <a:r>
-              <a:rPr lang="en-US" dirty="0"/>
-              <a:t>6 </a:t>
-            </a:r>
-            <a:r>
-              <a:rPr lang="en-US" dirty="0" err="1"/>
-              <a:t>br</a:t>
-            </a:r>
-            <a:r>
-              <a:rPr lang="en-US" dirty="0"/>
-              <a:t> house: $137,642</a:t>
+              <a:t>P values indicate chosen features used in model have effect on price</a:t>
             </a:r>
           </a:p>
         </p:txBody>
@@ -1712,7 +2197,7 @@
     </p:spTree>
     <p:extLst>
       <p:ext uri="{BB962C8B-B14F-4D97-AF65-F5344CB8AC3E}">
-        <p14:creationId xmlns:p14="http://schemas.microsoft.com/office/powerpoint/2010/main" val="2409919003"/>
+        <p14:creationId xmlns:p14="http://schemas.microsoft.com/office/powerpoint/2010/main" val="897597216"/>
       </p:ext>
     </p:extLst>
   </p:cSld>
@@ -1768,16 +2253,91 @@
           <a:p>
             <a:pPr algn="ctr"/>
             <a:r>
-              <a:rPr lang="en-US" dirty="0"/>
-              <a:t>Each individual square meter of living area </a:t>
+              <a:rPr lang="en-US" sz="1200" dirty="0">
+                <a:latin typeface="Helvetica" pitchFamily="2" charset="0"/>
+              </a:rPr>
+              <a:t>Overall Average Home Price: $540,297</a:t>
+            </a:r>
+            <a:br>
+              <a:rPr lang="en-US" sz="1200" dirty="0">
+                <a:latin typeface="Helvetica" pitchFamily="2" charset="0"/>
+              </a:rPr>
+            </a:br>
+            <a:r>
+              <a:rPr lang="en-US" sz="1200" dirty="0">
+                <a:latin typeface="Helvetica" pitchFamily="2" charset="0"/>
+              </a:rPr>
+              <a:t>Overall Average Number of Bedrooms: 3.4</a:t>
             </a:r>
           </a:p>
           <a:p>
             <a:pPr algn="ctr"/>
             <a:r>
-              <a:rPr lang="en-US" dirty="0"/>
-              <a:t>can increase value of the home by 0.4%</a:t>
-            </a:r>
+              <a:rPr lang="en-US" sz="1200" dirty="0">
+                <a:latin typeface="Helvetica" pitchFamily="2" charset="0"/>
+              </a:rPr>
+              <a:t>3 bedrooms most common(mode), followed by 4 bedroom homes</a:t>
+            </a:r>
+          </a:p>
+          <a:p>
+            <a:pPr algn="ctr"/>
+            <a:r>
+              <a:rPr lang="en-US" sz="1200" dirty="0">
+                <a:latin typeface="Helvetica" pitchFamily="2" charset="0"/>
+              </a:rPr>
+              <a:t>1 BR House: $ 318,239</a:t>
+            </a:r>
+          </a:p>
+          <a:p>
+            <a:pPr algn="ctr"/>
+            <a:r>
+              <a:rPr lang="en-US" sz="1200" dirty="0">
+                <a:latin typeface="Helvetica" pitchFamily="2" charset="0"/>
+              </a:rPr>
+              <a:t>2 BR House: $ 401,387</a:t>
+            </a:r>
+          </a:p>
+          <a:p>
+            <a:pPr algn="ctr"/>
+            <a:r>
+              <a:rPr lang="en-US" sz="1200" dirty="0">
+                <a:latin typeface="Helvetica" pitchFamily="2" charset="0"/>
+              </a:rPr>
+              <a:t>3 BR House: $ 466,294</a:t>
+            </a:r>
+          </a:p>
+          <a:p>
+            <a:pPr algn="ctr"/>
+            <a:r>
+              <a:rPr lang="en-US" sz="1200" dirty="0">
+                <a:latin typeface="Helvetica" pitchFamily="2" charset="0"/>
+              </a:rPr>
+              <a:t>4 BR House: $ 635,565</a:t>
+            </a:r>
+          </a:p>
+          <a:p>
+            <a:pPr algn="ctr"/>
+            <a:r>
+              <a:rPr lang="en-US" sz="1200" dirty="0">
+                <a:latin typeface="Helvetica" pitchFamily="2" charset="0"/>
+              </a:rPr>
+              <a:t>5 BR House: $ 786,874</a:t>
+            </a:r>
+          </a:p>
+          <a:p>
+            <a:pPr algn="ctr"/>
+            <a:r>
+              <a:rPr lang="en-US" sz="1200" dirty="0">
+                <a:latin typeface="Helvetica" pitchFamily="2" charset="0"/>
+              </a:rPr>
+              <a:t>6 BR House: $ 825,854</a:t>
+            </a:r>
+          </a:p>
+          <a:p>
+            <a:pPr algn="ctr"/>
+            <a:endParaRPr lang="en-US" sz="1200" dirty="0">
+              <a:latin typeface="Helvetica" pitchFamily="2" charset="0"/>
+            </a:endParaRPr>
           </a:p>
           <a:p>
             <a:endParaRPr lang="en-US" dirty="0"/>
@@ -1810,7 +2370,7 @@
     </p:spTree>
     <p:extLst>
       <p:ext uri="{BB962C8B-B14F-4D97-AF65-F5344CB8AC3E}">
-        <p14:creationId xmlns:p14="http://schemas.microsoft.com/office/powerpoint/2010/main" val="2840604434"/>
+        <p14:creationId xmlns:p14="http://schemas.microsoft.com/office/powerpoint/2010/main" val="285187000"/>
       </p:ext>
     </p:extLst>
   </p:cSld>
@@ -1859,321 +2419,119 @@
             <p:ph type="body" idx="1"/>
           </p:nvPr>
         </p:nvSpPr>
-        <p:spPr>
-          <a:xfrm>
-            <a:off x="685800" y="4400549"/>
-            <a:ext cx="5486400" cy="4027833"/>
-          </a:xfrm>
-        </p:spPr>
-        <p:txBody>
-          <a:bodyPr/>
-          <a:lstStyle/>
-          <a:p>
-            <a:pPr marL="0" marR="0" lvl="0" indent="0" algn="l" defTabSz="914400" rtl="0" eaLnBrk="1" fontAlgn="auto" latinLnBrk="0" hangingPunct="1">
-              <a:lnSpc>
-                <a:spcPct val="100000"/>
-              </a:lnSpc>
-              <a:spcBef>
-                <a:spcPts val="0"/>
-              </a:spcBef>
-              <a:spcAft>
-                <a:spcPts val="0"/>
-              </a:spcAft>
-              <a:buClrTx/>
-              <a:buSzTx/>
-              <a:buFontTx/>
-              <a:buNone/>
-              <a:tabLst/>
-              <a:defRPr/>
-            </a:pPr>
-            <a:r>
-              <a:rPr lang="en-US" sz="1000" dirty="0">
-                <a:latin typeface="+mj-lt"/>
+        <p:spPr/>
+        <p:txBody>
+          <a:bodyPr/>
+          <a:lstStyle/>
+          <a:p>
+            <a:r>
+              <a:rPr lang="en-US" sz="1200" dirty="0">
+                <a:latin typeface="Helvetica" pitchFamily="2" charset="0"/>
               </a:rPr>
-              <a:t>Every increase in grade unit can increase home value by 32%</a:t>
-            </a:r>
-          </a:p>
-          <a:p>
-            <a:pPr marL="0" marR="0" lvl="0" indent="0" algn="l" defTabSz="914400" rtl="0" eaLnBrk="1" fontAlgn="auto" latinLnBrk="0" hangingPunct="1">
-              <a:lnSpc>
-                <a:spcPct val="100000"/>
-              </a:lnSpc>
-              <a:spcBef>
-                <a:spcPts val="0"/>
-              </a:spcBef>
-              <a:spcAft>
-                <a:spcPts val="0"/>
-              </a:spcAft>
-              <a:buClrTx/>
-              <a:buSzTx/>
-              <a:buFontTx/>
-              <a:buNone/>
-              <a:tabLst/>
-              <a:defRPr/>
-            </a:pPr>
-            <a:endParaRPr lang="en-US" sz="1000" dirty="0">
-              <a:latin typeface="+mj-lt"/>
+              <a:t>Each bedroom in a home can increase the value of a home by an average of $127,573</a:t>
+            </a:r>
+          </a:p>
+          <a:p>
+            <a:endParaRPr lang="en-US" sz="1200" dirty="0">
+              <a:latin typeface="Helvetica" pitchFamily="2" charset="0"/>
             </a:endParaRPr>
           </a:p>
           <a:p>
-            <a:pPr marL="0" marR="0" lvl="0" indent="0" algn="l" defTabSz="914400" rtl="0" eaLnBrk="1" fontAlgn="auto" latinLnBrk="0" hangingPunct="1">
-              <a:lnSpc>
-                <a:spcPct val="100000"/>
-              </a:lnSpc>
-              <a:spcBef>
-                <a:spcPts val="0"/>
-              </a:spcBef>
-              <a:spcAft>
-                <a:spcPts val="0"/>
-              </a:spcAft>
-              <a:buClrTx/>
-              <a:buSzTx/>
-              <a:buFontTx/>
-              <a:buNone/>
-              <a:tabLst/>
-              <a:defRPr/>
-            </a:pPr>
-            <a:r>
-              <a:rPr lang="en-US" sz="1000" b="0" i="0" kern="1200" dirty="0">
-                <a:solidFill>
-                  <a:schemeClr val="tx1"/>
-                </a:solidFill>
-                <a:effectLst/>
-                <a:latin typeface="+mj-lt"/>
-                <a:ea typeface="+mn-ea"/>
-                <a:cs typeface="+mn-cs"/>
-              </a:rPr>
-              <a:t>According to King County government website: ‘Classification by construction quality which refers to the types of materials used and the quality of workmanship. Buildings of better quality (higher grade) cost more to build per unit of measure and command higher value.’</a:t>
-            </a:r>
-            <a:endParaRPr lang="en-US" sz="1000" dirty="0">
-              <a:latin typeface="+mj-lt"/>
-            </a:endParaRPr>
-          </a:p>
-          <a:p>
-            <a:endParaRPr lang="en-US" sz="1000" dirty="0">
-              <a:latin typeface="+mj-lt"/>
-            </a:endParaRPr>
-          </a:p>
-          <a:p>
-            <a:r>
-              <a:rPr lang="en-US" sz="1000" b="0" i="0" kern="1200" dirty="0">
-                <a:solidFill>
-                  <a:schemeClr val="tx1"/>
-                </a:solidFill>
-                <a:effectLst/>
-                <a:latin typeface="+mj-lt"/>
-                <a:ea typeface="+mn-ea"/>
-                <a:cs typeface="+mn-cs"/>
-              </a:rPr>
-              <a:t>Represents the construction quality of improvements. Grades run from grade 1 to 13. Generally defined as:</a:t>
+            <a:r>
+              <a:rPr lang="en-US" dirty="0"/>
+              <a:t>Price per bedroom(average home price/number of bedrooms)</a:t>
             </a:r>
             <a:br>
-              <a:rPr lang="en-US" sz="1000" dirty="0">
-                <a:latin typeface="+mj-lt"/>
-              </a:rPr>
+              <a:rPr lang="en-US" dirty="0"/>
             </a:br>
-            <a:br>
-              <a:rPr lang="en-US" sz="1000" dirty="0">
-                <a:latin typeface="+mj-lt"/>
-              </a:rPr>
-            </a:br>
-            <a:r>
-              <a:rPr lang="en-US" sz="1000" b="0" i="0" kern="1200" dirty="0">
-                <a:solidFill>
-                  <a:schemeClr val="tx1"/>
-                </a:solidFill>
-                <a:effectLst/>
-                <a:latin typeface="+mj-lt"/>
-                <a:ea typeface="+mn-ea"/>
-                <a:cs typeface="+mn-cs"/>
-              </a:rPr>
-              <a:t>1-3 Falls short of minimum building standards. Normally cabin or inferior structure.</a:t>
-            </a:r>
-            <a:br>
-              <a:rPr lang="en-US" sz="1000" dirty="0">
-                <a:latin typeface="+mj-lt"/>
-              </a:rPr>
-            </a:br>
-            <a:r>
-              <a:rPr lang="en-US" sz="1000" b="0" i="0" kern="1200" dirty="0">
-                <a:solidFill>
-                  <a:schemeClr val="tx1"/>
-                </a:solidFill>
-                <a:effectLst/>
-                <a:latin typeface="+mj-lt"/>
-                <a:ea typeface="+mn-ea"/>
-                <a:cs typeface="+mn-cs"/>
-              </a:rPr>
-              <a:t>4 Generally older, low quality construction. Does not meet code.</a:t>
-            </a:r>
-            <a:br>
-              <a:rPr lang="en-US" sz="1000" dirty="0">
-                <a:latin typeface="+mj-lt"/>
-              </a:rPr>
-            </a:br>
-            <a:r>
-              <a:rPr lang="en-US" sz="1000" b="0" i="0" kern="1200" dirty="0">
-                <a:solidFill>
-                  <a:schemeClr val="tx1"/>
-                </a:solidFill>
-                <a:effectLst/>
-                <a:latin typeface="+mj-lt"/>
-                <a:ea typeface="+mn-ea"/>
-                <a:cs typeface="+mn-cs"/>
-              </a:rPr>
-              <a:t>5 Low construction costs and workmanship. Small, simple design.</a:t>
-            </a:r>
-            <a:br>
-              <a:rPr lang="en-US" sz="1000" dirty="0">
-                <a:latin typeface="+mj-lt"/>
-              </a:rPr>
-            </a:br>
-            <a:r>
-              <a:rPr lang="en-US" sz="1000" b="0" i="0" kern="1200" dirty="0">
-                <a:solidFill>
-                  <a:schemeClr val="tx1"/>
-                </a:solidFill>
-                <a:effectLst/>
-                <a:latin typeface="+mj-lt"/>
-                <a:ea typeface="+mn-ea"/>
-                <a:cs typeface="+mn-cs"/>
-              </a:rPr>
-              <a:t>6 Lowest grade currently meeting building code. Low quality materials and simple designs.</a:t>
-            </a:r>
-            <a:br>
-              <a:rPr lang="en-US" sz="1000" dirty="0">
-                <a:latin typeface="+mj-lt"/>
-              </a:rPr>
-            </a:br>
-            <a:r>
-              <a:rPr lang="en-US" sz="1000" b="0" i="0" kern="1200" dirty="0">
-                <a:solidFill>
-                  <a:schemeClr val="tx1"/>
-                </a:solidFill>
-                <a:effectLst/>
-                <a:latin typeface="+mj-lt"/>
-                <a:ea typeface="+mn-ea"/>
-                <a:cs typeface="+mn-cs"/>
-              </a:rPr>
-              <a:t>7 Average grade of construction and design. Commonly seen in plats and older sub-divisions.</a:t>
-            </a:r>
-            <a:br>
-              <a:rPr lang="en-US" sz="1000" dirty="0">
-                <a:latin typeface="+mj-lt"/>
-              </a:rPr>
-            </a:br>
-            <a:r>
-              <a:rPr lang="en-US" sz="1000" b="0" i="0" kern="1200" dirty="0">
-                <a:solidFill>
-                  <a:schemeClr val="tx1"/>
-                </a:solidFill>
-                <a:effectLst/>
-                <a:latin typeface="+mj-lt"/>
-                <a:ea typeface="+mn-ea"/>
-                <a:cs typeface="+mn-cs"/>
-              </a:rPr>
-              <a:t>8 Just above average in construction and design. Usually better materials in both the exterior and interior finish work.</a:t>
-            </a:r>
-            <a:br>
-              <a:rPr lang="en-US" sz="1000" dirty="0">
-                <a:latin typeface="+mj-lt"/>
-              </a:rPr>
-            </a:br>
-            <a:r>
-              <a:rPr lang="en-US" sz="1000" b="0" i="0" kern="1200" dirty="0">
-                <a:solidFill>
-                  <a:schemeClr val="tx1"/>
-                </a:solidFill>
-                <a:effectLst/>
-                <a:latin typeface="+mj-lt"/>
-                <a:ea typeface="+mn-ea"/>
-                <a:cs typeface="+mn-cs"/>
-              </a:rPr>
-              <a:t>9 Better architectural design with extra interior and exterior design and quality.</a:t>
-            </a:r>
-            <a:br>
-              <a:rPr lang="en-US" sz="1000" dirty="0">
-                <a:latin typeface="+mj-lt"/>
-              </a:rPr>
-            </a:br>
-            <a:r>
-              <a:rPr lang="en-US" sz="1000" b="0" i="0" kern="1200" dirty="0">
-                <a:solidFill>
-                  <a:schemeClr val="tx1"/>
-                </a:solidFill>
-                <a:effectLst/>
-                <a:latin typeface="+mj-lt"/>
-                <a:ea typeface="+mn-ea"/>
-                <a:cs typeface="+mn-cs"/>
-              </a:rPr>
-              <a:t>10 Homes of this quality generally have high quality features. Finish work is better and more design quality is seen in the floor plans. Generally have a larger square footage.</a:t>
-            </a:r>
-            <a:br>
-              <a:rPr lang="en-US" sz="1000" dirty="0">
-                <a:latin typeface="+mj-lt"/>
-              </a:rPr>
-            </a:br>
-            <a:r>
-              <a:rPr lang="en-US" sz="1000" b="0" i="0" kern="1200" dirty="0">
-                <a:solidFill>
-                  <a:schemeClr val="tx1"/>
-                </a:solidFill>
-                <a:effectLst/>
-                <a:latin typeface="+mj-lt"/>
-                <a:ea typeface="+mn-ea"/>
-                <a:cs typeface="+mn-cs"/>
-              </a:rPr>
-              <a:t>11 Custom design and higher quality finish work with added amenities of solid woods, bathroom fixtures and more luxurious options.</a:t>
-            </a:r>
-            <a:br>
-              <a:rPr lang="en-US" sz="1000" dirty="0">
-                <a:latin typeface="+mj-lt"/>
-              </a:rPr>
-            </a:br>
-            <a:r>
-              <a:rPr lang="en-US" sz="1000" b="0" i="0" kern="1200" dirty="0">
-                <a:solidFill>
-                  <a:schemeClr val="tx1"/>
-                </a:solidFill>
-                <a:effectLst/>
-                <a:latin typeface="+mj-lt"/>
-                <a:ea typeface="+mn-ea"/>
-                <a:cs typeface="+mn-cs"/>
-              </a:rPr>
-              <a:t>12 Custom design and excellent builders. All materials are of the highest quality and all conveniences are present.</a:t>
-            </a:r>
-            <a:br>
-              <a:rPr lang="en-US" sz="1000" dirty="0">
-                <a:latin typeface="+mj-lt"/>
-              </a:rPr>
-            </a:br>
-            <a:r>
-              <a:rPr lang="en-US" sz="1000" b="0" i="0" kern="1200" dirty="0">
-                <a:solidFill>
-                  <a:schemeClr val="tx1"/>
-                </a:solidFill>
-                <a:effectLst/>
-                <a:latin typeface="+mj-lt"/>
-                <a:ea typeface="+mn-ea"/>
-                <a:cs typeface="+mn-cs"/>
-              </a:rPr>
-              <a:t>13 Generally custom designed and built. Mansion level. Large amount of highest quality cabinet work, wood trim, marble, entry ways </a:t>
-            </a:r>
-            <a:r>
-              <a:rPr lang="en-US" sz="1000" b="0" i="0" kern="1200" dirty="0" err="1">
-                <a:solidFill>
-                  <a:schemeClr val="tx1"/>
-                </a:solidFill>
-                <a:effectLst/>
-                <a:latin typeface="+mj-lt"/>
-                <a:ea typeface="+mn-ea"/>
-                <a:cs typeface="+mn-cs"/>
-              </a:rPr>
-              <a:t>etc</a:t>
-            </a:r>
-            <a:endParaRPr lang="en-US" sz="1000" dirty="0">
-              <a:latin typeface="+mj-lt"/>
-            </a:endParaRPr>
+            <a:r>
+              <a:rPr lang="en-US" dirty="0"/>
+              <a:t>:</a:t>
+            </a:r>
+          </a:p>
+          <a:p>
+            <a:r>
+              <a:rPr lang="en-US" dirty="0"/>
+              <a:t>1 </a:t>
+            </a:r>
+            <a:r>
+              <a:rPr lang="en-US" dirty="0" err="1"/>
+              <a:t>br</a:t>
+            </a:r>
+            <a:r>
+              <a:rPr lang="en-US" dirty="0"/>
+              <a:t> house: $329,414</a:t>
+            </a:r>
+          </a:p>
+          <a:p>
+            <a:r>
+              <a:rPr lang="en-US" dirty="0"/>
+              <a:t>2 </a:t>
+            </a:r>
+            <a:r>
+              <a:rPr lang="en-US" dirty="0" err="1"/>
+              <a:t>br</a:t>
+            </a:r>
+            <a:r>
+              <a:rPr lang="en-US" dirty="0"/>
+              <a:t> house: $201,122 </a:t>
+            </a:r>
+          </a:p>
+          <a:p>
+            <a:r>
+              <a:rPr lang="en-US" dirty="0"/>
+              <a:t>3 </a:t>
+            </a:r>
+            <a:r>
+              <a:rPr lang="en-US" dirty="0" err="1"/>
+              <a:t>br</a:t>
+            </a:r>
+            <a:r>
+              <a:rPr lang="en-US" dirty="0"/>
+              <a:t> house: $155,516</a:t>
+            </a:r>
+          </a:p>
+          <a:p>
+            <a:r>
+              <a:rPr lang="en-US" dirty="0"/>
+              <a:t>4 </a:t>
+            </a:r>
+            <a:r>
+              <a:rPr lang="en-US" dirty="0" err="1"/>
+              <a:t>br</a:t>
+            </a:r>
+            <a:r>
+              <a:rPr lang="en-US" dirty="0"/>
+              <a:t> house: $158,925</a:t>
+            </a:r>
+          </a:p>
+          <a:p>
+            <a:r>
+              <a:rPr lang="en-US" dirty="0"/>
+              <a:t>5 </a:t>
+            </a:r>
+            <a:r>
+              <a:rPr lang="en-US" dirty="0" err="1"/>
+              <a:t>br</a:t>
+            </a:r>
+            <a:r>
+              <a:rPr lang="en-US" dirty="0"/>
+              <a:t> house: $157,375 </a:t>
+            </a:r>
+          </a:p>
+          <a:p>
+            <a:r>
+              <a:rPr lang="en-US" dirty="0"/>
+              <a:t>6 </a:t>
+            </a:r>
+            <a:r>
+              <a:rPr lang="en-US" dirty="0" err="1"/>
+              <a:t>br</a:t>
+            </a:r>
+            <a:r>
+              <a:rPr lang="en-US" dirty="0"/>
+              <a:t> house: $137,642</a:t>
+            </a:r>
           </a:p>
         </p:txBody>
       </p:sp>
@@ -2203,7 +2561,7 @@
     </p:spTree>
     <p:extLst>
       <p:ext uri="{BB962C8B-B14F-4D97-AF65-F5344CB8AC3E}">
-        <p14:creationId xmlns:p14="http://schemas.microsoft.com/office/powerpoint/2010/main" val="1422155694"/>
+        <p14:creationId xmlns:p14="http://schemas.microsoft.com/office/powerpoint/2010/main" val="2409919003"/>
       </p:ext>
     </p:extLst>
   </p:cSld>
@@ -2257,38 +2615,21 @@
           <a:bodyPr/>
           <a:lstStyle/>
           <a:p>
-            <a:r>
-              <a:rPr lang="en-US" dirty="0">
-                <a:latin typeface="+mj-lt"/>
-              </a:rPr>
-              <a:t>Newer homes consistently earn higher grade during home inspections </a:t>
-            </a:r>
-          </a:p>
-          <a:p>
-            <a:endParaRPr lang="en-US" dirty="0">
-              <a:latin typeface="+mj-lt"/>
-            </a:endParaRPr>
-          </a:p>
-          <a:p>
-            <a:r>
-              <a:rPr lang="en-US" dirty="0">
-                <a:latin typeface="+mj-lt"/>
-              </a:rPr>
-              <a:t>Older homes trend lower average grades on home inspections</a:t>
-            </a:r>
-          </a:p>
-          <a:p>
-            <a:endParaRPr lang="en-US" dirty="0">
-              <a:latin typeface="+mj-lt"/>
-            </a:endParaRPr>
-          </a:p>
-          <a:p>
-            <a:r>
-              <a:rPr lang="en-US" dirty="0">
-                <a:latin typeface="+mj-lt"/>
-              </a:rPr>
-              <a:t>Recall that price average increases as grade increases</a:t>
-            </a:r>
+            <a:pPr algn="ctr"/>
+            <a:r>
+              <a:rPr lang="en-US" dirty="0"/>
+              <a:t>Each individual square meter of living area </a:t>
+            </a:r>
+          </a:p>
+          <a:p>
+            <a:pPr algn="ctr"/>
+            <a:r>
+              <a:rPr lang="en-US" dirty="0"/>
+              <a:t>can increase value of the home by 0.4%</a:t>
+            </a:r>
+          </a:p>
+          <a:p>
+            <a:endParaRPr lang="en-US" dirty="0"/>
           </a:p>
         </p:txBody>
       </p:sp>
@@ -2318,7 +2659,7 @@
     </p:spTree>
     <p:extLst>
       <p:ext uri="{BB962C8B-B14F-4D97-AF65-F5344CB8AC3E}">
-        <p14:creationId xmlns:p14="http://schemas.microsoft.com/office/powerpoint/2010/main" val="2824993748"/>
+        <p14:creationId xmlns:p14="http://schemas.microsoft.com/office/powerpoint/2010/main" val="2840604434"/>
       </p:ext>
     </p:extLst>
   </p:cSld>
@@ -5582,7 +5923,7 @@
               <a:rPr lang="en-US" sz="4000" dirty="0">
                 <a:latin typeface="Helvetica" pitchFamily="2" charset="0"/>
               </a:rPr>
-              <a:t>Housing Dataset Analysis</a:t>
+              <a:t>Housing Analysis &amp; Insights</a:t>
             </a:r>
           </a:p>
         </p:txBody>
@@ -5615,8 +5956,8 @@
         </p:blipFill>
         <p:spPr>
           <a:xfrm>
-            <a:off x="1650124" y="958604"/>
-            <a:ext cx="8371793" cy="5860255"/>
+            <a:off x="2084076" y="1853665"/>
+            <a:ext cx="7447381" cy="5213167"/>
           </a:xfrm>
           <a:prstGeom prst="rect">
             <a:avLst/>
@@ -5712,6 +6053,221 @@
           <p:cNvPr id="2" name="Title 1">
             <a:extLst>
               <a:ext uri="{FF2B5EF4-FFF2-40B4-BE49-F238E27FC236}">
+                <a16:creationId xmlns:a16="http://schemas.microsoft.com/office/drawing/2014/main" id="{3BFAFC7A-9626-8540-8A30-34A41B86972E}"/>
+              </a:ext>
+            </a:extLst>
+          </p:cNvPr>
+          <p:cNvSpPr>
+            <a:spLocks noGrp="1"/>
+          </p:cNvSpPr>
+          <p:nvPr>
+            <p:ph type="title"/>
+          </p:nvPr>
+        </p:nvSpPr>
+        <p:spPr/>
+        <p:txBody>
+          <a:bodyPr/>
+          <a:lstStyle/>
+          <a:p>
+            <a:pPr algn="ctr"/>
+            <a:r>
+              <a:rPr lang="en-US" dirty="0">
+                <a:latin typeface="Helvetica" pitchFamily="2" charset="0"/>
+              </a:rPr>
+              <a:t>Good Inspection = Higher Value</a:t>
+            </a:r>
+          </a:p>
+        </p:txBody>
+      </p:sp>
+      <p:pic>
+        <p:nvPicPr>
+          <p:cNvPr id="5" name="Content Placeholder 4" descr="A picture containing sitting, white, room&#10;&#10;Description automatically generated">
+            <a:extLst>
+              <a:ext uri="{FF2B5EF4-FFF2-40B4-BE49-F238E27FC236}">
+                <a16:creationId xmlns:a16="http://schemas.microsoft.com/office/drawing/2014/main" id="{0E8677C0-6EEF-A445-9FDF-DD6BBA290C66}"/>
+              </a:ext>
+            </a:extLst>
+          </p:cNvPr>
+          <p:cNvPicPr>
+            <a:picLocks noGrp="1" noChangeAspect="1"/>
+          </p:cNvPicPr>
+          <p:nvPr>
+            <p:ph idx="1"/>
+          </p:nvPr>
+        </p:nvPicPr>
+        <p:blipFill>
+          <a:blip r:embed="rId4"/>
+          <a:stretch>
+            <a:fillRect/>
+          </a:stretch>
+        </p:blipFill>
+        <p:spPr>
+          <a:xfrm>
+            <a:off x="2158853" y="1405212"/>
+            <a:ext cx="7622045" cy="4351338"/>
+          </a:xfrm>
+        </p:spPr>
+      </p:pic>
+    </p:spTree>
+    <p:custDataLst>
+      <p:tags r:id="rId1"/>
+    </p:custDataLst>
+    <p:extLst>
+      <p:ext uri="{BB962C8B-B14F-4D97-AF65-F5344CB8AC3E}">
+        <p14:creationId xmlns:p14="http://schemas.microsoft.com/office/powerpoint/2010/main" val="2635892142"/>
+      </p:ext>
+    </p:extLst>
+  </p:cSld>
+  <p:clrMapOvr>
+    <a:masterClrMapping/>
+  </p:clrMapOvr>
+  <mc:AlternateContent xmlns:mc="http://schemas.openxmlformats.org/markup-compatibility/2006" xmlns:p14="http://schemas.microsoft.com/office/powerpoint/2010/main">
+    <mc:Choice Requires="p14">
+      <p:transition spd="slow" p14:dur="2000" advTm="48026"/>
+    </mc:Choice>
+    <mc:Fallback xmlns="">
+      <p:transition spd="slow" advTm="48026"/>
+    </mc:Fallback>
+  </mc:AlternateContent>
+  <p:extLst>
+    <p:ext uri="{E180D4A7-C9FB-4DFB-919C-405C955672EB}">
+      <p14:showEvtLst xmlns:p14="http://schemas.microsoft.com/office/powerpoint/2010/main">
+        <p14:playEvt time="1037" objId="3"/>
+        <p14:stopEvt time="47382" objId="3"/>
+      </p14:showEvtLst>
+    </p:ext>
+  </p:extLst>
+</p:sld>
+</file>
+
+<file path=ppt/slides/slide11.xml><?xml version="1.0" encoding="utf-8"?>
+<p:sld xmlns:a="http://schemas.openxmlformats.org/drawingml/2006/main" xmlns:r="http://schemas.openxmlformats.org/officeDocument/2006/relationships" xmlns:p="http://schemas.openxmlformats.org/presentationml/2006/main">
+  <p:cSld>
+    <p:spTree>
+      <p:nvGrpSpPr>
+        <p:cNvPr id="1" name=""/>
+        <p:cNvGrpSpPr/>
+        <p:nvPr/>
+      </p:nvGrpSpPr>
+      <p:grpSpPr>
+        <a:xfrm>
+          <a:off x="0" y="0"/>
+          <a:ext cx="0" cy="0"/>
+          <a:chOff x="0" y="0"/>
+          <a:chExt cx="0" cy="0"/>
+        </a:xfrm>
+      </p:grpSpPr>
+      <p:sp>
+        <p:nvSpPr>
+          <p:cNvPr id="2" name="Title 1">
+            <a:extLst>
+              <a:ext uri="{FF2B5EF4-FFF2-40B4-BE49-F238E27FC236}">
+                <a16:creationId xmlns:a16="http://schemas.microsoft.com/office/drawing/2014/main" id="{79DF4A5D-9E50-A342-BCC5-3D023B405A1C}"/>
+              </a:ext>
+            </a:extLst>
+          </p:cNvPr>
+          <p:cNvSpPr>
+            <a:spLocks noGrp="1"/>
+          </p:cNvSpPr>
+          <p:nvPr>
+            <p:ph type="title"/>
+          </p:nvPr>
+        </p:nvSpPr>
+        <p:spPr/>
+        <p:txBody>
+          <a:bodyPr/>
+          <a:lstStyle/>
+          <a:p>
+            <a:r>
+              <a:rPr lang="en-US" dirty="0"/>
+              <a:t>Relationship between Home Grade and Age</a:t>
+            </a:r>
+          </a:p>
+        </p:txBody>
+      </p:sp>
+      <p:pic>
+        <p:nvPicPr>
+          <p:cNvPr id="5" name="Content Placeholder 4" descr="A picture containing text&#10;&#10;Description automatically generated">
+            <a:extLst>
+              <a:ext uri="{FF2B5EF4-FFF2-40B4-BE49-F238E27FC236}">
+                <a16:creationId xmlns:a16="http://schemas.microsoft.com/office/drawing/2014/main" id="{19865AF6-BA13-9344-A3F3-952BAAF4E61E}"/>
+              </a:ext>
+            </a:extLst>
+          </p:cNvPr>
+          <p:cNvPicPr>
+            <a:picLocks noGrp="1" noChangeAspect="1"/>
+          </p:cNvPicPr>
+          <p:nvPr>
+            <p:ph idx="1"/>
+          </p:nvPr>
+        </p:nvPicPr>
+        <p:blipFill>
+          <a:blip r:embed="rId4"/>
+          <a:stretch>
+            <a:fillRect/>
+          </a:stretch>
+        </p:blipFill>
+        <p:spPr>
+          <a:xfrm>
+            <a:off x="2858580" y="1825625"/>
+            <a:ext cx="6474840" cy="4351338"/>
+          </a:xfrm>
+        </p:spPr>
+      </p:pic>
+    </p:spTree>
+    <p:custDataLst>
+      <p:tags r:id="rId1"/>
+    </p:custDataLst>
+    <p:extLst>
+      <p:ext uri="{BB962C8B-B14F-4D97-AF65-F5344CB8AC3E}">
+        <p14:creationId xmlns:p14="http://schemas.microsoft.com/office/powerpoint/2010/main" val="3799889981"/>
+      </p:ext>
+    </p:extLst>
+  </p:cSld>
+  <p:clrMapOvr>
+    <a:masterClrMapping/>
+  </p:clrMapOvr>
+  <mc:AlternateContent xmlns:mc="http://schemas.openxmlformats.org/markup-compatibility/2006" xmlns:p14="http://schemas.microsoft.com/office/powerpoint/2010/main">
+    <mc:Choice Requires="p14">
+      <p:transition spd="slow" p14:dur="2000" advTm="74347"/>
+    </mc:Choice>
+    <mc:Fallback xmlns="">
+      <p:transition spd="slow" advTm="74347"/>
+    </mc:Fallback>
+  </mc:AlternateContent>
+  <p:extLst>
+    <p:ext uri="{E180D4A7-C9FB-4DFB-919C-405C955672EB}">
+      <p14:showEvtLst xmlns:p14="http://schemas.microsoft.com/office/powerpoint/2010/main">
+        <p14:playEvt time="808" objId="3"/>
+        <p14:stopEvt time="74347" objId="3"/>
+      </p14:showEvtLst>
+    </p:ext>
+  </p:extLst>
+</p:sld>
+</file>
+
+<file path=ppt/slides/slide12.xml><?xml version="1.0" encoding="utf-8"?>
+<p:sld xmlns:a="http://schemas.openxmlformats.org/drawingml/2006/main" xmlns:r="http://schemas.openxmlformats.org/officeDocument/2006/relationships" xmlns:p="http://schemas.openxmlformats.org/presentationml/2006/main">
+  <p:cSld>
+    <p:spTree>
+      <p:nvGrpSpPr>
+        <p:cNvPr id="1" name=""/>
+        <p:cNvGrpSpPr/>
+        <p:nvPr/>
+      </p:nvGrpSpPr>
+      <p:grpSpPr>
+        <a:xfrm>
+          <a:off x="0" y="0"/>
+          <a:ext cx="0" cy="0"/>
+          <a:chOff x="0" y="0"/>
+          <a:chExt cx="0" cy="0"/>
+        </a:xfrm>
+      </p:grpSpPr>
+      <p:sp>
+        <p:nvSpPr>
+          <p:cNvPr id="2" name="Title 1">
+            <a:extLst>
+              <a:ext uri="{FF2B5EF4-FFF2-40B4-BE49-F238E27FC236}">
                 <a16:creationId xmlns:a16="http://schemas.microsoft.com/office/drawing/2014/main" id="{2BE0EF75-FCEC-F648-9F74-90D3F383DE69}"/>
               </a:ext>
             </a:extLst>
@@ -5797,7 +6353,7 @@
 </p:sld>
 </file>
 
-<file path=ppt/slides/slide11.xml><?xml version="1.0" encoding="utf-8"?>
+<file path=ppt/slides/slide13.xml><?xml version="1.0" encoding="utf-8"?>
 <p:sld xmlns:a="http://schemas.openxmlformats.org/drawingml/2006/main" xmlns:r="http://schemas.openxmlformats.org/officeDocument/2006/relationships" xmlns:p="http://schemas.openxmlformats.org/presentationml/2006/main">
   <p:cSld>
     <p:spTree>
@@ -5989,7 +6545,7 @@
 </p:sld>
 </file>
 
-<file path=ppt/slides/slide12.xml><?xml version="1.0" encoding="utf-8"?>
+<file path=ppt/slides/slide14.xml><?xml version="1.0" encoding="utf-8"?>
 <p:sld xmlns:a="http://schemas.openxmlformats.org/drawingml/2006/main" xmlns:r="http://schemas.openxmlformats.org/officeDocument/2006/relationships" xmlns:p="http://schemas.openxmlformats.org/presentationml/2006/main">
   <p:cSld>
     <p:spTree>
@@ -6097,7 +6653,7 @@
 </p:sld>
 </file>
 
-<file path=ppt/slides/slide13.xml><?xml version="1.0" encoding="utf-8"?>
+<file path=ppt/slides/slide15.xml><?xml version="1.0" encoding="utf-8"?>
 <p:sld xmlns:a="http://schemas.openxmlformats.org/drawingml/2006/main" xmlns:r="http://schemas.openxmlformats.org/officeDocument/2006/relationships" xmlns:p="http://schemas.openxmlformats.org/presentationml/2006/main">
   <p:cSld>
     <p:spTree>
@@ -6201,7 +6757,7 @@
 </p:sld>
 </file>
 
-<file path=ppt/slides/slide14.xml><?xml version="1.0" encoding="utf-8"?>
+<file path=ppt/slides/slide16.xml><?xml version="1.0" encoding="utf-8"?>
 <p:sld xmlns:a="http://schemas.openxmlformats.org/drawingml/2006/main" xmlns:r="http://schemas.openxmlformats.org/officeDocument/2006/relationships" xmlns:p="http://schemas.openxmlformats.org/presentationml/2006/main">
   <p:cSld>
     <p:spTree>
@@ -6335,6 +6891,107 @@
           <p:cNvPr id="2" name="Title 1">
             <a:extLst>
               <a:ext uri="{FF2B5EF4-FFF2-40B4-BE49-F238E27FC236}">
+                <a16:creationId xmlns:a16="http://schemas.microsoft.com/office/drawing/2014/main" id="{1A65705D-8B8D-C14A-A6AB-455882C52FD3}"/>
+              </a:ext>
+            </a:extLst>
+          </p:cNvPr>
+          <p:cNvSpPr>
+            <a:spLocks noGrp="1"/>
+          </p:cNvSpPr>
+          <p:nvPr>
+            <p:ph type="title"/>
+          </p:nvPr>
+        </p:nvSpPr>
+        <p:spPr>
+          <a:xfrm>
+            <a:off x="3519406" y="628596"/>
+            <a:ext cx="10515600" cy="1325563"/>
+          </a:xfrm>
+        </p:spPr>
+        <p:txBody>
+          <a:bodyPr/>
+          <a:lstStyle/>
+          <a:p>
+            <a:r>
+              <a:rPr lang="en-US" dirty="0"/>
+              <a:t>Problem Statement</a:t>
+            </a:r>
+          </a:p>
+        </p:txBody>
+      </p:sp>
+      <p:sp>
+        <p:nvSpPr>
+          <p:cNvPr id="3" name="Content Placeholder 2">
+            <a:extLst>
+              <a:ext uri="{FF2B5EF4-FFF2-40B4-BE49-F238E27FC236}">
+                <a16:creationId xmlns:a16="http://schemas.microsoft.com/office/drawing/2014/main" id="{166E982F-26F7-F340-BC61-8BA5DA1816A8}"/>
+              </a:ext>
+            </a:extLst>
+          </p:cNvPr>
+          <p:cNvSpPr>
+            <a:spLocks noGrp="1"/>
+          </p:cNvSpPr>
+          <p:nvPr>
+            <p:ph idx="1"/>
+          </p:nvPr>
+        </p:nvSpPr>
+        <p:spPr>
+          <a:xfrm>
+            <a:off x="1720957" y="2355742"/>
+            <a:ext cx="8750085" cy="4751120"/>
+          </a:xfrm>
+        </p:spPr>
+        <p:txBody>
+          <a:bodyPr/>
+          <a:lstStyle/>
+          <a:p>
+            <a:pPr marL="0" indent="0" algn="ctr">
+              <a:buNone/>
+            </a:pPr>
+            <a:r>
+              <a:rPr lang="en-US" dirty="0">
+                <a:latin typeface="+mj-lt"/>
+              </a:rPr>
+              <a:t>Housing markets fluctuate and realtors want to be able to price homes at a value that provides value to the buyer while also providing the seller with a fair offer. Basing this on home features, creating a regression model that can predict the potential prices for these homes.</a:t>
+            </a:r>
+          </a:p>
+        </p:txBody>
+      </p:sp>
+    </p:spTree>
+    <p:extLst>
+      <p:ext uri="{BB962C8B-B14F-4D97-AF65-F5344CB8AC3E}">
+        <p14:creationId xmlns:p14="http://schemas.microsoft.com/office/powerpoint/2010/main" val="3787542905"/>
+      </p:ext>
+    </p:extLst>
+  </p:cSld>
+  <p:clrMapOvr>
+    <a:masterClrMapping/>
+  </p:clrMapOvr>
+</p:sld>
+</file>
+
+<file path=ppt/slides/slide3.xml><?xml version="1.0" encoding="utf-8"?>
+<p:sld xmlns:a="http://schemas.openxmlformats.org/drawingml/2006/main" xmlns:r="http://schemas.openxmlformats.org/officeDocument/2006/relationships" xmlns:p="http://schemas.openxmlformats.org/presentationml/2006/main">
+  <p:cSld>
+    <p:spTree>
+      <p:nvGrpSpPr>
+        <p:cNvPr id="1" name=""/>
+        <p:cNvGrpSpPr/>
+        <p:nvPr/>
+      </p:nvGrpSpPr>
+      <p:grpSpPr>
+        <a:xfrm>
+          <a:off x="0" y="0"/>
+          <a:ext cx="0" cy="0"/>
+          <a:chOff x="0" y="0"/>
+          <a:chExt cx="0" cy="0"/>
+        </a:xfrm>
+      </p:grpSpPr>
+      <p:sp>
+        <p:nvSpPr>
+          <p:cNvPr id="2" name="Title 1">
+            <a:extLst>
+              <a:ext uri="{FF2B5EF4-FFF2-40B4-BE49-F238E27FC236}">
                 <a16:creationId xmlns:a16="http://schemas.microsoft.com/office/drawing/2014/main" id="{862CD4F6-35A1-854B-A9E1-A68CF83DCEE0}"/>
               </a:ext>
             </a:extLst>
@@ -6346,14 +7003,21 @@
             <p:ph type="title"/>
           </p:nvPr>
         </p:nvSpPr>
-        <p:spPr/>
-        <p:txBody>
-          <a:bodyPr/>
-          <a:lstStyle/>
-          <a:p>
-            <a:r>
-              <a:rPr lang="en-US" dirty="0"/>
-              <a:t>Problems</a:t>
+        <p:spPr>
+          <a:xfrm>
+            <a:off x="4015353" y="613098"/>
+            <a:ext cx="10515600" cy="1325563"/>
+          </a:xfrm>
+        </p:spPr>
+        <p:txBody>
+          <a:bodyPr>
+            <a:normAutofit/>
+          </a:bodyPr>
+          <a:lstStyle/>
+          <a:p>
+            <a:r>
+              <a:rPr lang="en-US" sz="4800" dirty="0"/>
+              <a:t>Business Value</a:t>
             </a:r>
           </a:p>
         </p:txBody>
@@ -6374,29 +7038,58 @@
             <p:ph idx="1"/>
           </p:nvPr>
         </p:nvSpPr>
-        <p:spPr/>
-        <p:txBody>
-          <a:bodyPr/>
-          <a:lstStyle/>
-          <a:p>
-            <a:endParaRPr lang="en-US" dirty="0"/>
-          </a:p>
-          <a:p>
-            <a:r>
-              <a:rPr lang="en-US" dirty="0"/>
-              <a:t>Assess predicting factors, and combinations of factors that affect value of home</a:t>
-            </a:r>
-          </a:p>
-          <a:p>
-            <a:r>
-              <a:rPr lang="en-US" dirty="0"/>
-              <a:t> Create model to predict housing prices based on criteria provided in dataset</a:t>
-            </a:r>
-          </a:p>
-          <a:p>
-            <a:r>
-              <a:rPr lang="en-US" dirty="0"/>
-              <a:t>Find attributes that increase value of house </a:t>
+        <p:spPr>
+          <a:xfrm>
+            <a:off x="838200" y="1614569"/>
+            <a:ext cx="10515600" cy="4351338"/>
+          </a:xfrm>
+        </p:spPr>
+        <p:txBody>
+          <a:bodyPr/>
+          <a:lstStyle/>
+          <a:p>
+            <a:pPr algn="ctr"/>
+            <a:endParaRPr lang="en-US" sz="3600" dirty="0">
+              <a:latin typeface="+mj-lt"/>
+            </a:endParaRPr>
+          </a:p>
+          <a:p>
+            <a:pPr algn="ctr"/>
+            <a:r>
+              <a:rPr lang="en-US" sz="3600" dirty="0">
+                <a:latin typeface="+mj-lt"/>
+              </a:rPr>
+              <a:t>Features influencing sale price</a:t>
+            </a:r>
+          </a:p>
+          <a:p>
+            <a:pPr algn="ctr"/>
+            <a:endParaRPr lang="en-US" sz="3600" dirty="0">
+              <a:latin typeface="+mj-lt"/>
+            </a:endParaRPr>
+          </a:p>
+          <a:p>
+            <a:pPr algn="ctr"/>
+            <a:r>
+              <a:rPr lang="en-US" sz="3600" dirty="0">
+                <a:latin typeface="+mj-lt"/>
+              </a:rPr>
+              <a:t> Predict house prices</a:t>
+            </a:r>
+          </a:p>
+          <a:p>
+            <a:pPr algn="ctr"/>
+            <a:endParaRPr lang="en-US" sz="3600" dirty="0">
+              <a:latin typeface="+mj-lt"/>
+            </a:endParaRPr>
+          </a:p>
+          <a:p>
+            <a:pPr algn="ctr"/>
+            <a:r>
+              <a:rPr lang="en-US" sz="3600" dirty="0">
+                <a:latin typeface="+mj-lt"/>
+              </a:rPr>
+              <a:t>Increase value</a:t>
             </a:r>
           </a:p>
           <a:p>
@@ -6417,7 +7110,7 @@
 </p:sld>
 </file>
 
-<file path=ppt/slides/slide3.xml><?xml version="1.0" encoding="utf-8"?>
+<file path=ppt/slides/slide4.xml><?xml version="1.0" encoding="utf-8"?>
 <p:sld xmlns:a="http://schemas.openxmlformats.org/drawingml/2006/main" xmlns:r="http://schemas.openxmlformats.org/officeDocument/2006/relationships" xmlns:p="http://schemas.openxmlformats.org/presentationml/2006/main">
   <p:cSld>
     <p:spTree>
@@ -6760,7 +7453,7 @@
 </p:sld>
 </file>
 
-<file path=ppt/slides/slide4.xml><?xml version="1.0" encoding="utf-8"?>
+<file path=ppt/slides/slide5.xml><?xml version="1.0" encoding="utf-8"?>
 <p:sld xmlns:a="http://schemas.openxmlformats.org/drawingml/2006/main" xmlns:r="http://schemas.openxmlformats.org/officeDocument/2006/relationships" xmlns:p="http://schemas.openxmlformats.org/presentationml/2006/main">
   <p:cSld>
     <p:spTree>
@@ -6782,7 +7475,7 @@
           <p:cNvPr id="2" name="Title 1">
             <a:extLst>
               <a:ext uri="{FF2B5EF4-FFF2-40B4-BE49-F238E27FC236}">
-                <a16:creationId xmlns:a16="http://schemas.microsoft.com/office/drawing/2014/main" id="{DB379CB4-FC58-6D4A-B358-3B0BD5D70DDE}"/>
+                <a16:creationId xmlns:a16="http://schemas.microsoft.com/office/drawing/2014/main" id="{7024796E-F039-9644-9965-C51B6D2573AC}"/>
               </a:ext>
             </a:extLst>
           </p:cNvPr>
@@ -6798,10 +7491,9 @@
           <a:bodyPr/>
           <a:lstStyle/>
           <a:p>
-            <a:pPr algn="ctr"/>
-            <a:r>
-              <a:rPr lang="en-US" dirty="0"/>
-              <a:t>Regression Model </a:t>
+            <a:r>
+              <a:rPr lang="en-US" sz="5400" dirty="0"/>
+              <a:t>Methodology</a:t>
             </a:r>
           </a:p>
         </p:txBody>
@@ -6811,7 +7503,7 @@
           <p:cNvPr id="3" name="Content Placeholder 2">
             <a:extLst>
               <a:ext uri="{FF2B5EF4-FFF2-40B4-BE49-F238E27FC236}">
-                <a16:creationId xmlns:a16="http://schemas.microsoft.com/office/drawing/2014/main" id="{7FCEB6AE-FD62-E545-AB37-12B29BEA9640}"/>
+                <a16:creationId xmlns:a16="http://schemas.microsoft.com/office/drawing/2014/main" id="{0F68895D-26F8-3E48-A835-D394232A155D}"/>
               </a:ext>
             </a:extLst>
           </p:cNvPr>
@@ -6824,20 +7516,157 @@
         </p:nvSpPr>
         <p:spPr>
           <a:xfrm>
-            <a:off x="838200" y="1395319"/>
+            <a:off x="838200" y="1980608"/>
             <a:ext cx="10515600" cy="4351338"/>
           </a:xfrm>
         </p:spPr>
         <p:txBody>
-          <a:bodyPr/>
+          <a:bodyPr>
+            <a:normAutofit/>
+          </a:bodyPr>
+          <a:lstStyle/>
+          <a:p>
+            <a:r>
+              <a:rPr lang="en-US" sz="3600" dirty="0">
+                <a:latin typeface="+mj-lt"/>
+              </a:rPr>
+              <a:t>Data</a:t>
+            </a:r>
+          </a:p>
+          <a:p>
+            <a:r>
+              <a:rPr lang="en-US" sz="3600" dirty="0">
+                <a:latin typeface="+mj-lt"/>
+              </a:rPr>
+              <a:t>Multiple Regression</a:t>
+            </a:r>
+          </a:p>
+          <a:p>
+            <a:r>
+              <a:rPr lang="en-US" sz="3600" dirty="0">
+                <a:latin typeface="+mj-lt"/>
+              </a:rPr>
+              <a:t>Linear Regression(single variable)</a:t>
+            </a:r>
+          </a:p>
+          <a:p>
+            <a:r>
+              <a:rPr lang="en-US" sz="3600" dirty="0">
+                <a:latin typeface="+mj-lt"/>
+              </a:rPr>
+              <a:t>Stepwise Regression</a:t>
+            </a:r>
+          </a:p>
+          <a:p>
+            <a:r>
+              <a:rPr lang="en-US" sz="3600" dirty="0">
+                <a:latin typeface="+mj-lt"/>
+              </a:rPr>
+              <a:t>Cross-validation</a:t>
+            </a:r>
+          </a:p>
+        </p:txBody>
+      </p:sp>
+    </p:spTree>
+    <p:extLst>
+      <p:ext uri="{BB962C8B-B14F-4D97-AF65-F5344CB8AC3E}">
+        <p14:creationId xmlns:p14="http://schemas.microsoft.com/office/powerpoint/2010/main" val="1927438614"/>
+      </p:ext>
+    </p:extLst>
+  </p:cSld>
+  <p:clrMapOvr>
+    <a:masterClrMapping/>
+  </p:clrMapOvr>
+</p:sld>
+</file>
+
+<file path=ppt/slides/slide6.xml><?xml version="1.0" encoding="utf-8"?>
+<p:sld xmlns:a="http://schemas.openxmlformats.org/drawingml/2006/main" xmlns:r="http://schemas.openxmlformats.org/officeDocument/2006/relationships" xmlns:p="http://schemas.openxmlformats.org/presentationml/2006/main">
+  <p:cSld>
+    <p:spTree>
+      <p:nvGrpSpPr>
+        <p:cNvPr id="1" name=""/>
+        <p:cNvGrpSpPr/>
+        <p:nvPr/>
+      </p:nvGrpSpPr>
+      <p:grpSpPr>
+        <a:xfrm>
+          <a:off x="0" y="0"/>
+          <a:ext cx="0" cy="0"/>
+          <a:chOff x="0" y="0"/>
+          <a:chExt cx="0" cy="0"/>
+        </a:xfrm>
+      </p:grpSpPr>
+      <p:sp>
+        <p:nvSpPr>
+          <p:cNvPr id="2" name="Title 1">
+            <a:extLst>
+              <a:ext uri="{FF2B5EF4-FFF2-40B4-BE49-F238E27FC236}">
+                <a16:creationId xmlns:a16="http://schemas.microsoft.com/office/drawing/2014/main" id="{DB379CB4-FC58-6D4A-B358-3B0BD5D70DDE}"/>
+              </a:ext>
+            </a:extLst>
+          </p:cNvPr>
+          <p:cNvSpPr>
+            <a:spLocks noGrp="1"/>
+          </p:cNvSpPr>
+          <p:nvPr>
+            <p:ph type="title"/>
+          </p:nvPr>
+        </p:nvSpPr>
+        <p:spPr>
+          <a:xfrm>
+            <a:off x="466241" y="18255"/>
+            <a:ext cx="10515600" cy="1325563"/>
+          </a:xfrm>
+        </p:spPr>
+        <p:txBody>
+          <a:bodyPr/>
+          <a:lstStyle/>
+          <a:p>
+            <a:pPr algn="ctr"/>
+            <a:r>
+              <a:rPr lang="en-US" dirty="0"/>
+              <a:t>Regression Model </a:t>
+            </a:r>
+          </a:p>
+        </p:txBody>
+      </p:sp>
+      <p:sp>
+        <p:nvSpPr>
+          <p:cNvPr id="3" name="Content Placeholder 2">
+            <a:extLst>
+              <a:ext uri="{FF2B5EF4-FFF2-40B4-BE49-F238E27FC236}">
+                <a16:creationId xmlns:a16="http://schemas.microsoft.com/office/drawing/2014/main" id="{7FCEB6AE-FD62-E545-AB37-12B29BEA9640}"/>
+              </a:ext>
+            </a:extLst>
+          </p:cNvPr>
+          <p:cNvSpPr>
+            <a:spLocks noGrp="1"/>
+          </p:cNvSpPr>
+          <p:nvPr>
+            <p:ph idx="1"/>
+          </p:nvPr>
+        </p:nvSpPr>
+        <p:spPr>
+          <a:xfrm>
+            <a:off x="582706" y="1023352"/>
+            <a:ext cx="10515600" cy="4351338"/>
+          </a:xfrm>
+        </p:spPr>
+        <p:txBody>
+          <a:bodyPr>
+            <a:normAutofit/>
+          </a:bodyPr>
           <a:lstStyle/>
           <a:p>
             <a:pPr marL="0" indent="0" algn="ctr">
               <a:buNone/>
             </a:pPr>
             <a:r>
-              <a:rPr lang="en-US" dirty="0"/>
-              <a:t>R squared 0.732</a:t>
+              <a:rPr lang="en-US" sz="2400" dirty="0">
+                <a:latin typeface="+mj-lt"/>
+              </a:rPr>
+              <a:t>R squared = 0.732</a:t>
             </a:r>
           </a:p>
           <a:p>
@@ -6845,8 +7674,38 @@
               <a:buNone/>
             </a:pPr>
             <a:r>
-              <a:rPr lang="en-US" dirty="0"/>
+              <a:rPr lang="en-US" sz="2400" dirty="0">
+                <a:latin typeface="+mj-lt"/>
+              </a:rPr>
               <a:t>P-values &lt; 0.5</a:t>
+            </a:r>
+          </a:p>
+          <a:p>
+            <a:pPr marL="0" indent="0" algn="ctr">
+              <a:buNone/>
+            </a:pPr>
+            <a:r>
+              <a:rPr lang="en-US" sz="2400" dirty="0" err="1">
+                <a:latin typeface="+mj-lt"/>
+              </a:rPr>
+              <a:t>Breush</a:t>
+            </a:r>
+            <a:r>
+              <a:rPr lang="en-US" sz="2400" dirty="0">
+                <a:latin typeface="+mj-lt"/>
+              </a:rPr>
+              <a:t>-Pagan : f p-value &gt; 0.5</a:t>
+            </a:r>
+          </a:p>
+          <a:p>
+            <a:pPr marL="0" indent="0" algn="ctr">
+              <a:buNone/>
+            </a:pPr>
+            <a:r>
+              <a:rPr lang="en-US" sz="2400" dirty="0">
+                <a:latin typeface="+mj-lt"/>
+              </a:rPr>
+              <a:t>Cross Validation 10 splits = 0.732 </a:t>
             </a:r>
           </a:p>
         </p:txBody>
@@ -6994,7 +7853,7 @@
 </p:sld>
 </file>
 
-<file path=ppt/slides/slide5.xml><?xml version="1.0" encoding="utf-8"?>
+<file path=ppt/slides/slide7.xml><?xml version="1.0" encoding="utf-8"?>
 <p:sld xmlns:a="http://schemas.openxmlformats.org/drawingml/2006/main" xmlns:r="http://schemas.openxmlformats.org/officeDocument/2006/relationships" xmlns:p="http://schemas.openxmlformats.org/presentationml/2006/main">
   <p:cSld>
     <p:spTree>
@@ -7118,7 +7977,7 @@
 </p:sld>
 </file>
 
-<file path=ppt/slides/slide6.xml><?xml version="1.0" encoding="utf-8"?>
+<file path=ppt/slides/slide8.xml><?xml version="1.0" encoding="utf-8"?>
 <p:sld xmlns:a="http://schemas.openxmlformats.org/drawingml/2006/main" xmlns:r="http://schemas.openxmlformats.org/officeDocument/2006/relationships" xmlns:p="http://schemas.openxmlformats.org/presentationml/2006/main">
   <p:cSld>
     <p:spTree>
@@ -7245,7 +8104,7 @@
 </p:sld>
 </file>
 
-<file path=ppt/slides/slide7.xml><?xml version="1.0" encoding="utf-8"?>
+<file path=ppt/slides/slide9.xml><?xml version="1.0" encoding="utf-8"?>
 <p:sld xmlns:a="http://schemas.openxmlformats.org/drawingml/2006/main" xmlns:r="http://schemas.openxmlformats.org/officeDocument/2006/relationships" xmlns:p="http://schemas.openxmlformats.org/presentationml/2006/main">
   <p:cSld>
     <p:spTree>
@@ -7392,221 +8251,6 @@
       <p14:showEvtLst xmlns:p14="http://schemas.microsoft.com/office/powerpoint/2010/main">
         <p14:playEvt time="525" objId="3"/>
         <p14:stopEvt time="19205" objId="3"/>
-      </p14:showEvtLst>
-    </p:ext>
-  </p:extLst>
-</p:sld>
-</file>
-
-<file path=ppt/slides/slide8.xml><?xml version="1.0" encoding="utf-8"?>
-<p:sld xmlns:a="http://schemas.openxmlformats.org/drawingml/2006/main" xmlns:r="http://schemas.openxmlformats.org/officeDocument/2006/relationships" xmlns:p="http://schemas.openxmlformats.org/presentationml/2006/main">
-  <p:cSld>
-    <p:spTree>
-      <p:nvGrpSpPr>
-        <p:cNvPr id="1" name=""/>
-        <p:cNvGrpSpPr/>
-        <p:nvPr/>
-      </p:nvGrpSpPr>
-      <p:grpSpPr>
-        <a:xfrm>
-          <a:off x="0" y="0"/>
-          <a:ext cx="0" cy="0"/>
-          <a:chOff x="0" y="0"/>
-          <a:chExt cx="0" cy="0"/>
-        </a:xfrm>
-      </p:grpSpPr>
-      <p:sp>
-        <p:nvSpPr>
-          <p:cNvPr id="2" name="Title 1">
-            <a:extLst>
-              <a:ext uri="{FF2B5EF4-FFF2-40B4-BE49-F238E27FC236}">
-                <a16:creationId xmlns:a16="http://schemas.microsoft.com/office/drawing/2014/main" id="{3BFAFC7A-9626-8540-8A30-34A41B86972E}"/>
-              </a:ext>
-            </a:extLst>
-          </p:cNvPr>
-          <p:cNvSpPr>
-            <a:spLocks noGrp="1"/>
-          </p:cNvSpPr>
-          <p:nvPr>
-            <p:ph type="title"/>
-          </p:nvPr>
-        </p:nvSpPr>
-        <p:spPr/>
-        <p:txBody>
-          <a:bodyPr/>
-          <a:lstStyle/>
-          <a:p>
-            <a:pPr algn="ctr"/>
-            <a:r>
-              <a:rPr lang="en-US" dirty="0">
-                <a:latin typeface="Helvetica" pitchFamily="2" charset="0"/>
-              </a:rPr>
-              <a:t>Good Inspection = Higher Value</a:t>
-            </a:r>
-          </a:p>
-        </p:txBody>
-      </p:sp>
-      <p:pic>
-        <p:nvPicPr>
-          <p:cNvPr id="5" name="Content Placeholder 4" descr="A picture containing sitting, white, room&#10;&#10;Description automatically generated">
-            <a:extLst>
-              <a:ext uri="{FF2B5EF4-FFF2-40B4-BE49-F238E27FC236}">
-                <a16:creationId xmlns:a16="http://schemas.microsoft.com/office/drawing/2014/main" id="{0E8677C0-6EEF-A445-9FDF-DD6BBA290C66}"/>
-              </a:ext>
-            </a:extLst>
-          </p:cNvPr>
-          <p:cNvPicPr>
-            <a:picLocks noGrp="1" noChangeAspect="1"/>
-          </p:cNvPicPr>
-          <p:nvPr>
-            <p:ph idx="1"/>
-          </p:nvPr>
-        </p:nvPicPr>
-        <p:blipFill>
-          <a:blip r:embed="rId4"/>
-          <a:stretch>
-            <a:fillRect/>
-          </a:stretch>
-        </p:blipFill>
-        <p:spPr>
-          <a:xfrm>
-            <a:off x="2158853" y="1405212"/>
-            <a:ext cx="7622045" cy="4351338"/>
-          </a:xfrm>
-        </p:spPr>
-      </p:pic>
-    </p:spTree>
-    <p:custDataLst>
-      <p:tags r:id="rId1"/>
-    </p:custDataLst>
-    <p:extLst>
-      <p:ext uri="{BB962C8B-B14F-4D97-AF65-F5344CB8AC3E}">
-        <p14:creationId xmlns:p14="http://schemas.microsoft.com/office/powerpoint/2010/main" val="2635892142"/>
-      </p:ext>
-    </p:extLst>
-  </p:cSld>
-  <p:clrMapOvr>
-    <a:masterClrMapping/>
-  </p:clrMapOvr>
-  <mc:AlternateContent xmlns:mc="http://schemas.openxmlformats.org/markup-compatibility/2006" xmlns:p14="http://schemas.microsoft.com/office/powerpoint/2010/main">
-    <mc:Choice Requires="p14">
-      <p:transition spd="slow" p14:dur="2000" advTm="48026"/>
-    </mc:Choice>
-    <mc:Fallback xmlns="">
-      <p:transition spd="slow" advTm="48026"/>
-    </mc:Fallback>
-  </mc:AlternateContent>
-  <p:extLst>
-    <p:ext uri="{E180D4A7-C9FB-4DFB-919C-405C955672EB}">
-      <p14:showEvtLst xmlns:p14="http://schemas.microsoft.com/office/powerpoint/2010/main">
-        <p14:playEvt time="1037" objId="3"/>
-        <p14:stopEvt time="47382" objId="3"/>
-      </p14:showEvtLst>
-    </p:ext>
-  </p:extLst>
-</p:sld>
-</file>
-
-<file path=ppt/slides/slide9.xml><?xml version="1.0" encoding="utf-8"?>
-<p:sld xmlns:a="http://schemas.openxmlformats.org/drawingml/2006/main" xmlns:r="http://schemas.openxmlformats.org/officeDocument/2006/relationships" xmlns:p="http://schemas.openxmlformats.org/presentationml/2006/main">
-  <p:cSld>
-    <p:spTree>
-      <p:nvGrpSpPr>
-        <p:cNvPr id="1" name=""/>
-        <p:cNvGrpSpPr/>
-        <p:nvPr/>
-      </p:nvGrpSpPr>
-      <p:grpSpPr>
-        <a:xfrm>
-          <a:off x="0" y="0"/>
-          <a:ext cx="0" cy="0"/>
-          <a:chOff x="0" y="0"/>
-          <a:chExt cx="0" cy="0"/>
-        </a:xfrm>
-      </p:grpSpPr>
-      <p:sp>
-        <p:nvSpPr>
-          <p:cNvPr id="2" name="Title 1">
-            <a:extLst>
-              <a:ext uri="{FF2B5EF4-FFF2-40B4-BE49-F238E27FC236}">
-                <a16:creationId xmlns:a16="http://schemas.microsoft.com/office/drawing/2014/main" id="{79DF4A5D-9E50-A342-BCC5-3D023B405A1C}"/>
-              </a:ext>
-            </a:extLst>
-          </p:cNvPr>
-          <p:cNvSpPr>
-            <a:spLocks noGrp="1"/>
-          </p:cNvSpPr>
-          <p:nvPr>
-            <p:ph type="title"/>
-          </p:nvPr>
-        </p:nvSpPr>
-        <p:spPr/>
-        <p:txBody>
-          <a:bodyPr/>
-          <a:lstStyle/>
-          <a:p>
-            <a:r>
-              <a:rPr lang="en-US" dirty="0"/>
-              <a:t>Relationship between Home Grade and Age</a:t>
-            </a:r>
-          </a:p>
-        </p:txBody>
-      </p:sp>
-      <p:pic>
-        <p:nvPicPr>
-          <p:cNvPr id="5" name="Content Placeholder 4" descr="A picture containing text&#10;&#10;Description automatically generated">
-            <a:extLst>
-              <a:ext uri="{FF2B5EF4-FFF2-40B4-BE49-F238E27FC236}">
-                <a16:creationId xmlns:a16="http://schemas.microsoft.com/office/drawing/2014/main" id="{19865AF6-BA13-9344-A3F3-952BAAF4E61E}"/>
-              </a:ext>
-            </a:extLst>
-          </p:cNvPr>
-          <p:cNvPicPr>
-            <a:picLocks noGrp="1" noChangeAspect="1"/>
-          </p:cNvPicPr>
-          <p:nvPr>
-            <p:ph idx="1"/>
-          </p:nvPr>
-        </p:nvPicPr>
-        <p:blipFill>
-          <a:blip r:embed="rId4"/>
-          <a:stretch>
-            <a:fillRect/>
-          </a:stretch>
-        </p:blipFill>
-        <p:spPr>
-          <a:xfrm>
-            <a:off x="2858580" y="1825625"/>
-            <a:ext cx="6474840" cy="4351338"/>
-          </a:xfrm>
-        </p:spPr>
-      </p:pic>
-    </p:spTree>
-    <p:custDataLst>
-      <p:tags r:id="rId1"/>
-    </p:custDataLst>
-    <p:extLst>
-      <p:ext uri="{BB962C8B-B14F-4D97-AF65-F5344CB8AC3E}">
-        <p14:creationId xmlns:p14="http://schemas.microsoft.com/office/powerpoint/2010/main" val="3799889981"/>
-      </p:ext>
-    </p:extLst>
-  </p:cSld>
-  <p:clrMapOvr>
-    <a:masterClrMapping/>
-  </p:clrMapOvr>
-  <mc:AlternateContent xmlns:mc="http://schemas.openxmlformats.org/markup-compatibility/2006" xmlns:p14="http://schemas.microsoft.com/office/powerpoint/2010/main">
-    <mc:Choice Requires="p14">
-      <p:transition spd="slow" p14:dur="2000" advTm="74347"/>
-    </mc:Choice>
-    <mc:Fallback xmlns="">
-      <p:transition spd="slow" advTm="74347"/>
-    </mc:Fallback>
-  </mc:AlternateContent>
-  <p:extLst>
-    <p:ext uri="{E180D4A7-C9FB-4DFB-919C-405C955672EB}">
-      <p14:showEvtLst xmlns:p14="http://schemas.microsoft.com/office/powerpoint/2010/main">
-        <p14:playEvt time="808" objId="3"/>
-        <p14:stopEvt time="74347" objId="3"/>
       </p14:showEvtLst>
     </p:ext>
   </p:extLst>
